--- a/KAIST_IAM_GROUP/230926_dac_cstorage.pptx
+++ b/KAIST_IAM_GROUP/230926_dac_cstorage.pptx
@@ -8,6 +8,25 @@
     <p:sldId id="260" r:id="rId2"/>
     <p:sldId id="261" r:id="rId3"/>
     <p:sldId id="264" r:id="rId4"/>
+    <p:sldId id="265" r:id="rId5"/>
+    <p:sldId id="266" r:id="rId6"/>
+    <p:sldId id="267" r:id="rId7"/>
+    <p:sldId id="268" r:id="rId8"/>
+    <p:sldId id="273" r:id="rId9"/>
+    <p:sldId id="269" r:id="rId10"/>
+    <p:sldId id="277" r:id="rId11"/>
+    <p:sldId id="270" r:id="rId12"/>
+    <p:sldId id="274" r:id="rId13"/>
+    <p:sldId id="278" r:id="rId14"/>
+    <p:sldId id="272" r:id="rId15"/>
+    <p:sldId id="276" r:id="rId16"/>
+    <p:sldId id="271" r:id="rId17"/>
+    <p:sldId id="275" r:id="rId18"/>
+    <p:sldId id="280" r:id="rId19"/>
+    <p:sldId id="279" r:id="rId20"/>
+    <p:sldId id="281" r:id="rId21"/>
+    <p:sldId id="282" r:id="rId22"/>
+    <p:sldId id="283" r:id="rId23"/>
   </p:sldIdLst>
   <p:sldSz cx="12192000" cy="6858000"/>
   <p:notesSz cx="6858000" cy="9144000"/>
@@ -261,7 +280,7 @@
           <a:p>
             <a:fld id="{940DC0C4-EA8E-4FFC-BD2D-657BEAC6653B}" type="datetimeFigureOut">
               <a:rPr lang="ko-KR" altLang="en-US" smtClean="0"/>
-              <a:t>2023-09-25</a:t>
+              <a:t>2023-10-20</a:t>
             </a:fld>
             <a:endParaRPr lang="ko-KR" altLang="en-US"/>
           </a:p>
@@ -459,7 +478,7 @@
           <a:p>
             <a:fld id="{940DC0C4-EA8E-4FFC-BD2D-657BEAC6653B}" type="datetimeFigureOut">
               <a:rPr lang="ko-KR" altLang="en-US" smtClean="0"/>
-              <a:t>2023-09-25</a:t>
+              <a:t>2023-10-20</a:t>
             </a:fld>
             <a:endParaRPr lang="ko-KR" altLang="en-US"/>
           </a:p>
@@ -667,7 +686,7 @@
           <a:p>
             <a:fld id="{940DC0C4-EA8E-4FFC-BD2D-657BEAC6653B}" type="datetimeFigureOut">
               <a:rPr lang="ko-KR" altLang="en-US" smtClean="0"/>
-              <a:t>2023-09-25</a:t>
+              <a:t>2023-10-20</a:t>
             </a:fld>
             <a:endParaRPr lang="ko-KR" altLang="en-US"/>
           </a:p>
@@ -865,7 +884,7 @@
           <a:p>
             <a:fld id="{940DC0C4-EA8E-4FFC-BD2D-657BEAC6653B}" type="datetimeFigureOut">
               <a:rPr lang="ko-KR" altLang="en-US" smtClean="0"/>
-              <a:t>2023-09-25</a:t>
+              <a:t>2023-10-20</a:t>
             </a:fld>
             <a:endParaRPr lang="ko-KR" altLang="en-US"/>
           </a:p>
@@ -1140,7 +1159,7 @@
           <a:p>
             <a:fld id="{940DC0C4-EA8E-4FFC-BD2D-657BEAC6653B}" type="datetimeFigureOut">
               <a:rPr lang="ko-KR" altLang="en-US" smtClean="0"/>
-              <a:t>2023-09-25</a:t>
+              <a:t>2023-10-20</a:t>
             </a:fld>
             <a:endParaRPr lang="ko-KR" altLang="en-US"/>
           </a:p>
@@ -1405,7 +1424,7 @@
           <a:p>
             <a:fld id="{940DC0C4-EA8E-4FFC-BD2D-657BEAC6653B}" type="datetimeFigureOut">
               <a:rPr lang="ko-KR" altLang="en-US" smtClean="0"/>
-              <a:t>2023-09-25</a:t>
+              <a:t>2023-10-20</a:t>
             </a:fld>
             <a:endParaRPr lang="ko-KR" altLang="en-US"/>
           </a:p>
@@ -1817,7 +1836,7 @@
           <a:p>
             <a:fld id="{940DC0C4-EA8E-4FFC-BD2D-657BEAC6653B}" type="datetimeFigureOut">
               <a:rPr lang="ko-KR" altLang="en-US" smtClean="0"/>
-              <a:t>2023-09-25</a:t>
+              <a:t>2023-10-20</a:t>
             </a:fld>
             <a:endParaRPr lang="ko-KR" altLang="en-US"/>
           </a:p>
@@ -1958,7 +1977,7 @@
           <a:p>
             <a:fld id="{940DC0C4-EA8E-4FFC-BD2D-657BEAC6653B}" type="datetimeFigureOut">
               <a:rPr lang="ko-KR" altLang="en-US" smtClean="0"/>
-              <a:t>2023-09-25</a:t>
+              <a:t>2023-10-20</a:t>
             </a:fld>
             <a:endParaRPr lang="ko-KR" altLang="en-US"/>
           </a:p>
@@ -2071,7 +2090,7 @@
           <a:p>
             <a:fld id="{940DC0C4-EA8E-4FFC-BD2D-657BEAC6653B}" type="datetimeFigureOut">
               <a:rPr lang="ko-KR" altLang="en-US" smtClean="0"/>
-              <a:t>2023-09-25</a:t>
+              <a:t>2023-10-20</a:t>
             </a:fld>
             <a:endParaRPr lang="ko-KR" altLang="en-US"/>
           </a:p>
@@ -2382,7 +2401,7 @@
           <a:p>
             <a:fld id="{940DC0C4-EA8E-4FFC-BD2D-657BEAC6653B}" type="datetimeFigureOut">
               <a:rPr lang="ko-KR" altLang="en-US" smtClean="0"/>
-              <a:t>2023-09-25</a:t>
+              <a:t>2023-10-20</a:t>
             </a:fld>
             <a:endParaRPr lang="ko-KR" altLang="en-US"/>
           </a:p>
@@ -2670,7 +2689,7 @@
           <a:p>
             <a:fld id="{940DC0C4-EA8E-4FFC-BD2D-657BEAC6653B}" type="datetimeFigureOut">
               <a:rPr lang="ko-KR" altLang="en-US" smtClean="0"/>
-              <a:t>2023-09-25</a:t>
+              <a:t>2023-10-20</a:t>
             </a:fld>
             <a:endParaRPr lang="ko-KR" altLang="en-US"/>
           </a:p>
@@ -2911,7 +2930,7 @@
           <a:p>
             <a:fld id="{940DC0C4-EA8E-4FFC-BD2D-657BEAC6653B}" type="datetimeFigureOut">
               <a:rPr lang="ko-KR" altLang="en-US" smtClean="0"/>
-              <a:t>2023-09-25</a:t>
+              <a:t>2023-10-20</a:t>
             </a:fld>
             <a:endParaRPr lang="ko-KR" altLang="en-US"/>
           </a:p>
@@ -3343,7 +3362,7 @@
         <p:spPr>
           <a:xfrm>
             <a:off x="416169" y="201468"/>
-            <a:ext cx="10673172" cy="1600438"/>
+            <a:ext cx="10673172" cy="2431435"/>
           </a:xfrm>
           <a:prstGeom prst="rect">
             <a:avLst/>
@@ -3375,7 +3394,19 @@
             </a:pPr>
             <a:r>
               <a:rPr lang="en-US" altLang="ko-KR" dirty="0"/>
-              <a:t>What’s the difference between Cstorage.xml and  Cstorage_X2.xml</a:t>
+              <a:t>Tried to find out the the difference between </a:t>
+            </a:r>
+            <a:r>
+              <a:rPr lang="en-US" altLang="ko-KR" i="1" u="sng" dirty="0"/>
+              <a:t>Cstorage.xml </a:t>
+            </a:r>
+            <a:r>
+              <a:rPr lang="en-US" altLang="ko-KR" dirty="0"/>
+              <a:t>and  </a:t>
+            </a:r>
+            <a:r>
+              <a:rPr lang="en-US" altLang="ko-KR" i="1" u="sng" dirty="0"/>
+              <a:t>Cstorage_X2.xml</a:t>
             </a:r>
           </a:p>
           <a:p>
@@ -3385,7 +3416,77 @@
             </a:pPr>
             <a:r>
               <a:rPr lang="en-US" altLang="ko-KR" dirty="0"/>
-              <a:t>Cstorage_X2.xml -&gt;target country : South Korea, target tech : offshore carbon-storage</a:t>
+              <a:t>Some modifications are found in Cstorage_X2.xml file. target country : </a:t>
+            </a:r>
+            <a:r>
+              <a:rPr lang="en-US" altLang="ko-KR" dirty="0">
+                <a:highlight>
+                  <a:srgbClr val="FFFF00"/>
+                </a:highlight>
+              </a:rPr>
+              <a:t>South Korea</a:t>
+            </a:r>
+            <a:r>
+              <a:rPr lang="en-US" altLang="ko-KR" dirty="0"/>
+              <a:t>, target tech : </a:t>
+            </a:r>
+            <a:r>
+              <a:rPr lang="en-US" altLang="ko-KR" dirty="0">
+                <a:highlight>
+                  <a:srgbClr val="FFFF00"/>
+                </a:highlight>
+              </a:rPr>
+              <a:t>offshore carbon-storage</a:t>
+            </a:r>
+          </a:p>
+          <a:p>
+            <a:pPr marL="285750" indent="-285750">
+              <a:buFontTx/>
+              <a:buChar char="-"/>
+            </a:pPr>
+            <a:r>
+              <a:rPr lang="en-US" altLang="ko-KR" dirty="0"/>
+              <a:t>Input cost for South Korea’s offshore carbon storage is set to 423 by 2050. Where</a:t>
+            </a:r>
+            <a:r>
+              <a:rPr lang="ko-KR" altLang="en-US" dirty="0"/>
+              <a:t> </a:t>
+            </a:r>
+            <a:r>
+              <a:rPr lang="en-US" altLang="ko-KR" dirty="0"/>
+              <a:t>does</a:t>
+            </a:r>
+            <a:r>
+              <a:rPr lang="ko-KR" altLang="en-US" dirty="0"/>
+              <a:t> </a:t>
+            </a:r>
+            <a:r>
+              <a:rPr lang="en-US" altLang="ko-KR" dirty="0"/>
+              <a:t>that</a:t>
+            </a:r>
+            <a:r>
+              <a:rPr lang="ko-KR" altLang="en-US" dirty="0"/>
+              <a:t> </a:t>
+            </a:r>
+            <a:r>
+              <a:rPr lang="en-US" altLang="ko-KR" dirty="0"/>
+              <a:t>number</a:t>
+            </a:r>
+            <a:r>
+              <a:rPr lang="ko-KR" altLang="en-US" dirty="0"/>
+              <a:t> </a:t>
+            </a:r>
+            <a:r>
+              <a:rPr lang="en-US" altLang="ko-KR" dirty="0"/>
+              <a:t>come</a:t>
+            </a:r>
+            <a:r>
+              <a:rPr lang="ko-KR" altLang="en-US" dirty="0"/>
+              <a:t> </a:t>
+            </a:r>
+            <a:r>
+              <a:rPr lang="en-US" altLang="ko-KR" dirty="0"/>
+              <a:t>from??</a:t>
             </a:r>
           </a:p>
         </p:txBody>
@@ -3467,8 +3568,8 @@
         </p:blipFill>
         <p:spPr>
           <a:xfrm>
-            <a:off x="1232831" y="1972804"/>
-            <a:ext cx="9726337" cy="4808483"/>
+            <a:off x="1676400" y="2632903"/>
+            <a:ext cx="8152709" cy="4030517"/>
           </a:xfrm>
           <a:prstGeom prst="rect">
             <a:avLst/>
@@ -3479,6 +3580,1962 @@
     <p:extLst>
       <p:ext uri="{BB962C8B-B14F-4D97-AF65-F5344CB8AC3E}">
         <p14:creationId xmlns:p14="http://schemas.microsoft.com/office/powerpoint/2010/main" val="479037162"/>
+      </p:ext>
+    </p:extLst>
+  </p:cSld>
+  <p:clrMapOvr>
+    <a:masterClrMapping/>
+  </p:clrMapOvr>
+</p:sld>
+</file>
+
+<file path=ppt/slides/slide10.xml><?xml version="1.0" encoding="utf-8"?>
+<p:sld xmlns:a="http://schemas.openxmlformats.org/drawingml/2006/main" xmlns:r="http://schemas.openxmlformats.org/officeDocument/2006/relationships" xmlns:p="http://schemas.openxmlformats.org/presentationml/2006/main">
+  <p:cSld>
+    <p:spTree>
+      <p:nvGrpSpPr>
+        <p:cNvPr id="1" name=""/>
+        <p:cNvGrpSpPr/>
+        <p:nvPr/>
+      </p:nvGrpSpPr>
+      <p:grpSpPr>
+        <a:xfrm>
+          <a:off x="0" y="0"/>
+          <a:ext cx="0" cy="0"/>
+          <a:chOff x="0" y="0"/>
+          <a:chExt cx="0" cy="0"/>
+        </a:xfrm>
+      </p:grpSpPr>
+      <p:sp>
+        <p:nvSpPr>
+          <p:cNvPr id="10" name="TextBox 9">
+            <a:extLst>
+              <a:ext uri="{FF2B5EF4-FFF2-40B4-BE49-F238E27FC236}">
+                <a16:creationId xmlns:a16="http://schemas.microsoft.com/office/drawing/2014/main" id="{1A586119-7B32-44ED-B870-3977A9F3582F}"/>
+              </a:ext>
+            </a:extLst>
+          </p:cNvPr>
+          <p:cNvSpPr txBox="1"/>
+          <p:nvPr/>
+        </p:nvSpPr>
+        <p:spPr>
+          <a:xfrm>
+            <a:off x="416169" y="201468"/>
+            <a:ext cx="10673172" cy="1600438"/>
+          </a:xfrm>
+          <a:prstGeom prst="rect">
+            <a:avLst/>
+          </a:prstGeom>
+          <a:noFill/>
+        </p:spPr>
+        <p:txBody>
+          <a:bodyPr wrap="square" rtlCol="0">
+            <a:spAutoFit/>
+          </a:bodyPr>
+          <a:lstStyle/>
+          <a:p>
+            <a:r>
+              <a:rPr lang="en-US" altLang="ko-KR" sz="4400" dirty="0"/>
+              <a:t>231010 Success -&gt; </a:t>
+            </a:r>
+            <a:r>
+              <a:rPr lang="ko-KR" altLang="en-US" sz="4400" dirty="0">
+                <a:highlight>
+                  <a:srgbClr val="FFFF00"/>
+                </a:highlight>
+              </a:rPr>
+              <a:t>일본 값으로 변경</a:t>
+            </a:r>
+            <a:endParaRPr lang="en-US" altLang="ko-KR" sz="4400" dirty="0">
+              <a:highlight>
+                <a:srgbClr val="FFFF00"/>
+              </a:highlight>
+            </a:endParaRPr>
+          </a:p>
+          <a:p>
+            <a:endParaRPr lang="en-US" altLang="ko-KR" dirty="0"/>
+          </a:p>
+          <a:p>
+            <a:pPr marL="285750" indent="-285750">
+              <a:buFontTx/>
+              <a:buChar char="-"/>
+            </a:pPr>
+            <a:r>
+              <a:rPr lang="en-US" altLang="ko-KR" dirty="0"/>
+              <a:t>Onshore </a:t>
+            </a:r>
+            <a:r>
+              <a:rPr lang="ko-KR" altLang="en-US" dirty="0"/>
+              <a:t>값 일본과 동일하게 변경 후 파악</a:t>
+            </a:r>
+            <a:endParaRPr lang="en-US" altLang="ko-KR" dirty="0"/>
+          </a:p>
+          <a:p>
+            <a:pPr marL="285750" indent="-285750">
+              <a:buFontTx/>
+              <a:buChar char="-"/>
+            </a:pPr>
+            <a:r>
+              <a:rPr lang="en-US" altLang="ko-KR" dirty="0">
+                <a:highlight>
+                  <a:srgbClr val="FFFF00"/>
+                </a:highlight>
+              </a:rPr>
+              <a:t>No </a:t>
+            </a:r>
+            <a:r>
+              <a:rPr lang="en-US" altLang="ko-KR" dirty="0" err="1">
+                <a:highlight>
+                  <a:srgbClr val="FFFF00"/>
+                </a:highlight>
+              </a:rPr>
+              <a:t>dac</a:t>
+            </a:r>
+            <a:r>
+              <a:rPr lang="en-US" altLang="ko-KR" dirty="0">
+                <a:highlight>
+                  <a:srgbClr val="FFFF00"/>
+                </a:highlight>
+              </a:rPr>
+              <a:t> technologies introduced</a:t>
+            </a:r>
+          </a:p>
+        </p:txBody>
+      </p:sp>
+      <p:pic>
+        <p:nvPicPr>
+          <p:cNvPr id="5" name="그림 4">
+            <a:extLst>
+              <a:ext uri="{FF2B5EF4-FFF2-40B4-BE49-F238E27FC236}">
+                <a16:creationId xmlns:a16="http://schemas.microsoft.com/office/drawing/2014/main" id="{4747E741-5346-4CDB-9841-CF47018135F3}"/>
+              </a:ext>
+            </a:extLst>
+          </p:cNvPr>
+          <p:cNvPicPr>
+            <a:picLocks noChangeAspect="1"/>
+          </p:cNvPicPr>
+          <p:nvPr/>
+        </p:nvPicPr>
+        <p:blipFill>
+          <a:blip r:embed="rId2"/>
+          <a:stretch>
+            <a:fillRect/>
+          </a:stretch>
+        </p:blipFill>
+        <p:spPr>
+          <a:xfrm>
+            <a:off x="505876" y="1819096"/>
+            <a:ext cx="10673172" cy="4824385"/>
+          </a:xfrm>
+          <a:prstGeom prst="rect">
+            <a:avLst/>
+          </a:prstGeom>
+        </p:spPr>
+      </p:pic>
+    </p:spTree>
+    <p:extLst>
+      <p:ext uri="{BB962C8B-B14F-4D97-AF65-F5344CB8AC3E}">
+        <p14:creationId xmlns:p14="http://schemas.microsoft.com/office/powerpoint/2010/main" val="1869033941"/>
+      </p:ext>
+    </p:extLst>
+  </p:cSld>
+  <p:clrMapOvr>
+    <a:masterClrMapping/>
+  </p:clrMapOvr>
+</p:sld>
+</file>
+
+<file path=ppt/slides/slide11.xml><?xml version="1.0" encoding="utf-8"?>
+<p:sld xmlns:a="http://schemas.openxmlformats.org/drawingml/2006/main" xmlns:r="http://schemas.openxmlformats.org/officeDocument/2006/relationships" xmlns:p="http://schemas.openxmlformats.org/presentationml/2006/main">
+  <p:cSld>
+    <p:spTree>
+      <p:nvGrpSpPr>
+        <p:cNvPr id="1" name=""/>
+        <p:cNvGrpSpPr/>
+        <p:nvPr/>
+      </p:nvGrpSpPr>
+      <p:grpSpPr>
+        <a:xfrm>
+          <a:off x="0" y="0"/>
+          <a:ext cx="0" cy="0"/>
+          <a:chOff x="0" y="0"/>
+          <a:chExt cx="0" cy="0"/>
+        </a:xfrm>
+      </p:grpSpPr>
+      <p:sp>
+        <p:nvSpPr>
+          <p:cNvPr id="10" name="TextBox 9">
+            <a:extLst>
+              <a:ext uri="{FF2B5EF4-FFF2-40B4-BE49-F238E27FC236}">
+                <a16:creationId xmlns:a16="http://schemas.microsoft.com/office/drawing/2014/main" id="{1A586119-7B32-44ED-B870-3977A9F3582F}"/>
+              </a:ext>
+            </a:extLst>
+          </p:cNvPr>
+          <p:cNvSpPr txBox="1"/>
+          <p:nvPr/>
+        </p:nvSpPr>
+        <p:spPr>
+          <a:xfrm>
+            <a:off x="416169" y="201468"/>
+            <a:ext cx="11301698" cy="1600438"/>
+          </a:xfrm>
+          <a:prstGeom prst="rect">
+            <a:avLst/>
+          </a:prstGeom>
+          <a:noFill/>
+        </p:spPr>
+        <p:txBody>
+          <a:bodyPr wrap="square" rtlCol="0">
+            <a:spAutoFit/>
+          </a:bodyPr>
+          <a:lstStyle/>
+          <a:p>
+            <a:r>
+              <a:rPr lang="en-US" altLang="ko-KR" sz="4400" dirty="0"/>
+              <a:t>231004 Success</a:t>
+            </a:r>
+          </a:p>
+          <a:p>
+            <a:pPr marL="285750" indent="-285750">
+              <a:buFontTx/>
+              <a:buChar char="-"/>
+            </a:pPr>
+            <a:endParaRPr lang="en-US" altLang="ko-KR" dirty="0"/>
+          </a:p>
+          <a:p>
+            <a:pPr marL="285750" indent="-285750">
+              <a:buFontTx/>
+              <a:buChar char="-"/>
+            </a:pPr>
+            <a:r>
+              <a:rPr lang="en-US" altLang="ko-KR" dirty="0"/>
+              <a:t>I deliberately filtered out huge negative emission sectors like </a:t>
+            </a:r>
+            <a:r>
+              <a:rPr lang="en-US" altLang="ko-KR" u="sng" dirty="0"/>
+              <a:t>chemical feed stocks </a:t>
+            </a:r>
+            <a:r>
+              <a:rPr lang="en-US" altLang="ko-KR" dirty="0"/>
+              <a:t>and </a:t>
+            </a:r>
+            <a:r>
+              <a:rPr lang="en-US" altLang="ko-KR" u="sng" dirty="0"/>
+              <a:t>refining</a:t>
+            </a:r>
+            <a:r>
+              <a:rPr lang="en-US" altLang="ko-KR" dirty="0"/>
+              <a:t> to clearly see the differences between the scenarios.</a:t>
+            </a:r>
+          </a:p>
+        </p:txBody>
+      </p:sp>
+      <p:pic>
+        <p:nvPicPr>
+          <p:cNvPr id="3" name="그림 2">
+            <a:extLst>
+              <a:ext uri="{FF2B5EF4-FFF2-40B4-BE49-F238E27FC236}">
+                <a16:creationId xmlns:a16="http://schemas.microsoft.com/office/drawing/2014/main" id="{48773ED7-07FC-4659-B61D-0CC2C585CF71}"/>
+              </a:ext>
+            </a:extLst>
+          </p:cNvPr>
+          <p:cNvPicPr>
+            <a:picLocks noChangeAspect="1"/>
+          </p:cNvPicPr>
+          <p:nvPr/>
+        </p:nvPicPr>
+        <p:blipFill>
+          <a:blip r:embed="rId2"/>
+          <a:stretch>
+            <a:fillRect/>
+          </a:stretch>
+        </p:blipFill>
+        <p:spPr>
+          <a:xfrm>
+            <a:off x="1959130" y="2078905"/>
+            <a:ext cx="8215776" cy="4632896"/>
+          </a:xfrm>
+          <a:prstGeom prst="rect">
+            <a:avLst/>
+          </a:prstGeom>
+        </p:spPr>
+      </p:pic>
+    </p:spTree>
+    <p:extLst>
+      <p:ext uri="{BB962C8B-B14F-4D97-AF65-F5344CB8AC3E}">
+        <p14:creationId xmlns:p14="http://schemas.microsoft.com/office/powerpoint/2010/main" val="4083319943"/>
+      </p:ext>
+    </p:extLst>
+  </p:cSld>
+  <p:clrMapOvr>
+    <a:masterClrMapping/>
+  </p:clrMapOvr>
+</p:sld>
+</file>
+
+<file path=ppt/slides/slide12.xml><?xml version="1.0" encoding="utf-8"?>
+<p:sld xmlns:a="http://schemas.openxmlformats.org/drawingml/2006/main" xmlns:r="http://schemas.openxmlformats.org/officeDocument/2006/relationships" xmlns:p="http://schemas.openxmlformats.org/presentationml/2006/main">
+  <p:cSld>
+    <p:spTree>
+      <p:nvGrpSpPr>
+        <p:cNvPr id="1" name=""/>
+        <p:cNvGrpSpPr/>
+        <p:nvPr/>
+      </p:nvGrpSpPr>
+      <p:grpSpPr>
+        <a:xfrm>
+          <a:off x="0" y="0"/>
+          <a:ext cx="0" cy="0"/>
+          <a:chOff x="0" y="0"/>
+          <a:chExt cx="0" cy="0"/>
+        </a:xfrm>
+      </p:grpSpPr>
+      <p:sp>
+        <p:nvSpPr>
+          <p:cNvPr id="10" name="TextBox 9">
+            <a:extLst>
+              <a:ext uri="{FF2B5EF4-FFF2-40B4-BE49-F238E27FC236}">
+                <a16:creationId xmlns:a16="http://schemas.microsoft.com/office/drawing/2014/main" id="{1A586119-7B32-44ED-B870-3977A9F3582F}"/>
+              </a:ext>
+            </a:extLst>
+          </p:cNvPr>
+          <p:cNvSpPr txBox="1"/>
+          <p:nvPr/>
+        </p:nvSpPr>
+        <p:spPr>
+          <a:xfrm>
+            <a:off x="416169" y="201468"/>
+            <a:ext cx="10673172" cy="1323439"/>
+          </a:xfrm>
+          <a:prstGeom prst="rect">
+            <a:avLst/>
+          </a:prstGeom>
+          <a:noFill/>
+        </p:spPr>
+        <p:txBody>
+          <a:bodyPr wrap="square" rtlCol="0">
+            <a:spAutoFit/>
+          </a:bodyPr>
+          <a:lstStyle/>
+          <a:p>
+            <a:r>
+              <a:rPr lang="en-US" altLang="ko-KR" sz="4400" dirty="0"/>
+              <a:t>231004 Success</a:t>
+            </a:r>
+          </a:p>
+          <a:p>
+            <a:endParaRPr lang="en-US" altLang="ko-KR" dirty="0"/>
+          </a:p>
+          <a:p>
+            <a:r>
+              <a:rPr lang="en-US" altLang="ko-KR" dirty="0"/>
+              <a:t>-</a:t>
+            </a:r>
+            <a:r>
+              <a:rPr lang="ko-KR" altLang="en-US" dirty="0"/>
+              <a:t> </a:t>
+            </a:r>
+            <a:r>
+              <a:rPr lang="en-US" altLang="ko-KR" dirty="0"/>
+              <a:t>CO2 emission by sector no bio for South Korea</a:t>
+            </a:r>
+          </a:p>
+        </p:txBody>
+      </p:sp>
+      <p:pic>
+        <p:nvPicPr>
+          <p:cNvPr id="13" name="그림 12">
+            <a:extLst>
+              <a:ext uri="{FF2B5EF4-FFF2-40B4-BE49-F238E27FC236}">
+                <a16:creationId xmlns:a16="http://schemas.microsoft.com/office/drawing/2014/main" id="{37D1004C-930B-40EE-9FA5-2153B6F3EF07}"/>
+              </a:ext>
+            </a:extLst>
+          </p:cNvPr>
+          <p:cNvPicPr>
+            <a:picLocks noChangeAspect="1"/>
+          </p:cNvPicPr>
+          <p:nvPr/>
+        </p:nvPicPr>
+        <p:blipFill>
+          <a:blip r:embed="rId2">
+            <a:extLst>
+              <a:ext uri="{28A0092B-C50C-407E-A947-70E740481C1C}">
+                <a14:useLocalDpi xmlns:a14="http://schemas.microsoft.com/office/drawing/2010/main" val="0"/>
+              </a:ext>
+            </a:extLst>
+          </a:blip>
+          <a:stretch>
+            <a:fillRect/>
+          </a:stretch>
+        </p:blipFill>
+        <p:spPr>
+          <a:xfrm>
+            <a:off x="609124" y="2590430"/>
+            <a:ext cx="10973751" cy="4267570"/>
+          </a:xfrm>
+          <a:prstGeom prst="rect">
+            <a:avLst/>
+          </a:prstGeom>
+        </p:spPr>
+      </p:pic>
+    </p:spTree>
+    <p:extLst>
+      <p:ext uri="{BB962C8B-B14F-4D97-AF65-F5344CB8AC3E}">
+        <p14:creationId xmlns:p14="http://schemas.microsoft.com/office/powerpoint/2010/main" val="3580919549"/>
+      </p:ext>
+    </p:extLst>
+  </p:cSld>
+  <p:clrMapOvr>
+    <a:masterClrMapping/>
+  </p:clrMapOvr>
+</p:sld>
+</file>
+
+<file path=ppt/slides/slide13.xml><?xml version="1.0" encoding="utf-8"?>
+<p:sld xmlns:a="http://schemas.openxmlformats.org/drawingml/2006/main" xmlns:r="http://schemas.openxmlformats.org/officeDocument/2006/relationships" xmlns:p="http://schemas.openxmlformats.org/presentationml/2006/main">
+  <p:cSld>
+    <p:spTree>
+      <p:nvGrpSpPr>
+        <p:cNvPr id="1" name=""/>
+        <p:cNvGrpSpPr/>
+        <p:nvPr/>
+      </p:nvGrpSpPr>
+      <p:grpSpPr>
+        <a:xfrm>
+          <a:off x="0" y="0"/>
+          <a:ext cx="0" cy="0"/>
+          <a:chOff x="0" y="0"/>
+          <a:chExt cx="0" cy="0"/>
+        </a:xfrm>
+      </p:grpSpPr>
+      <p:sp>
+        <p:nvSpPr>
+          <p:cNvPr id="10" name="TextBox 9">
+            <a:extLst>
+              <a:ext uri="{FF2B5EF4-FFF2-40B4-BE49-F238E27FC236}">
+                <a16:creationId xmlns:a16="http://schemas.microsoft.com/office/drawing/2014/main" id="{1A586119-7B32-44ED-B870-3977A9F3582F}"/>
+              </a:ext>
+            </a:extLst>
+          </p:cNvPr>
+          <p:cNvSpPr txBox="1"/>
+          <p:nvPr/>
+        </p:nvSpPr>
+        <p:spPr>
+          <a:xfrm>
+            <a:off x="416169" y="201468"/>
+            <a:ext cx="10673172" cy="1323439"/>
+          </a:xfrm>
+          <a:prstGeom prst="rect">
+            <a:avLst/>
+          </a:prstGeom>
+          <a:noFill/>
+        </p:spPr>
+        <p:txBody>
+          <a:bodyPr wrap="square" rtlCol="0">
+            <a:spAutoFit/>
+          </a:bodyPr>
+          <a:lstStyle/>
+          <a:p>
+            <a:r>
+              <a:rPr lang="en-US" altLang="ko-KR" sz="4400" dirty="0"/>
+              <a:t>231010 Success -&gt;</a:t>
+            </a:r>
+            <a:r>
+              <a:rPr lang="ko-KR" altLang="en-US" sz="4400" dirty="0"/>
+              <a:t> </a:t>
+            </a:r>
+            <a:r>
+              <a:rPr lang="ko-KR" altLang="en-US" sz="4400" dirty="0">
+                <a:highlight>
+                  <a:srgbClr val="FFFF00"/>
+                </a:highlight>
+              </a:rPr>
+              <a:t>일본 값으로 변경</a:t>
+            </a:r>
+            <a:endParaRPr lang="en-US" altLang="ko-KR" sz="4400" dirty="0">
+              <a:highlight>
+                <a:srgbClr val="FFFF00"/>
+              </a:highlight>
+            </a:endParaRPr>
+          </a:p>
+          <a:p>
+            <a:endParaRPr lang="en-US" altLang="ko-KR" dirty="0">
+              <a:highlight>
+                <a:srgbClr val="FFFF00"/>
+              </a:highlight>
+            </a:endParaRPr>
+          </a:p>
+          <a:p>
+            <a:r>
+              <a:rPr lang="en-US" altLang="ko-KR" dirty="0"/>
+              <a:t>-</a:t>
+            </a:r>
+            <a:r>
+              <a:rPr lang="ko-KR" altLang="en-US" dirty="0"/>
+              <a:t> </a:t>
+            </a:r>
+            <a:r>
+              <a:rPr lang="en-US" altLang="ko-KR" dirty="0"/>
+              <a:t>CO2 emission by sector no bio for South Korea</a:t>
+            </a:r>
+          </a:p>
+        </p:txBody>
+      </p:sp>
+      <p:pic>
+        <p:nvPicPr>
+          <p:cNvPr id="13" name="그림 12">
+            <a:extLst>
+              <a:ext uri="{FF2B5EF4-FFF2-40B4-BE49-F238E27FC236}">
+                <a16:creationId xmlns:a16="http://schemas.microsoft.com/office/drawing/2014/main" id="{158F4718-F285-4F88-9344-4AD328FC21CC}"/>
+              </a:ext>
+            </a:extLst>
+          </p:cNvPr>
+          <p:cNvPicPr>
+            <a:picLocks noChangeAspect="1"/>
+          </p:cNvPicPr>
+          <p:nvPr/>
+        </p:nvPicPr>
+        <p:blipFill>
+          <a:blip r:embed="rId2">
+            <a:extLst>
+              <a:ext uri="{28A0092B-C50C-407E-A947-70E740481C1C}">
+                <a14:useLocalDpi xmlns:a14="http://schemas.microsoft.com/office/drawing/2010/main" val="0"/>
+              </a:ext>
+            </a:extLst>
+          </a:blip>
+          <a:stretch>
+            <a:fillRect/>
+          </a:stretch>
+        </p:blipFill>
+        <p:spPr>
+          <a:xfrm>
+            <a:off x="609124" y="2590430"/>
+            <a:ext cx="10973751" cy="4267570"/>
+          </a:xfrm>
+          <a:prstGeom prst="rect">
+            <a:avLst/>
+          </a:prstGeom>
+        </p:spPr>
+      </p:pic>
+    </p:spTree>
+    <p:extLst>
+      <p:ext uri="{BB962C8B-B14F-4D97-AF65-F5344CB8AC3E}">
+        <p14:creationId xmlns:p14="http://schemas.microsoft.com/office/powerpoint/2010/main" val="3936747085"/>
+      </p:ext>
+    </p:extLst>
+  </p:cSld>
+  <p:clrMapOvr>
+    <a:masterClrMapping/>
+  </p:clrMapOvr>
+</p:sld>
+</file>
+
+<file path=ppt/slides/slide14.xml><?xml version="1.0" encoding="utf-8"?>
+<p:sld xmlns:a="http://schemas.openxmlformats.org/drawingml/2006/main" xmlns:r="http://schemas.openxmlformats.org/officeDocument/2006/relationships" xmlns:p="http://schemas.openxmlformats.org/presentationml/2006/main">
+  <p:cSld>
+    <p:spTree>
+      <p:nvGrpSpPr>
+        <p:cNvPr id="1" name=""/>
+        <p:cNvGrpSpPr/>
+        <p:nvPr/>
+      </p:nvGrpSpPr>
+      <p:grpSpPr>
+        <a:xfrm>
+          <a:off x="0" y="0"/>
+          <a:ext cx="0" cy="0"/>
+          <a:chOff x="0" y="0"/>
+          <a:chExt cx="0" cy="0"/>
+        </a:xfrm>
+      </p:grpSpPr>
+      <p:pic>
+        <p:nvPicPr>
+          <p:cNvPr id="3" name="그림 2">
+            <a:extLst>
+              <a:ext uri="{FF2B5EF4-FFF2-40B4-BE49-F238E27FC236}">
+                <a16:creationId xmlns:a16="http://schemas.microsoft.com/office/drawing/2014/main" id="{F26587D5-DFD8-4D03-B939-4086528C5BCD}"/>
+              </a:ext>
+            </a:extLst>
+          </p:cNvPr>
+          <p:cNvPicPr>
+            <a:picLocks noChangeAspect="1"/>
+          </p:cNvPicPr>
+          <p:nvPr/>
+        </p:nvPicPr>
+        <p:blipFill>
+          <a:blip r:embed="rId2"/>
+          <a:stretch>
+            <a:fillRect/>
+          </a:stretch>
+        </p:blipFill>
+        <p:spPr>
+          <a:xfrm>
+            <a:off x="286871" y="2323959"/>
+            <a:ext cx="11035553" cy="3750597"/>
+          </a:xfrm>
+          <a:prstGeom prst="rect">
+            <a:avLst/>
+          </a:prstGeom>
+        </p:spPr>
+      </p:pic>
+      <p:sp>
+        <p:nvSpPr>
+          <p:cNvPr id="6" name="TextBox 5">
+            <a:extLst>
+              <a:ext uri="{FF2B5EF4-FFF2-40B4-BE49-F238E27FC236}">
+                <a16:creationId xmlns:a16="http://schemas.microsoft.com/office/drawing/2014/main" id="{227455DD-2E95-4FE6-A7AD-34780A0CF050}"/>
+              </a:ext>
+            </a:extLst>
+          </p:cNvPr>
+          <p:cNvSpPr txBox="1"/>
+          <p:nvPr/>
+        </p:nvSpPr>
+        <p:spPr>
+          <a:xfrm>
+            <a:off x="416169" y="201468"/>
+            <a:ext cx="10673172" cy="1323439"/>
+          </a:xfrm>
+          <a:prstGeom prst="rect">
+            <a:avLst/>
+          </a:prstGeom>
+          <a:noFill/>
+        </p:spPr>
+        <p:txBody>
+          <a:bodyPr wrap="square" rtlCol="0">
+            <a:spAutoFit/>
+          </a:bodyPr>
+          <a:lstStyle/>
+          <a:p>
+            <a:r>
+              <a:rPr lang="en-US" altLang="ko-KR" sz="4400" dirty="0"/>
+              <a:t>231004 Questions</a:t>
+            </a:r>
+          </a:p>
+          <a:p>
+            <a:endParaRPr lang="en-US" altLang="ko-KR" dirty="0"/>
+          </a:p>
+          <a:p>
+            <a:r>
+              <a:rPr lang="en-US" altLang="ko-KR" dirty="0"/>
+              <a:t>-</a:t>
+            </a:r>
+            <a:r>
+              <a:rPr lang="ko-KR" altLang="en-US" dirty="0"/>
+              <a:t> </a:t>
+            </a:r>
+            <a:r>
+              <a:rPr lang="en-US" altLang="ko-KR" dirty="0"/>
+              <a:t>Cost by tech, CO2 removal </a:t>
+            </a:r>
+            <a:r>
+              <a:rPr lang="en-US" altLang="ko-KR" dirty="0" err="1"/>
+              <a:t>dac</a:t>
+            </a:r>
+            <a:r>
+              <a:rPr lang="en-US" altLang="ko-KR" dirty="0"/>
+              <a:t> technologies costs are extremely high only in year 2020. why??</a:t>
+            </a:r>
+          </a:p>
+        </p:txBody>
+      </p:sp>
+      <p:sp>
+        <p:nvSpPr>
+          <p:cNvPr id="7" name="직사각형 6">
+            <a:extLst>
+              <a:ext uri="{FF2B5EF4-FFF2-40B4-BE49-F238E27FC236}">
+                <a16:creationId xmlns:a16="http://schemas.microsoft.com/office/drawing/2014/main" id="{0A9BAB5C-EA6A-4B11-804E-A22170C206F0}"/>
+              </a:ext>
+            </a:extLst>
+          </p:cNvPr>
+          <p:cNvSpPr/>
+          <p:nvPr/>
+        </p:nvSpPr>
+        <p:spPr>
+          <a:xfrm>
+            <a:off x="4909264" y="3657600"/>
+            <a:ext cx="438591" cy="541657"/>
+          </a:xfrm>
+          <a:prstGeom prst="rect">
+            <a:avLst/>
+          </a:prstGeom>
+          <a:noFill/>
+          <a:ln w="57150">
+            <a:solidFill>
+              <a:srgbClr val="FF0000"/>
+            </a:solidFill>
+            <a:prstDash val="sysDash"/>
+          </a:ln>
+        </p:spPr>
+        <p:style>
+          <a:lnRef idx="2">
+            <a:schemeClr val="accent1">
+              <a:shade val="50000"/>
+            </a:schemeClr>
+          </a:lnRef>
+          <a:fillRef idx="1">
+            <a:schemeClr val="accent1"/>
+          </a:fillRef>
+          <a:effectRef idx="0">
+            <a:schemeClr val="accent1"/>
+          </a:effectRef>
+          <a:fontRef idx="minor">
+            <a:schemeClr val="lt1"/>
+          </a:fontRef>
+        </p:style>
+        <p:txBody>
+          <a:bodyPr rtlCol="0" anchor="ctr"/>
+          <a:lstStyle/>
+          <a:p>
+            <a:pPr algn="ctr"/>
+            <a:endParaRPr lang="ko-KR" altLang="en-US"/>
+          </a:p>
+        </p:txBody>
+      </p:sp>
+    </p:spTree>
+    <p:extLst>
+      <p:ext uri="{BB962C8B-B14F-4D97-AF65-F5344CB8AC3E}">
+        <p14:creationId xmlns:p14="http://schemas.microsoft.com/office/powerpoint/2010/main" val="365688630"/>
+      </p:ext>
+    </p:extLst>
+  </p:cSld>
+  <p:clrMapOvr>
+    <a:masterClrMapping/>
+  </p:clrMapOvr>
+</p:sld>
+</file>
+
+<file path=ppt/slides/slide15.xml><?xml version="1.0" encoding="utf-8"?>
+<p:sld xmlns:a="http://schemas.openxmlformats.org/drawingml/2006/main" xmlns:r="http://schemas.openxmlformats.org/officeDocument/2006/relationships" xmlns:p="http://schemas.openxmlformats.org/presentationml/2006/main">
+  <p:cSld>
+    <p:spTree>
+      <p:nvGrpSpPr>
+        <p:cNvPr id="1" name=""/>
+        <p:cNvGrpSpPr/>
+        <p:nvPr/>
+      </p:nvGrpSpPr>
+      <p:grpSpPr>
+        <a:xfrm>
+          <a:off x="0" y="0"/>
+          <a:ext cx="0" cy="0"/>
+          <a:chOff x="0" y="0"/>
+          <a:chExt cx="0" cy="0"/>
+        </a:xfrm>
+      </p:grpSpPr>
+      <p:sp>
+        <p:nvSpPr>
+          <p:cNvPr id="6" name="TextBox 5">
+            <a:extLst>
+              <a:ext uri="{FF2B5EF4-FFF2-40B4-BE49-F238E27FC236}">
+                <a16:creationId xmlns:a16="http://schemas.microsoft.com/office/drawing/2014/main" id="{227455DD-2E95-4FE6-A7AD-34780A0CF050}"/>
+              </a:ext>
+            </a:extLst>
+          </p:cNvPr>
+          <p:cNvSpPr txBox="1"/>
+          <p:nvPr/>
+        </p:nvSpPr>
+        <p:spPr>
+          <a:xfrm>
+            <a:off x="416169" y="201468"/>
+            <a:ext cx="10673172" cy="1877437"/>
+          </a:xfrm>
+          <a:prstGeom prst="rect">
+            <a:avLst/>
+          </a:prstGeom>
+          <a:noFill/>
+        </p:spPr>
+        <p:txBody>
+          <a:bodyPr wrap="square" rtlCol="0">
+            <a:spAutoFit/>
+          </a:bodyPr>
+          <a:lstStyle/>
+          <a:p>
+            <a:r>
+              <a:rPr lang="en-US" altLang="ko-KR" sz="4400" dirty="0"/>
+              <a:t>231004 Questions</a:t>
+            </a:r>
+          </a:p>
+          <a:p>
+            <a:endParaRPr lang="en-US" altLang="ko-KR" dirty="0"/>
+          </a:p>
+          <a:p>
+            <a:pPr marL="285750" indent="-285750">
+              <a:buFontTx/>
+              <a:buChar char="-"/>
+            </a:pPr>
+            <a:r>
+              <a:rPr lang="en-US" altLang="ko-KR" dirty="0"/>
+              <a:t>In prices of all markets, South Korea’s onshore carbon-storage market prices are high from 2025 to 2100.</a:t>
+            </a:r>
+          </a:p>
+          <a:p>
+            <a:pPr marL="285750" indent="-285750">
+              <a:buFontTx/>
+              <a:buChar char="-"/>
+            </a:pPr>
+            <a:r>
+              <a:rPr lang="en-US" altLang="ko-KR" dirty="0"/>
+              <a:t>What’s the implications of these high prices?</a:t>
+            </a:r>
+          </a:p>
+        </p:txBody>
+      </p:sp>
+      <p:sp>
+        <p:nvSpPr>
+          <p:cNvPr id="7" name="직사각형 6">
+            <a:extLst>
+              <a:ext uri="{FF2B5EF4-FFF2-40B4-BE49-F238E27FC236}">
+                <a16:creationId xmlns:a16="http://schemas.microsoft.com/office/drawing/2014/main" id="{0A9BAB5C-EA6A-4B11-804E-A22170C206F0}"/>
+              </a:ext>
+            </a:extLst>
+          </p:cNvPr>
+          <p:cNvSpPr/>
+          <p:nvPr/>
+        </p:nvSpPr>
+        <p:spPr>
+          <a:xfrm>
+            <a:off x="4909264" y="3619468"/>
+            <a:ext cx="477438" cy="579789"/>
+          </a:xfrm>
+          <a:prstGeom prst="rect">
+            <a:avLst/>
+          </a:prstGeom>
+          <a:noFill/>
+          <a:ln w="57150">
+            <a:solidFill>
+              <a:srgbClr val="FF0000"/>
+            </a:solidFill>
+            <a:prstDash val="sysDash"/>
+          </a:ln>
+        </p:spPr>
+        <p:style>
+          <a:lnRef idx="2">
+            <a:schemeClr val="accent1">
+              <a:shade val="50000"/>
+            </a:schemeClr>
+          </a:lnRef>
+          <a:fillRef idx="1">
+            <a:schemeClr val="accent1"/>
+          </a:fillRef>
+          <a:effectRef idx="0">
+            <a:schemeClr val="accent1"/>
+          </a:effectRef>
+          <a:fontRef idx="minor">
+            <a:schemeClr val="lt1"/>
+          </a:fontRef>
+        </p:style>
+        <p:txBody>
+          <a:bodyPr rtlCol="0" anchor="ctr"/>
+          <a:lstStyle/>
+          <a:p>
+            <a:pPr algn="ctr"/>
+            <a:endParaRPr lang="ko-KR" altLang="en-US"/>
+          </a:p>
+        </p:txBody>
+      </p:sp>
+      <p:pic>
+        <p:nvPicPr>
+          <p:cNvPr id="4" name="그림 3">
+            <a:extLst>
+              <a:ext uri="{FF2B5EF4-FFF2-40B4-BE49-F238E27FC236}">
+                <a16:creationId xmlns:a16="http://schemas.microsoft.com/office/drawing/2014/main" id="{847C83F0-0819-425A-88F1-C0C8397ED986}"/>
+              </a:ext>
+            </a:extLst>
+          </p:cNvPr>
+          <p:cNvPicPr>
+            <a:picLocks noChangeAspect="1"/>
+          </p:cNvPicPr>
+          <p:nvPr/>
+        </p:nvPicPr>
+        <p:blipFill>
+          <a:blip r:embed="rId2"/>
+          <a:stretch>
+            <a:fillRect/>
+          </a:stretch>
+        </p:blipFill>
+        <p:spPr>
+          <a:xfrm>
+            <a:off x="281156" y="2228695"/>
+            <a:ext cx="11222182" cy="3586007"/>
+          </a:xfrm>
+          <a:prstGeom prst="rect">
+            <a:avLst/>
+          </a:prstGeom>
+        </p:spPr>
+      </p:pic>
+      <p:sp>
+        <p:nvSpPr>
+          <p:cNvPr id="8" name="직사각형 7">
+            <a:extLst>
+              <a:ext uri="{FF2B5EF4-FFF2-40B4-BE49-F238E27FC236}">
+                <a16:creationId xmlns:a16="http://schemas.microsoft.com/office/drawing/2014/main" id="{2BD248E6-0CF1-46CB-83F5-F8BE29527E92}"/>
+              </a:ext>
+            </a:extLst>
+          </p:cNvPr>
+          <p:cNvSpPr/>
+          <p:nvPr/>
+        </p:nvSpPr>
+        <p:spPr>
+          <a:xfrm>
+            <a:off x="5532582" y="3657601"/>
+            <a:ext cx="5652654" cy="212436"/>
+          </a:xfrm>
+          <a:prstGeom prst="rect">
+            <a:avLst/>
+          </a:prstGeom>
+          <a:noFill/>
+          <a:ln w="57150">
+            <a:solidFill>
+              <a:srgbClr val="FF0000"/>
+            </a:solidFill>
+            <a:prstDash val="sysDash"/>
+          </a:ln>
+        </p:spPr>
+        <p:style>
+          <a:lnRef idx="2">
+            <a:schemeClr val="accent1">
+              <a:shade val="50000"/>
+            </a:schemeClr>
+          </a:lnRef>
+          <a:fillRef idx="1">
+            <a:schemeClr val="accent1"/>
+          </a:fillRef>
+          <a:effectRef idx="0">
+            <a:schemeClr val="accent1"/>
+          </a:effectRef>
+          <a:fontRef idx="minor">
+            <a:schemeClr val="lt1"/>
+          </a:fontRef>
+        </p:style>
+        <p:txBody>
+          <a:bodyPr rtlCol="0" anchor="ctr"/>
+          <a:lstStyle/>
+          <a:p>
+            <a:pPr algn="ctr"/>
+            <a:endParaRPr lang="ko-KR" altLang="en-US"/>
+          </a:p>
+        </p:txBody>
+      </p:sp>
+    </p:spTree>
+    <p:extLst>
+      <p:ext uri="{BB962C8B-B14F-4D97-AF65-F5344CB8AC3E}">
+        <p14:creationId xmlns:p14="http://schemas.microsoft.com/office/powerpoint/2010/main" val="3772814335"/>
+      </p:ext>
+    </p:extLst>
+  </p:cSld>
+  <p:clrMapOvr>
+    <a:masterClrMapping/>
+  </p:clrMapOvr>
+</p:sld>
+</file>
+
+<file path=ppt/slides/slide16.xml><?xml version="1.0" encoding="utf-8"?>
+<p:sld xmlns:a="http://schemas.openxmlformats.org/drawingml/2006/main" xmlns:r="http://schemas.openxmlformats.org/officeDocument/2006/relationships" xmlns:p="http://schemas.openxmlformats.org/presentationml/2006/main">
+  <p:cSld>
+    <p:spTree>
+      <p:nvGrpSpPr>
+        <p:cNvPr id="1" name=""/>
+        <p:cNvGrpSpPr/>
+        <p:nvPr/>
+      </p:nvGrpSpPr>
+      <p:grpSpPr>
+        <a:xfrm>
+          <a:off x="0" y="0"/>
+          <a:ext cx="0" cy="0"/>
+          <a:chOff x="0" y="0"/>
+          <a:chExt cx="0" cy="0"/>
+        </a:xfrm>
+      </p:grpSpPr>
+      <p:sp>
+        <p:nvSpPr>
+          <p:cNvPr id="10" name="TextBox 9">
+            <a:extLst>
+              <a:ext uri="{FF2B5EF4-FFF2-40B4-BE49-F238E27FC236}">
+                <a16:creationId xmlns:a16="http://schemas.microsoft.com/office/drawing/2014/main" id="{1A586119-7B32-44ED-B870-3977A9F3582F}"/>
+              </a:ext>
+            </a:extLst>
+          </p:cNvPr>
+          <p:cNvSpPr txBox="1"/>
+          <p:nvPr/>
+        </p:nvSpPr>
+        <p:spPr>
+          <a:xfrm>
+            <a:off x="416169" y="201468"/>
+            <a:ext cx="11301698" cy="1600438"/>
+          </a:xfrm>
+          <a:prstGeom prst="rect">
+            <a:avLst/>
+          </a:prstGeom>
+          <a:noFill/>
+        </p:spPr>
+        <p:txBody>
+          <a:bodyPr wrap="square" rtlCol="0">
+            <a:spAutoFit/>
+          </a:bodyPr>
+          <a:lstStyle/>
+          <a:p>
+            <a:r>
+              <a:rPr lang="en-US" altLang="ko-KR" sz="4400" dirty="0"/>
+              <a:t>Research</a:t>
+            </a:r>
+            <a:r>
+              <a:rPr lang="ko-KR" altLang="en-US" sz="4400" dirty="0"/>
+              <a:t> </a:t>
+            </a:r>
+            <a:r>
+              <a:rPr lang="en-US" altLang="ko-KR" sz="4400" dirty="0"/>
+              <a:t>questions</a:t>
+            </a:r>
+            <a:endParaRPr lang="en-US" altLang="ko-KR" dirty="0"/>
+          </a:p>
+          <a:p>
+            <a:r>
+              <a:rPr lang="en-US" altLang="ko-KR" dirty="0"/>
+              <a:t>My research questions are regarding negative emission technologies generally, their treatment by IAMs, and the potential role and adverse effects of implementing large-scale NETs, particularly on a country-scale(South Korea) energy system. </a:t>
+            </a:r>
+          </a:p>
+        </p:txBody>
+      </p:sp>
+      <p:sp>
+        <p:nvSpPr>
+          <p:cNvPr id="5" name="TextBox 4">
+            <a:extLst>
+              <a:ext uri="{FF2B5EF4-FFF2-40B4-BE49-F238E27FC236}">
+                <a16:creationId xmlns:a16="http://schemas.microsoft.com/office/drawing/2014/main" id="{472C0E47-7B3B-4E7B-8C3F-E9D8196118B6}"/>
+              </a:ext>
+            </a:extLst>
+          </p:cNvPr>
+          <p:cNvSpPr txBox="1"/>
+          <p:nvPr/>
+        </p:nvSpPr>
+        <p:spPr>
+          <a:xfrm>
+            <a:off x="529986" y="1973776"/>
+            <a:ext cx="11132028" cy="3631763"/>
+          </a:xfrm>
+          <a:prstGeom prst="rect">
+            <a:avLst/>
+          </a:prstGeom>
+          <a:noFill/>
+        </p:spPr>
+        <p:txBody>
+          <a:bodyPr wrap="square">
+            <a:spAutoFit/>
+          </a:bodyPr>
+          <a:lstStyle/>
+          <a:p>
+            <a:endParaRPr lang="en-US" altLang="ko-KR" sz="2000" dirty="0"/>
+          </a:p>
+          <a:p>
+            <a:r>
+              <a:rPr lang="en-US" altLang="ko-KR" sz="3200" i="1" u="sng" dirty="0">
+                <a:latin typeface="Calibri" panose="020F0502020204030204" pitchFamily="34" charset="0"/>
+                <a:cs typeface="Calibri" panose="020F0502020204030204" pitchFamily="34" charset="0"/>
+              </a:rPr>
+              <a:t>1. </a:t>
+            </a:r>
+            <a:r>
+              <a:rPr lang="ko-KR" altLang="en-US" sz="3200" i="1" u="sng" dirty="0" err="1">
+                <a:latin typeface="Calibri" panose="020F0502020204030204" pitchFamily="34" charset="0"/>
+                <a:cs typeface="Calibri" panose="020F0502020204030204" pitchFamily="34" charset="0"/>
+              </a:rPr>
+              <a:t>What</a:t>
+            </a:r>
+            <a:r>
+              <a:rPr lang="ko-KR" altLang="en-US" sz="3200" i="1" u="sng" dirty="0">
+                <a:latin typeface="Calibri" panose="020F0502020204030204" pitchFamily="34" charset="0"/>
+                <a:cs typeface="Calibri" panose="020F0502020204030204" pitchFamily="34" charset="0"/>
+              </a:rPr>
+              <a:t> </a:t>
+            </a:r>
+            <a:r>
+              <a:rPr lang="ko-KR" altLang="en-US" sz="3200" i="1" u="sng" dirty="0" err="1">
+                <a:latin typeface="Calibri" panose="020F0502020204030204" pitchFamily="34" charset="0"/>
+                <a:cs typeface="Calibri" panose="020F0502020204030204" pitchFamily="34" charset="0"/>
+              </a:rPr>
+              <a:t>are</a:t>
+            </a:r>
+            <a:r>
+              <a:rPr lang="ko-KR" altLang="en-US" sz="3200" i="1" u="sng" dirty="0">
+                <a:latin typeface="Calibri" panose="020F0502020204030204" pitchFamily="34" charset="0"/>
+                <a:cs typeface="Calibri" panose="020F0502020204030204" pitchFamily="34" charset="0"/>
+              </a:rPr>
+              <a:t> </a:t>
+            </a:r>
+            <a:r>
+              <a:rPr lang="ko-KR" altLang="en-US" sz="3200" i="1" u="sng" dirty="0" err="1">
+                <a:latin typeface="Calibri" panose="020F0502020204030204" pitchFamily="34" charset="0"/>
+                <a:cs typeface="Calibri" panose="020F0502020204030204" pitchFamily="34" charset="0"/>
+              </a:rPr>
+              <a:t>the</a:t>
+            </a:r>
+            <a:r>
+              <a:rPr lang="ko-KR" altLang="en-US" sz="3200" i="1" u="sng" dirty="0">
+                <a:latin typeface="Calibri" panose="020F0502020204030204" pitchFamily="34" charset="0"/>
+                <a:cs typeface="Calibri" panose="020F0502020204030204" pitchFamily="34" charset="0"/>
+              </a:rPr>
+              <a:t> </a:t>
+            </a:r>
+            <a:r>
+              <a:rPr lang="ko-KR" altLang="en-US" sz="3200" i="1" u="sng" dirty="0" err="1">
+                <a:latin typeface="Calibri" panose="020F0502020204030204" pitchFamily="34" charset="0"/>
+                <a:cs typeface="Calibri" panose="020F0502020204030204" pitchFamily="34" charset="0"/>
+              </a:rPr>
+              <a:t>consequences</a:t>
+            </a:r>
+            <a:r>
+              <a:rPr lang="ko-KR" altLang="en-US" sz="3200" i="1" u="sng" dirty="0">
+                <a:latin typeface="Calibri" panose="020F0502020204030204" pitchFamily="34" charset="0"/>
+                <a:cs typeface="Calibri" panose="020F0502020204030204" pitchFamily="34" charset="0"/>
+              </a:rPr>
+              <a:t> of </a:t>
+            </a:r>
+            <a:r>
+              <a:rPr lang="en-US" altLang="ko-KR" sz="3200" i="1" u="sng" dirty="0">
+                <a:latin typeface="Calibri" panose="020F0502020204030204" pitchFamily="34" charset="0"/>
+                <a:ea typeface="Calibri" panose="020F0502020204030204" pitchFamily="34" charset="0"/>
+                <a:cs typeface="Calibri" panose="020F0502020204030204" pitchFamily="34" charset="0"/>
+              </a:rPr>
+              <a:t>the </a:t>
+            </a:r>
+            <a:r>
+              <a:rPr lang="ko-KR" altLang="en-US" sz="3200" i="1" u="sng" dirty="0" err="1">
+                <a:latin typeface="Calibri" panose="020F0502020204030204" pitchFamily="34" charset="0"/>
+                <a:cs typeface="Calibri" panose="020F0502020204030204" pitchFamily="34" charset="0"/>
+              </a:rPr>
+              <a:t>current</a:t>
+            </a:r>
+            <a:r>
+              <a:rPr lang="ko-KR" altLang="en-US" sz="3200" i="1" u="sng" dirty="0">
+                <a:latin typeface="Calibri" panose="020F0502020204030204" pitchFamily="34" charset="0"/>
+                <a:cs typeface="Calibri" panose="020F0502020204030204" pitchFamily="34" charset="0"/>
+              </a:rPr>
+              <a:t> </a:t>
+            </a:r>
+            <a:r>
+              <a:rPr lang="ko-KR" altLang="en-US" sz="3200" i="1" u="sng" dirty="0" err="1">
+                <a:latin typeface="Calibri" panose="020F0502020204030204" pitchFamily="34" charset="0"/>
+                <a:cs typeface="Calibri" panose="020F0502020204030204" pitchFamily="34" charset="0"/>
+              </a:rPr>
+              <a:t>treatment</a:t>
+            </a:r>
+            <a:r>
+              <a:rPr lang="ko-KR" altLang="en-US" sz="3200" i="1" u="sng" dirty="0">
+                <a:latin typeface="Calibri" panose="020F0502020204030204" pitchFamily="34" charset="0"/>
+                <a:cs typeface="Calibri" panose="020F0502020204030204" pitchFamily="34" charset="0"/>
+              </a:rPr>
+              <a:t> of </a:t>
+            </a:r>
+            <a:r>
+              <a:rPr lang="ko-KR" altLang="en-US" sz="3200" i="1" u="sng" dirty="0" err="1">
+                <a:latin typeface="Calibri" panose="020F0502020204030204" pitchFamily="34" charset="0"/>
+                <a:cs typeface="Calibri" panose="020F0502020204030204" pitchFamily="34" charset="0"/>
+              </a:rPr>
+              <a:t>negative</a:t>
+            </a:r>
+            <a:r>
+              <a:rPr lang="ko-KR" altLang="en-US" sz="3200" i="1" u="sng" dirty="0">
+                <a:latin typeface="Calibri" panose="020F0502020204030204" pitchFamily="34" charset="0"/>
+                <a:cs typeface="Calibri" panose="020F0502020204030204" pitchFamily="34" charset="0"/>
+              </a:rPr>
+              <a:t> </a:t>
+            </a:r>
+            <a:r>
+              <a:rPr lang="ko-KR" altLang="en-US" sz="3200" i="1" u="sng" dirty="0" err="1">
+                <a:latin typeface="Calibri" panose="020F0502020204030204" pitchFamily="34" charset="0"/>
+                <a:cs typeface="Calibri" panose="020F0502020204030204" pitchFamily="34" charset="0"/>
+              </a:rPr>
+              <a:t>emissions</a:t>
+            </a:r>
+            <a:r>
+              <a:rPr lang="ko-KR" altLang="en-US" sz="3200" i="1" u="sng" dirty="0">
+                <a:latin typeface="Calibri" panose="020F0502020204030204" pitchFamily="34" charset="0"/>
+                <a:cs typeface="Calibri" panose="020F0502020204030204" pitchFamily="34" charset="0"/>
+              </a:rPr>
+              <a:t> </a:t>
+            </a:r>
+            <a:r>
+              <a:rPr lang="ko-KR" altLang="en-US" sz="3200" i="1" u="sng" dirty="0" err="1">
+                <a:latin typeface="Calibri" panose="020F0502020204030204" pitchFamily="34" charset="0"/>
+                <a:cs typeface="Calibri" panose="020F0502020204030204" pitchFamily="34" charset="0"/>
+              </a:rPr>
+              <a:t>technologies</a:t>
+            </a:r>
+            <a:r>
+              <a:rPr lang="ko-KR" altLang="en-US" sz="3200" i="1" u="sng" dirty="0">
+                <a:latin typeface="Calibri" panose="020F0502020204030204" pitchFamily="34" charset="0"/>
+                <a:cs typeface="Calibri" panose="020F0502020204030204" pitchFamily="34" charset="0"/>
+              </a:rPr>
+              <a:t> </a:t>
+            </a:r>
+            <a:r>
+              <a:rPr lang="ko-KR" altLang="en-US" sz="3200" i="1" u="sng" dirty="0" err="1">
+                <a:latin typeface="Calibri" panose="020F0502020204030204" pitchFamily="34" charset="0"/>
+                <a:cs typeface="Calibri" panose="020F0502020204030204" pitchFamily="34" charset="0"/>
+              </a:rPr>
+              <a:t>by</a:t>
+            </a:r>
+            <a:r>
+              <a:rPr lang="ko-KR" altLang="en-US" sz="3200" i="1" u="sng" dirty="0">
+                <a:latin typeface="Calibri" panose="020F0502020204030204" pitchFamily="34" charset="0"/>
+                <a:cs typeface="Calibri" panose="020F0502020204030204" pitchFamily="34" charset="0"/>
+              </a:rPr>
+              <a:t> </a:t>
+            </a:r>
+            <a:r>
+              <a:rPr lang="ko-KR" altLang="en-US" sz="3200" i="1" u="sng" dirty="0" err="1">
+                <a:latin typeface="Calibri" panose="020F0502020204030204" pitchFamily="34" charset="0"/>
+                <a:cs typeface="Calibri" panose="020F0502020204030204" pitchFamily="34" charset="0"/>
+              </a:rPr>
+              <a:t>IAMs</a:t>
+            </a:r>
+            <a:r>
+              <a:rPr lang="ko-KR" altLang="en-US" sz="3200" i="1" u="sng" dirty="0">
+                <a:latin typeface="Calibri" panose="020F0502020204030204" pitchFamily="34" charset="0"/>
+                <a:cs typeface="Calibri" panose="020F0502020204030204" pitchFamily="34" charset="0"/>
+              </a:rPr>
+              <a:t> </a:t>
+            </a:r>
+            <a:r>
+              <a:rPr lang="ko-KR" altLang="en-US" sz="3200" i="1" u="sng" dirty="0" err="1">
+                <a:latin typeface="Calibri" panose="020F0502020204030204" pitchFamily="34" charset="0"/>
+                <a:cs typeface="Calibri" panose="020F0502020204030204" pitchFamily="34" charset="0"/>
+              </a:rPr>
+              <a:t>for</a:t>
+            </a:r>
+            <a:r>
+              <a:rPr lang="ko-KR" altLang="en-US" sz="3200" i="1" u="sng" dirty="0">
+                <a:latin typeface="Calibri" panose="020F0502020204030204" pitchFamily="34" charset="0"/>
+                <a:cs typeface="Calibri" panose="020F0502020204030204" pitchFamily="34" charset="0"/>
+              </a:rPr>
+              <a:t> </a:t>
+            </a:r>
+            <a:r>
+              <a:rPr lang="en-US" altLang="ko-KR" sz="3200" i="1" u="sng" dirty="0">
+                <a:latin typeface="Calibri" panose="020F0502020204030204" pitchFamily="34" charset="0"/>
+                <a:ea typeface="Calibri" panose="020F0502020204030204" pitchFamily="34" charset="0"/>
+                <a:cs typeface="Calibri" panose="020F0502020204030204" pitchFamily="34" charset="0"/>
+              </a:rPr>
+              <a:t>South Korea’s</a:t>
+            </a:r>
+            <a:r>
+              <a:rPr lang="ko-KR" altLang="en-US" sz="3200" i="1" u="sng" dirty="0">
+                <a:latin typeface="Calibri" panose="020F0502020204030204" pitchFamily="34" charset="0"/>
+                <a:cs typeface="Calibri" panose="020F0502020204030204" pitchFamily="34" charset="0"/>
+              </a:rPr>
+              <a:t> </a:t>
+            </a:r>
+            <a:r>
+              <a:rPr lang="en-US" altLang="ko-KR" sz="3200" i="1" u="sng" dirty="0">
+                <a:latin typeface="Calibri" panose="020F0502020204030204" pitchFamily="34" charset="0"/>
+                <a:ea typeface="Calibri" panose="020F0502020204030204" pitchFamily="34" charset="0"/>
+                <a:cs typeface="Calibri" panose="020F0502020204030204" pitchFamily="34" charset="0"/>
+              </a:rPr>
+              <a:t>net zero in 2050?</a:t>
+            </a:r>
+          </a:p>
+          <a:p>
+            <a:endParaRPr lang="en-US" altLang="ko-KR" sz="3200" i="1" u="sng" dirty="0">
+              <a:latin typeface="Calibri" panose="020F0502020204030204" pitchFamily="34" charset="0"/>
+              <a:ea typeface="Calibri" panose="020F0502020204030204" pitchFamily="34" charset="0"/>
+              <a:cs typeface="Calibri" panose="020F0502020204030204" pitchFamily="34" charset="0"/>
+            </a:endParaRPr>
+          </a:p>
+          <a:p>
+            <a:r>
+              <a:rPr lang="en-US" altLang="ko-KR" sz="3200" i="1" u="sng" dirty="0">
+                <a:latin typeface="Calibri" panose="020F0502020204030204" pitchFamily="34" charset="0"/>
+                <a:ea typeface="Calibri" panose="020F0502020204030204" pitchFamily="34" charset="0"/>
+                <a:cs typeface="Calibri" panose="020F0502020204030204" pitchFamily="34" charset="0"/>
+              </a:rPr>
+              <a:t>2. How can the availability of CCUS contribute to country-scale decarbonization efforts?</a:t>
+            </a:r>
+          </a:p>
+          <a:p>
+            <a:endParaRPr lang="ko-KR" altLang="en-US" dirty="0"/>
+          </a:p>
+        </p:txBody>
+      </p:sp>
+    </p:spTree>
+    <p:extLst>
+      <p:ext uri="{BB962C8B-B14F-4D97-AF65-F5344CB8AC3E}">
+        <p14:creationId xmlns:p14="http://schemas.microsoft.com/office/powerpoint/2010/main" val="1838916098"/>
+      </p:ext>
+    </p:extLst>
+  </p:cSld>
+  <p:clrMapOvr>
+    <a:masterClrMapping/>
+  </p:clrMapOvr>
+</p:sld>
+</file>
+
+<file path=ppt/slides/slide17.xml><?xml version="1.0" encoding="utf-8"?>
+<p:sld xmlns:a="http://schemas.openxmlformats.org/drawingml/2006/main" xmlns:r="http://schemas.openxmlformats.org/officeDocument/2006/relationships" xmlns:p="http://schemas.openxmlformats.org/presentationml/2006/main">
+  <p:cSld>
+    <p:spTree>
+      <p:nvGrpSpPr>
+        <p:cNvPr id="1" name=""/>
+        <p:cNvGrpSpPr/>
+        <p:nvPr/>
+      </p:nvGrpSpPr>
+      <p:grpSpPr>
+        <a:xfrm>
+          <a:off x="0" y="0"/>
+          <a:ext cx="0" cy="0"/>
+          <a:chOff x="0" y="0"/>
+          <a:chExt cx="0" cy="0"/>
+        </a:xfrm>
+      </p:grpSpPr>
+      <p:sp>
+        <p:nvSpPr>
+          <p:cNvPr id="10" name="TextBox 9">
+            <a:extLst>
+              <a:ext uri="{FF2B5EF4-FFF2-40B4-BE49-F238E27FC236}">
+                <a16:creationId xmlns:a16="http://schemas.microsoft.com/office/drawing/2014/main" id="{1A586119-7B32-44ED-B870-3977A9F3582F}"/>
+              </a:ext>
+            </a:extLst>
+          </p:cNvPr>
+          <p:cNvSpPr txBox="1"/>
+          <p:nvPr/>
+        </p:nvSpPr>
+        <p:spPr>
+          <a:xfrm>
+            <a:off x="416169" y="201468"/>
+            <a:ext cx="11301698" cy="1600438"/>
+          </a:xfrm>
+          <a:prstGeom prst="rect">
+            <a:avLst/>
+          </a:prstGeom>
+          <a:noFill/>
+        </p:spPr>
+        <p:txBody>
+          <a:bodyPr wrap="square" rtlCol="0">
+            <a:spAutoFit/>
+          </a:bodyPr>
+          <a:lstStyle/>
+          <a:p>
+            <a:r>
+              <a:rPr lang="en-US" altLang="ko-KR" sz="4400" dirty="0"/>
+              <a:t>Research</a:t>
+            </a:r>
+            <a:r>
+              <a:rPr lang="ko-KR" altLang="en-US" sz="4400" dirty="0"/>
+              <a:t> </a:t>
+            </a:r>
+            <a:r>
+              <a:rPr lang="en-US" altLang="ko-KR" sz="4400" dirty="0"/>
+              <a:t>questions</a:t>
+            </a:r>
+            <a:endParaRPr lang="en-US" altLang="ko-KR" dirty="0"/>
+          </a:p>
+          <a:p>
+            <a:r>
+              <a:rPr lang="en-US" altLang="ko-KR" dirty="0"/>
+              <a:t>a research question or two that is "specific" enough to be a unique and tangible topic to work with, "relevant" to stakeholders (policymakers, analysts, or business managers), and "novel" enough to fill the gap in the literature.</a:t>
+            </a:r>
+          </a:p>
+        </p:txBody>
+      </p:sp>
+      <p:sp>
+        <p:nvSpPr>
+          <p:cNvPr id="5" name="TextBox 4">
+            <a:extLst>
+              <a:ext uri="{FF2B5EF4-FFF2-40B4-BE49-F238E27FC236}">
+                <a16:creationId xmlns:a16="http://schemas.microsoft.com/office/drawing/2014/main" id="{472C0E47-7B3B-4E7B-8C3F-E9D8196118B6}"/>
+              </a:ext>
+            </a:extLst>
+          </p:cNvPr>
+          <p:cNvSpPr txBox="1"/>
+          <p:nvPr/>
+        </p:nvSpPr>
+        <p:spPr>
+          <a:xfrm>
+            <a:off x="529986" y="2039950"/>
+            <a:ext cx="11187881" cy="2585323"/>
+          </a:xfrm>
+          <a:prstGeom prst="rect">
+            <a:avLst/>
+          </a:prstGeom>
+          <a:noFill/>
+        </p:spPr>
+        <p:txBody>
+          <a:bodyPr wrap="square">
+            <a:spAutoFit/>
+          </a:bodyPr>
+          <a:lstStyle/>
+          <a:p>
+            <a:endParaRPr lang="en-US" altLang="ko-KR" dirty="0"/>
+          </a:p>
+          <a:p>
+            <a:r>
+              <a:rPr lang="en-US" altLang="ko-KR" dirty="0"/>
+              <a:t>References for research question</a:t>
+            </a:r>
+          </a:p>
+          <a:p>
+            <a:endParaRPr lang="en-US" altLang="ko-KR" dirty="0"/>
+          </a:p>
+          <a:p>
+            <a:r>
+              <a:rPr lang="en-US" altLang="ko-KR" sz="1800" kern="100" dirty="0">
+                <a:effectLst/>
+                <a:latin typeface="맑은 고딕" panose="020B0503020000020004" pitchFamily="50" charset="-127"/>
+                <a:ea typeface="맑은 고딕" panose="020B0503020000020004" pitchFamily="50" charset="-127"/>
+                <a:cs typeface="Times New Roman" panose="02020603050405020304" pitchFamily="18" charset="0"/>
+              </a:rPr>
+              <a:t>[1] J. Fuhrman, “Integrated Assessment Modeling of Direct Air Capture for Negative CO</a:t>
+            </a:r>
+            <a:r>
+              <a:rPr lang="en-US" altLang="ko-KR" sz="1800" kern="100" baseline="-25000" dirty="0">
+                <a:effectLst/>
+                <a:latin typeface="맑은 고딕" panose="020B0503020000020004" pitchFamily="50" charset="-127"/>
+                <a:ea typeface="맑은 고딕" panose="020B0503020000020004" pitchFamily="50" charset="-127"/>
+                <a:cs typeface="Times New Roman" panose="02020603050405020304" pitchFamily="18" charset="0"/>
+              </a:rPr>
+              <a:t>2</a:t>
+            </a:r>
+            <a:r>
+              <a:rPr lang="en-US" altLang="ko-KR" sz="1800" kern="100" dirty="0">
+                <a:effectLst/>
+                <a:latin typeface="맑은 고딕" panose="020B0503020000020004" pitchFamily="50" charset="-127"/>
+                <a:ea typeface="맑은 고딕" panose="020B0503020000020004" pitchFamily="50" charset="-127"/>
+                <a:cs typeface="Times New Roman" panose="02020603050405020304" pitchFamily="18" charset="0"/>
+              </a:rPr>
+              <a:t> Emissions,” University of Virginia, 2021. </a:t>
+            </a:r>
+            <a:r>
+              <a:rPr lang="en-US" altLang="ko-KR" sz="1800" kern="100" dirty="0" err="1">
+                <a:effectLst/>
+                <a:latin typeface="맑은 고딕" panose="020B0503020000020004" pitchFamily="50" charset="-127"/>
+                <a:ea typeface="맑은 고딕" panose="020B0503020000020004" pitchFamily="50" charset="-127"/>
+                <a:cs typeface="Times New Roman" panose="02020603050405020304" pitchFamily="18" charset="0"/>
+              </a:rPr>
+              <a:t>doi</a:t>
+            </a:r>
+            <a:r>
+              <a:rPr lang="en-US" altLang="ko-KR" sz="1800" kern="100" dirty="0">
+                <a:effectLst/>
+                <a:latin typeface="맑은 고딕" panose="020B0503020000020004" pitchFamily="50" charset="-127"/>
+                <a:ea typeface="맑은 고딕" panose="020B0503020000020004" pitchFamily="50" charset="-127"/>
+                <a:cs typeface="Times New Roman" panose="02020603050405020304" pitchFamily="18" charset="0"/>
+              </a:rPr>
+              <a:t>: 10.18130/QGGA-G857.</a:t>
+            </a:r>
+          </a:p>
+          <a:p>
+            <a:endParaRPr lang="en-US" altLang="ko-KR" sz="1800" kern="100" dirty="0">
+              <a:effectLst/>
+              <a:latin typeface="맑은 고딕" panose="020B0503020000020004" pitchFamily="50" charset="-127"/>
+              <a:ea typeface="맑은 고딕" panose="020B0503020000020004" pitchFamily="50" charset="-127"/>
+              <a:cs typeface="Times New Roman" panose="02020603050405020304" pitchFamily="18" charset="0"/>
+            </a:endParaRPr>
+          </a:p>
+          <a:p>
+            <a:r>
+              <a:rPr lang="en-US" altLang="ko-KR" sz="1800" kern="100" dirty="0">
+                <a:effectLst/>
+                <a:latin typeface="맑은 고딕" panose="020B0503020000020004" pitchFamily="50" charset="-127"/>
+                <a:ea typeface="맑은 고딕" panose="020B0503020000020004" pitchFamily="50" charset="-127"/>
+                <a:cs typeface="Times New Roman" panose="02020603050405020304" pitchFamily="18" charset="0"/>
+              </a:rPr>
+              <a:t>[2] </a:t>
+            </a:r>
+            <a:r>
+              <a:rPr lang="ko-KR" altLang="en-US" kern="100" dirty="0">
+                <a:latin typeface="맑은 고딕" panose="020B0503020000020004" pitchFamily="50" charset="-127"/>
+                <a:ea typeface="맑은 고딕" panose="020B0503020000020004" pitchFamily="50" charset="-127"/>
+                <a:cs typeface="Times New Roman" panose="02020603050405020304" pitchFamily="18" charset="0"/>
+              </a:rPr>
+              <a:t>관계부처 합동</a:t>
+            </a:r>
+            <a:r>
+              <a:rPr lang="en-US" altLang="ko-KR" kern="100" dirty="0">
+                <a:latin typeface="맑은 고딕" panose="020B0503020000020004" pitchFamily="50" charset="-127"/>
+                <a:ea typeface="맑은 고딕" panose="020B0503020000020004" pitchFamily="50" charset="-127"/>
+                <a:cs typeface="Times New Roman" panose="02020603050405020304" pitchFamily="18" charset="0"/>
+              </a:rPr>
+              <a:t>, “</a:t>
+            </a:r>
+            <a:r>
+              <a:rPr lang="ko-KR" altLang="en-US" kern="100" dirty="0">
+                <a:latin typeface="맑은 고딕" panose="020B0503020000020004" pitchFamily="50" charset="-127"/>
+                <a:ea typeface="맑은 고딕" panose="020B0503020000020004" pitchFamily="50" charset="-127"/>
+                <a:cs typeface="Times New Roman" panose="02020603050405020304" pitchFamily="18" charset="0"/>
+              </a:rPr>
+              <a:t>탄소중립 녹색성장 국가전략 및 제</a:t>
+            </a:r>
+            <a:r>
+              <a:rPr lang="en-US" altLang="ko-KR" kern="100" dirty="0">
+                <a:latin typeface="맑은 고딕" panose="020B0503020000020004" pitchFamily="50" charset="-127"/>
+                <a:ea typeface="맑은 고딕" panose="020B0503020000020004" pitchFamily="50" charset="-127"/>
+                <a:cs typeface="Times New Roman" panose="02020603050405020304" pitchFamily="18" charset="0"/>
+              </a:rPr>
+              <a:t>1</a:t>
+            </a:r>
+            <a:r>
+              <a:rPr lang="ko-KR" altLang="en-US" kern="100" dirty="0">
+                <a:latin typeface="맑은 고딕" panose="020B0503020000020004" pitchFamily="50" charset="-127"/>
+                <a:ea typeface="맑은 고딕" panose="020B0503020000020004" pitchFamily="50" charset="-127"/>
+                <a:cs typeface="Times New Roman" panose="02020603050405020304" pitchFamily="18" charset="0"/>
+              </a:rPr>
+              <a:t>차 국가 기본계획</a:t>
+            </a:r>
+            <a:r>
+              <a:rPr lang="en-US" altLang="ko-KR" kern="100" dirty="0">
+                <a:latin typeface="맑은 고딕" panose="020B0503020000020004" pitchFamily="50" charset="-127"/>
+                <a:ea typeface="맑은 고딕" panose="020B0503020000020004" pitchFamily="50" charset="-127"/>
+                <a:cs typeface="Times New Roman" panose="02020603050405020304" pitchFamily="18" charset="0"/>
+              </a:rPr>
+              <a:t>”, 2023.4.</a:t>
+            </a:r>
+            <a:endParaRPr lang="ko-KR" altLang="ko-KR" sz="1800" kern="100" dirty="0">
+              <a:effectLst/>
+              <a:latin typeface="맑은 고딕" panose="020B0503020000020004" pitchFamily="50" charset="-127"/>
+              <a:ea typeface="맑은 고딕" panose="020B0503020000020004" pitchFamily="50" charset="-127"/>
+              <a:cs typeface="Times New Roman" panose="02020603050405020304" pitchFamily="18" charset="0"/>
+            </a:endParaRPr>
+          </a:p>
+          <a:p>
+            <a:endParaRPr lang="en-US" altLang="ko-KR" dirty="0"/>
+          </a:p>
+          <a:p>
+            <a:endParaRPr lang="ko-KR" altLang="en-US" dirty="0"/>
+          </a:p>
+        </p:txBody>
+      </p:sp>
+    </p:spTree>
+    <p:extLst>
+      <p:ext uri="{BB962C8B-B14F-4D97-AF65-F5344CB8AC3E}">
+        <p14:creationId xmlns:p14="http://schemas.microsoft.com/office/powerpoint/2010/main" val="2358212893"/>
+      </p:ext>
+    </p:extLst>
+  </p:cSld>
+  <p:clrMapOvr>
+    <a:masterClrMapping/>
+  </p:clrMapOvr>
+</p:sld>
+</file>
+
+<file path=ppt/slides/slide18.xml><?xml version="1.0" encoding="utf-8"?>
+<p:sld xmlns:a="http://schemas.openxmlformats.org/drawingml/2006/main" xmlns:r="http://schemas.openxmlformats.org/officeDocument/2006/relationships" xmlns:p="http://schemas.openxmlformats.org/presentationml/2006/main">
+  <p:cSld>
+    <p:spTree>
+      <p:nvGrpSpPr>
+        <p:cNvPr id="1" name=""/>
+        <p:cNvGrpSpPr/>
+        <p:nvPr/>
+      </p:nvGrpSpPr>
+      <p:grpSpPr>
+        <a:xfrm>
+          <a:off x="0" y="0"/>
+          <a:ext cx="0" cy="0"/>
+          <a:chOff x="0" y="0"/>
+          <a:chExt cx="0" cy="0"/>
+        </a:xfrm>
+      </p:grpSpPr>
+      <p:pic>
+        <p:nvPicPr>
+          <p:cNvPr id="3" name="그림 2">
+            <a:extLst>
+              <a:ext uri="{FF2B5EF4-FFF2-40B4-BE49-F238E27FC236}">
+                <a16:creationId xmlns:a16="http://schemas.microsoft.com/office/drawing/2014/main" id="{A33D013A-7791-4140-BE22-5122B0D83B87}"/>
+              </a:ext>
+            </a:extLst>
+          </p:cNvPr>
+          <p:cNvPicPr>
+            <a:picLocks noChangeAspect="1"/>
+          </p:cNvPicPr>
+          <p:nvPr/>
+        </p:nvPicPr>
+        <p:blipFill>
+          <a:blip r:embed="rId2"/>
+          <a:stretch>
+            <a:fillRect/>
+          </a:stretch>
+        </p:blipFill>
+        <p:spPr>
+          <a:xfrm>
+            <a:off x="-66675" y="1524907"/>
+            <a:ext cx="12192000" cy="4360584"/>
+          </a:xfrm>
+          <a:prstGeom prst="rect">
+            <a:avLst/>
+          </a:prstGeom>
+        </p:spPr>
+      </p:pic>
+      <p:sp>
+        <p:nvSpPr>
+          <p:cNvPr id="10" name="TextBox 9">
+            <a:extLst>
+              <a:ext uri="{FF2B5EF4-FFF2-40B4-BE49-F238E27FC236}">
+                <a16:creationId xmlns:a16="http://schemas.microsoft.com/office/drawing/2014/main" id="{1A586119-7B32-44ED-B870-3977A9F3582F}"/>
+              </a:ext>
+            </a:extLst>
+          </p:cNvPr>
+          <p:cNvSpPr txBox="1"/>
+          <p:nvPr/>
+        </p:nvSpPr>
+        <p:spPr>
+          <a:xfrm>
+            <a:off x="416169" y="201468"/>
+            <a:ext cx="11301698" cy="1323439"/>
+          </a:xfrm>
+          <a:prstGeom prst="rect">
+            <a:avLst/>
+          </a:prstGeom>
+          <a:noFill/>
+        </p:spPr>
+        <p:txBody>
+          <a:bodyPr wrap="square" rtlCol="0">
+            <a:spAutoFit/>
+          </a:bodyPr>
+          <a:lstStyle/>
+          <a:p>
+            <a:r>
+              <a:rPr lang="en-US" altLang="ko-KR" sz="4400" dirty="0"/>
+              <a:t>231011</a:t>
+            </a:r>
+            <a:endParaRPr lang="en-US" altLang="ko-KR" dirty="0"/>
+          </a:p>
+          <a:p>
+            <a:pPr marL="285750" indent="-285750">
+              <a:buFontTx/>
+              <a:buChar char="-"/>
+            </a:pPr>
+            <a:r>
+              <a:rPr lang="en-US" altLang="ko-KR" dirty="0" err="1"/>
+              <a:t>Dac</a:t>
+            </a:r>
+            <a:r>
+              <a:rPr lang="en-US" altLang="ko-KR" dirty="0"/>
+              <a:t> </a:t>
+            </a:r>
+            <a:r>
+              <a:rPr lang="ko-KR" altLang="en-US" dirty="0"/>
+              <a:t>에서 </a:t>
+            </a:r>
+            <a:r>
+              <a:rPr lang="en-US" altLang="ko-KR" dirty="0"/>
+              <a:t>2015</a:t>
+            </a:r>
+            <a:r>
+              <a:rPr lang="ko-KR" altLang="en-US" dirty="0"/>
+              <a:t>년 </a:t>
+            </a:r>
+            <a:r>
+              <a:rPr lang="en-US" altLang="ko-KR" dirty="0"/>
+              <a:t>base service = 10, no</a:t>
+            </a:r>
+            <a:r>
+              <a:rPr lang="ko-KR" altLang="en-US" dirty="0"/>
+              <a:t> </a:t>
+            </a:r>
+            <a:r>
+              <a:rPr lang="en-US" altLang="ko-KR" dirty="0" err="1"/>
+              <a:t>dac</a:t>
+            </a:r>
+            <a:r>
+              <a:rPr lang="ko-KR" altLang="en-US" dirty="0"/>
+              <a:t> </a:t>
+            </a:r>
+            <a:r>
+              <a:rPr lang="en-US" altLang="ko-KR" dirty="0"/>
+              <a:t>=</a:t>
+            </a:r>
+            <a:r>
+              <a:rPr lang="ko-KR" altLang="en-US" dirty="0"/>
+              <a:t> </a:t>
+            </a:r>
+            <a:r>
+              <a:rPr lang="en-US" altLang="ko-KR" dirty="0"/>
+              <a:t>10</a:t>
+            </a:r>
+            <a:r>
+              <a:rPr lang="ko-KR" altLang="en-US" dirty="0"/>
+              <a:t>으로 설정</a:t>
+            </a:r>
+            <a:endParaRPr lang="en-US" altLang="ko-KR" dirty="0"/>
+          </a:p>
+          <a:p>
+            <a:pPr marL="285750" indent="-285750">
+              <a:buFontTx/>
+              <a:buChar char="-"/>
+            </a:pPr>
+            <a:r>
+              <a:rPr lang="ko-KR" altLang="en-US" dirty="0"/>
+              <a:t>아래와 같이 </a:t>
+            </a:r>
+            <a:r>
+              <a:rPr lang="en-US" altLang="ko-KR" dirty="0" err="1"/>
+              <a:t>dac</a:t>
+            </a:r>
+            <a:r>
+              <a:rPr lang="en-US" altLang="ko-KR" dirty="0"/>
+              <a:t> </a:t>
+            </a:r>
+            <a:r>
+              <a:rPr lang="ko-KR" altLang="en-US" dirty="0"/>
+              <a:t>기술 </a:t>
+            </a:r>
+            <a:r>
+              <a:rPr lang="ko-KR" altLang="en-US" dirty="0" err="1"/>
+              <a:t>들어오는거</a:t>
+            </a:r>
+            <a:r>
+              <a:rPr lang="ko-KR" altLang="en-US" dirty="0"/>
+              <a:t> 확인</a:t>
+            </a:r>
+            <a:r>
+              <a:rPr lang="en-US" altLang="ko-KR" dirty="0"/>
+              <a:t>(South Korea)</a:t>
+            </a:r>
+          </a:p>
+        </p:txBody>
+      </p:sp>
+      <p:sp>
+        <p:nvSpPr>
+          <p:cNvPr id="5" name="직사각형 4">
+            <a:extLst>
+              <a:ext uri="{FF2B5EF4-FFF2-40B4-BE49-F238E27FC236}">
+                <a16:creationId xmlns:a16="http://schemas.microsoft.com/office/drawing/2014/main" id="{08F555AF-C848-4AB6-B8BC-94B56F1625A7}"/>
+              </a:ext>
+            </a:extLst>
+          </p:cNvPr>
+          <p:cNvSpPr/>
+          <p:nvPr/>
+        </p:nvSpPr>
+        <p:spPr>
+          <a:xfrm>
+            <a:off x="0" y="1924050"/>
+            <a:ext cx="12125325" cy="457200"/>
+          </a:xfrm>
+          <a:prstGeom prst="rect">
+            <a:avLst/>
+          </a:prstGeom>
+          <a:noFill/>
+          <a:ln w="57150">
+            <a:solidFill>
+              <a:srgbClr val="FF0000"/>
+            </a:solidFill>
+            <a:prstDash val="sysDash"/>
+          </a:ln>
+        </p:spPr>
+        <p:style>
+          <a:lnRef idx="2">
+            <a:schemeClr val="accent1">
+              <a:shade val="50000"/>
+            </a:schemeClr>
+          </a:lnRef>
+          <a:fillRef idx="1">
+            <a:schemeClr val="accent1"/>
+          </a:fillRef>
+          <a:effectRef idx="0">
+            <a:schemeClr val="accent1"/>
+          </a:effectRef>
+          <a:fontRef idx="minor">
+            <a:schemeClr val="lt1"/>
+          </a:fontRef>
+        </p:style>
+        <p:txBody>
+          <a:bodyPr rtlCol="0" anchor="ctr"/>
+          <a:lstStyle/>
+          <a:p>
+            <a:pPr algn="ctr"/>
+            <a:endParaRPr lang="ko-KR" altLang="en-US"/>
+          </a:p>
+        </p:txBody>
+      </p:sp>
+    </p:spTree>
+    <p:extLst>
+      <p:ext uri="{BB962C8B-B14F-4D97-AF65-F5344CB8AC3E}">
+        <p14:creationId xmlns:p14="http://schemas.microsoft.com/office/powerpoint/2010/main" val="2770207459"/>
+      </p:ext>
+    </p:extLst>
+  </p:cSld>
+  <p:clrMapOvr>
+    <a:masterClrMapping/>
+  </p:clrMapOvr>
+</p:sld>
+</file>
+
+<file path=ppt/slides/slide19.xml><?xml version="1.0" encoding="utf-8"?>
+<p:sld xmlns:a="http://schemas.openxmlformats.org/drawingml/2006/main" xmlns:r="http://schemas.openxmlformats.org/officeDocument/2006/relationships" xmlns:p="http://schemas.openxmlformats.org/presentationml/2006/main">
+  <p:cSld>
+    <p:spTree>
+      <p:nvGrpSpPr>
+        <p:cNvPr id="1" name=""/>
+        <p:cNvGrpSpPr/>
+        <p:nvPr/>
+      </p:nvGrpSpPr>
+      <p:grpSpPr>
+        <a:xfrm>
+          <a:off x="0" y="0"/>
+          <a:ext cx="0" cy="0"/>
+          <a:chOff x="0" y="0"/>
+          <a:chExt cx="0" cy="0"/>
+        </a:xfrm>
+      </p:grpSpPr>
+      <p:sp>
+        <p:nvSpPr>
+          <p:cNvPr id="10" name="TextBox 9">
+            <a:extLst>
+              <a:ext uri="{FF2B5EF4-FFF2-40B4-BE49-F238E27FC236}">
+                <a16:creationId xmlns:a16="http://schemas.microsoft.com/office/drawing/2014/main" id="{1A586119-7B32-44ED-B870-3977A9F3582F}"/>
+              </a:ext>
+            </a:extLst>
+          </p:cNvPr>
+          <p:cNvSpPr txBox="1"/>
+          <p:nvPr/>
+        </p:nvSpPr>
+        <p:spPr>
+          <a:xfrm>
+            <a:off x="416169" y="201468"/>
+            <a:ext cx="11301698" cy="1323439"/>
+          </a:xfrm>
+          <a:prstGeom prst="rect">
+            <a:avLst/>
+          </a:prstGeom>
+          <a:noFill/>
+        </p:spPr>
+        <p:txBody>
+          <a:bodyPr wrap="square" rtlCol="0">
+            <a:spAutoFit/>
+          </a:bodyPr>
+          <a:lstStyle/>
+          <a:p>
+            <a:r>
+              <a:rPr lang="en-US" altLang="ko-KR" sz="4400" dirty="0"/>
+              <a:t>231011</a:t>
+            </a:r>
+            <a:endParaRPr lang="en-US" altLang="ko-KR" dirty="0"/>
+          </a:p>
+          <a:p>
+            <a:pPr marL="285750" indent="-285750">
+              <a:buFontTx/>
+              <a:buChar char="-"/>
+            </a:pPr>
+            <a:r>
+              <a:rPr lang="en-US" altLang="ko-KR" dirty="0" err="1"/>
+              <a:t>Dac</a:t>
+            </a:r>
+            <a:r>
+              <a:rPr lang="en-US" altLang="ko-KR" dirty="0"/>
+              <a:t> </a:t>
+            </a:r>
+            <a:r>
+              <a:rPr lang="ko-KR" altLang="en-US" dirty="0"/>
+              <a:t>에서 </a:t>
+            </a:r>
+            <a:r>
+              <a:rPr lang="en-US" altLang="ko-KR" dirty="0"/>
+              <a:t>2015</a:t>
+            </a:r>
+            <a:r>
+              <a:rPr lang="ko-KR" altLang="en-US" dirty="0"/>
+              <a:t>년 </a:t>
+            </a:r>
+            <a:r>
+              <a:rPr lang="en-US" altLang="ko-KR" dirty="0"/>
+              <a:t>base service = 10, no</a:t>
+            </a:r>
+            <a:r>
+              <a:rPr lang="ko-KR" altLang="en-US" dirty="0"/>
+              <a:t> </a:t>
+            </a:r>
+            <a:r>
+              <a:rPr lang="en-US" altLang="ko-KR" dirty="0" err="1"/>
+              <a:t>dac</a:t>
+            </a:r>
+            <a:r>
+              <a:rPr lang="ko-KR" altLang="en-US" dirty="0"/>
+              <a:t> </a:t>
+            </a:r>
+            <a:r>
+              <a:rPr lang="en-US" altLang="ko-KR" dirty="0"/>
+              <a:t>=</a:t>
+            </a:r>
+            <a:r>
+              <a:rPr lang="ko-KR" altLang="en-US" dirty="0"/>
+              <a:t> </a:t>
+            </a:r>
+            <a:r>
+              <a:rPr lang="en-US" altLang="ko-KR" dirty="0"/>
+              <a:t>10</a:t>
+            </a:r>
+            <a:r>
+              <a:rPr lang="ko-KR" altLang="en-US" dirty="0"/>
+              <a:t>으로 설정</a:t>
+            </a:r>
+            <a:endParaRPr lang="en-US" altLang="ko-KR" dirty="0"/>
+          </a:p>
+          <a:p>
+            <a:pPr marL="285750" indent="-285750">
+              <a:buFontTx/>
+              <a:buChar char="-"/>
+            </a:pPr>
+            <a:r>
+              <a:rPr lang="ko-KR" altLang="en-US" dirty="0"/>
+              <a:t>아래와 같이 </a:t>
+            </a:r>
+            <a:r>
+              <a:rPr lang="en-US" altLang="ko-KR" dirty="0" err="1"/>
+              <a:t>dac</a:t>
+            </a:r>
+            <a:r>
+              <a:rPr lang="en-US" altLang="ko-KR" dirty="0"/>
+              <a:t> </a:t>
+            </a:r>
+            <a:r>
+              <a:rPr lang="ko-KR" altLang="en-US" dirty="0"/>
+              <a:t>기술 </a:t>
+            </a:r>
+            <a:r>
+              <a:rPr lang="ko-KR" altLang="en-US" dirty="0" err="1"/>
+              <a:t>들어오는거</a:t>
+            </a:r>
+            <a:r>
+              <a:rPr lang="ko-KR" altLang="en-US" dirty="0"/>
+              <a:t> 확인</a:t>
+            </a:r>
+            <a:r>
+              <a:rPr lang="en-US" altLang="ko-KR" dirty="0"/>
+              <a:t>(South Korea)</a:t>
+            </a:r>
+          </a:p>
+        </p:txBody>
+      </p:sp>
+      <p:pic>
+        <p:nvPicPr>
+          <p:cNvPr id="6" name="그림 5">
+            <a:extLst>
+              <a:ext uri="{FF2B5EF4-FFF2-40B4-BE49-F238E27FC236}">
+                <a16:creationId xmlns:a16="http://schemas.microsoft.com/office/drawing/2014/main" id="{C36ACFE6-1B9A-4769-9EFD-625AE89783EB}"/>
+              </a:ext>
+            </a:extLst>
+          </p:cNvPr>
+          <p:cNvPicPr>
+            <a:picLocks noChangeAspect="1"/>
+          </p:cNvPicPr>
+          <p:nvPr/>
+        </p:nvPicPr>
+        <p:blipFill>
+          <a:blip r:embed="rId2"/>
+          <a:stretch>
+            <a:fillRect/>
+          </a:stretch>
+        </p:blipFill>
+        <p:spPr>
+          <a:xfrm>
+            <a:off x="710382" y="2175425"/>
+            <a:ext cx="10461803" cy="4243407"/>
+          </a:xfrm>
+          <a:prstGeom prst="rect">
+            <a:avLst/>
+          </a:prstGeom>
+        </p:spPr>
+      </p:pic>
+    </p:spTree>
+    <p:extLst>
+      <p:ext uri="{BB962C8B-B14F-4D97-AF65-F5344CB8AC3E}">
+        <p14:creationId xmlns:p14="http://schemas.microsoft.com/office/powerpoint/2010/main" val="328710917"/>
       </p:ext>
     </p:extLst>
   </p:cSld>
@@ -3582,8 +5639,8 @@
         </p:blipFill>
         <p:spPr>
           <a:xfrm>
-            <a:off x="920128" y="1302086"/>
-            <a:ext cx="10821657" cy="3284691"/>
+            <a:off x="920128" y="1948082"/>
+            <a:ext cx="9478931" cy="2877134"/>
           </a:xfrm>
           <a:prstGeom prst="rect">
             <a:avLst/>
@@ -3604,8 +5661,8 @@
         </p:nvSpPr>
         <p:spPr>
           <a:xfrm>
-            <a:off x="450215" y="3771900"/>
-            <a:ext cx="9872880" cy="2308324"/>
+            <a:off x="526179" y="3937805"/>
+            <a:ext cx="9872880" cy="2062103"/>
           </a:xfrm>
           <a:prstGeom prst="rect">
             <a:avLst/>
@@ -3629,40 +5686,190 @@
           </a:p>
           <a:p>
             <a:r>
-              <a:rPr lang="en-US" altLang="ko-KR" sz="3600" dirty="0"/>
+              <a:rPr lang="en-US" altLang="ko-KR" sz="2800" dirty="0"/>
               <a:t>Cstorage.xml        or        Cstorage_x2.xml</a:t>
             </a:r>
           </a:p>
           <a:p>
             <a:r>
-              <a:rPr lang="en-US" altLang="ko-KR" sz="3600" dirty="0"/>
-              <a:t>(</a:t>
-            </a:r>
-            <a:r>
-              <a:rPr lang="en-US" altLang="ko-KR" sz="3600" dirty="0" err="1"/>
+              <a:rPr lang="en-US" altLang="ko-KR" sz="2800" dirty="0"/>
+              <a:t>=&gt; </a:t>
+            </a:r>
+            <a:r>
+              <a:rPr lang="en-US" altLang="ko-KR" sz="2800" i="1" u="sng" dirty="0" err="1"/>
               <a:t>dac</a:t>
             </a:r>
             <a:r>
-              <a:rPr lang="en-US" altLang="ko-KR" sz="3600" dirty="0"/>
-              <a:t> scenario)</a:t>
-            </a:r>
-            <a:r>
-              <a:rPr lang="ko-KR" altLang="en-US" sz="3600" dirty="0"/>
-              <a:t>            </a:t>
-            </a:r>
-            <a:r>
-              <a:rPr lang="en-US" altLang="ko-KR" sz="3600" dirty="0"/>
-              <a:t>(</a:t>
-            </a:r>
-            <a:r>
-              <a:rPr lang="en-US" altLang="ko-KR" sz="3600" dirty="0" err="1"/>
+              <a:rPr lang="en-US" altLang="ko-KR" sz="2800" i="1" u="sng" dirty="0"/>
+              <a:t> scenario</a:t>
+            </a:r>
+            <a:r>
+              <a:rPr lang="ko-KR" altLang="en-US" sz="2800" dirty="0"/>
+              <a:t>          </a:t>
+            </a:r>
+            <a:r>
+              <a:rPr lang="en-US" altLang="ko-KR" sz="2800" dirty="0"/>
+              <a:t> =&gt; </a:t>
+            </a:r>
+            <a:r>
+              <a:rPr lang="en-US" altLang="ko-KR" sz="2800" i="1" u="sng" dirty="0" err="1"/>
               <a:t>dac+cstorage</a:t>
             </a:r>
             <a:r>
-              <a:rPr lang="en-US" altLang="ko-KR" sz="3600" dirty="0"/>
-              <a:t> scenario)</a:t>
-            </a:r>
-            <a:endParaRPr lang="ko-KR" altLang="en-US" sz="3600" dirty="0"/>
+              <a:rPr lang="en-US" altLang="ko-KR" sz="2800" i="1" u="sng" dirty="0"/>
+              <a:t> scenario</a:t>
+            </a:r>
+            <a:endParaRPr lang="ko-KR" altLang="en-US" sz="2800" i="1" u="sng" dirty="0"/>
+          </a:p>
+        </p:txBody>
+      </p:sp>
+      <p:sp>
+        <p:nvSpPr>
+          <p:cNvPr id="5" name="TextBox 4">
+            <a:extLst>
+              <a:ext uri="{FF2B5EF4-FFF2-40B4-BE49-F238E27FC236}">
+                <a16:creationId xmlns:a16="http://schemas.microsoft.com/office/drawing/2014/main" id="{9EDB89B0-E7CF-4A99-9BF7-8594DE55FCEE}"/>
+              </a:ext>
+            </a:extLst>
+          </p:cNvPr>
+          <p:cNvSpPr txBox="1"/>
+          <p:nvPr/>
+        </p:nvSpPr>
+        <p:spPr>
+          <a:xfrm>
+            <a:off x="416169" y="201468"/>
+            <a:ext cx="10673172" cy="1877437"/>
+          </a:xfrm>
+          <a:prstGeom prst="rect">
+            <a:avLst/>
+          </a:prstGeom>
+          <a:noFill/>
+        </p:spPr>
+        <p:txBody>
+          <a:bodyPr wrap="square" rtlCol="0">
+            <a:spAutoFit/>
+          </a:bodyPr>
+          <a:lstStyle/>
+          <a:p>
+            <a:r>
+              <a:rPr lang="en-US" altLang="ko-KR" sz="4400" dirty="0"/>
+              <a:t>Success story</a:t>
+            </a:r>
+          </a:p>
+          <a:p>
+            <a:pPr marL="285750" indent="-285750">
+              <a:buFontTx/>
+              <a:buChar char="-"/>
+            </a:pPr>
+            <a:endParaRPr lang="en-US" altLang="ko-KR" dirty="0"/>
+          </a:p>
+          <a:p>
+            <a:r>
+              <a:rPr lang="en-US" altLang="ko-KR" dirty="0"/>
+              <a:t>- Scenario setting is as follows.</a:t>
+            </a:r>
+          </a:p>
+          <a:p>
+            <a:pPr marL="285750" indent="-285750">
+              <a:buFontTx/>
+              <a:buChar char="-"/>
+            </a:pPr>
+            <a:endParaRPr lang="en-US" altLang="ko-KR" dirty="0"/>
+          </a:p>
+          <a:p>
+            <a:pPr marL="285750" indent="-285750">
+              <a:buFontTx/>
+              <a:buChar char="-"/>
+            </a:pPr>
+            <a:endParaRPr lang="en-US" altLang="ko-KR" dirty="0"/>
+          </a:p>
+        </p:txBody>
+      </p:sp>
+      <p:sp>
+        <p:nvSpPr>
+          <p:cNvPr id="7" name="직사각형 6">
+            <a:extLst>
+              <a:ext uri="{FF2B5EF4-FFF2-40B4-BE49-F238E27FC236}">
+                <a16:creationId xmlns:a16="http://schemas.microsoft.com/office/drawing/2014/main" id="{4F91BC1D-CB26-4FAE-86BF-3AFFB9162CB2}"/>
+              </a:ext>
+            </a:extLst>
+          </p:cNvPr>
+          <p:cNvSpPr/>
+          <p:nvPr/>
+        </p:nvSpPr>
+        <p:spPr>
+          <a:xfrm>
+            <a:off x="831408" y="2345656"/>
+            <a:ext cx="9146309" cy="1317992"/>
+          </a:xfrm>
+          <a:prstGeom prst="rect">
+            <a:avLst/>
+          </a:prstGeom>
+          <a:noFill/>
+          <a:ln>
+            <a:solidFill>
+              <a:srgbClr val="FF0000"/>
+            </a:solidFill>
+            <a:prstDash val="sysDash"/>
+          </a:ln>
+        </p:spPr>
+        <p:style>
+          <a:lnRef idx="2">
+            <a:schemeClr val="accent1">
+              <a:shade val="50000"/>
+            </a:schemeClr>
+          </a:lnRef>
+          <a:fillRef idx="1">
+            <a:schemeClr val="accent1"/>
+          </a:fillRef>
+          <a:effectRef idx="0">
+            <a:schemeClr val="accent1"/>
+          </a:effectRef>
+          <a:fontRef idx="minor">
+            <a:schemeClr val="lt1"/>
+          </a:fontRef>
+        </p:style>
+        <p:txBody>
+          <a:bodyPr rtlCol="0" anchor="ctr"/>
+          <a:lstStyle/>
+          <a:p>
+            <a:pPr algn="ctr"/>
+            <a:endParaRPr lang="ko-KR" altLang="en-US"/>
+          </a:p>
+        </p:txBody>
+      </p:sp>
+      <p:sp>
+        <p:nvSpPr>
+          <p:cNvPr id="9" name="TextBox 8">
+            <a:extLst>
+              <a:ext uri="{FF2B5EF4-FFF2-40B4-BE49-F238E27FC236}">
+                <a16:creationId xmlns:a16="http://schemas.microsoft.com/office/drawing/2014/main" id="{18A9DF46-DD75-4C5F-B54A-35A52902B340}"/>
+              </a:ext>
+            </a:extLst>
+          </p:cNvPr>
+          <p:cNvSpPr txBox="1"/>
+          <p:nvPr/>
+        </p:nvSpPr>
+        <p:spPr>
+          <a:xfrm>
+            <a:off x="7391285" y="1916863"/>
+            <a:ext cx="3511733" cy="369332"/>
+          </a:xfrm>
+          <a:prstGeom prst="rect">
+            <a:avLst/>
+          </a:prstGeom>
+          <a:noFill/>
+        </p:spPr>
+        <p:txBody>
+          <a:bodyPr wrap="square" rtlCol="0">
+            <a:spAutoFit/>
+          </a:bodyPr>
+          <a:lstStyle/>
+          <a:p>
+            <a:r>
+              <a:rPr lang="en-US" altLang="ko-KR" dirty="0"/>
+              <a:t>These are scenarios for Japan</a:t>
+            </a:r>
           </a:p>
         </p:txBody>
       </p:sp>
@@ -3670,6 +5877,592 @@
     <p:extLst>
       <p:ext uri="{BB962C8B-B14F-4D97-AF65-F5344CB8AC3E}">
         <p14:creationId xmlns:p14="http://schemas.microsoft.com/office/powerpoint/2010/main" val="3897488000"/>
+      </p:ext>
+    </p:extLst>
+  </p:cSld>
+  <p:clrMapOvr>
+    <a:masterClrMapping/>
+  </p:clrMapOvr>
+</p:sld>
+</file>
+
+<file path=ppt/slides/slide20.xml><?xml version="1.0" encoding="utf-8"?>
+<p:sld xmlns:a="http://schemas.openxmlformats.org/drawingml/2006/main" xmlns:r="http://schemas.openxmlformats.org/officeDocument/2006/relationships" xmlns:p="http://schemas.openxmlformats.org/presentationml/2006/main">
+  <p:cSld>
+    <p:spTree>
+      <p:nvGrpSpPr>
+        <p:cNvPr id="1" name=""/>
+        <p:cNvGrpSpPr/>
+        <p:nvPr/>
+      </p:nvGrpSpPr>
+      <p:grpSpPr>
+        <a:xfrm>
+          <a:off x="0" y="0"/>
+          <a:ext cx="0" cy="0"/>
+          <a:chOff x="0" y="0"/>
+          <a:chExt cx="0" cy="0"/>
+        </a:xfrm>
+      </p:grpSpPr>
+      <p:sp>
+        <p:nvSpPr>
+          <p:cNvPr id="10" name="TextBox 9">
+            <a:extLst>
+              <a:ext uri="{FF2B5EF4-FFF2-40B4-BE49-F238E27FC236}">
+                <a16:creationId xmlns:a16="http://schemas.microsoft.com/office/drawing/2014/main" id="{1A586119-7B32-44ED-B870-3977A9F3582F}"/>
+              </a:ext>
+            </a:extLst>
+          </p:cNvPr>
+          <p:cNvSpPr txBox="1"/>
+          <p:nvPr/>
+        </p:nvSpPr>
+        <p:spPr>
+          <a:xfrm>
+            <a:off x="416169" y="201468"/>
+            <a:ext cx="11301698" cy="1323439"/>
+          </a:xfrm>
+          <a:prstGeom prst="rect">
+            <a:avLst/>
+          </a:prstGeom>
+          <a:noFill/>
+        </p:spPr>
+        <p:txBody>
+          <a:bodyPr wrap="square" rtlCol="0">
+            <a:spAutoFit/>
+          </a:bodyPr>
+          <a:lstStyle/>
+          <a:p>
+            <a:r>
+              <a:rPr lang="en-US" altLang="ko-KR" sz="4400" dirty="0"/>
+              <a:t>231011</a:t>
+            </a:r>
+            <a:endParaRPr lang="en-US" altLang="ko-KR" dirty="0"/>
+          </a:p>
+          <a:p>
+            <a:pPr marL="285750" indent="-285750">
+              <a:buFontTx/>
+              <a:buChar char="-"/>
+            </a:pPr>
+            <a:r>
+              <a:rPr lang="en-US" altLang="ko-KR" dirty="0" err="1"/>
+              <a:t>Dac</a:t>
+            </a:r>
+            <a:r>
+              <a:rPr lang="en-US" altLang="ko-KR" dirty="0"/>
+              <a:t> </a:t>
+            </a:r>
+            <a:r>
+              <a:rPr lang="ko-KR" altLang="en-US" dirty="0"/>
+              <a:t>에서 </a:t>
+            </a:r>
+            <a:r>
+              <a:rPr lang="en-US" altLang="ko-KR" dirty="0"/>
+              <a:t>2015</a:t>
+            </a:r>
+            <a:r>
+              <a:rPr lang="ko-KR" altLang="en-US" dirty="0"/>
+              <a:t>년 </a:t>
+            </a:r>
+            <a:r>
+              <a:rPr lang="en-US" altLang="ko-KR" dirty="0"/>
+              <a:t>base service = 10, no</a:t>
+            </a:r>
+            <a:r>
+              <a:rPr lang="ko-KR" altLang="en-US" dirty="0"/>
+              <a:t> </a:t>
+            </a:r>
+            <a:r>
+              <a:rPr lang="en-US" altLang="ko-KR" dirty="0" err="1"/>
+              <a:t>dac</a:t>
+            </a:r>
+            <a:r>
+              <a:rPr lang="ko-KR" altLang="en-US" dirty="0"/>
+              <a:t> </a:t>
+            </a:r>
+            <a:r>
+              <a:rPr lang="en-US" altLang="ko-KR" dirty="0"/>
+              <a:t>=</a:t>
+            </a:r>
+            <a:r>
+              <a:rPr lang="ko-KR" altLang="en-US" dirty="0"/>
+              <a:t> </a:t>
+            </a:r>
+            <a:r>
+              <a:rPr lang="en-US" altLang="ko-KR" dirty="0"/>
+              <a:t>10</a:t>
+            </a:r>
+            <a:r>
+              <a:rPr lang="ko-KR" altLang="en-US" dirty="0"/>
+              <a:t>으로 설정</a:t>
+            </a:r>
+            <a:endParaRPr lang="en-US" altLang="ko-KR" dirty="0"/>
+          </a:p>
+          <a:p>
+            <a:pPr marL="285750" indent="-285750">
+              <a:buFontTx/>
+              <a:buChar char="-"/>
+            </a:pPr>
+            <a:r>
+              <a:rPr lang="ko-KR" altLang="en-US" dirty="0"/>
+              <a:t>아래 </a:t>
+            </a:r>
+            <a:r>
+              <a:rPr lang="en-US" altLang="ko-KR" dirty="0"/>
+              <a:t>CO2 removal</a:t>
+            </a:r>
+            <a:r>
+              <a:rPr lang="ko-KR" altLang="en-US" dirty="0"/>
+              <a:t>과 같이 </a:t>
+            </a:r>
+            <a:r>
+              <a:rPr lang="en-US" altLang="ko-KR" dirty="0" err="1"/>
+              <a:t>dac</a:t>
+            </a:r>
+            <a:r>
+              <a:rPr lang="en-US" altLang="ko-KR" dirty="0"/>
+              <a:t> </a:t>
+            </a:r>
+            <a:r>
+              <a:rPr lang="ko-KR" altLang="en-US" dirty="0"/>
+              <a:t>기술 </a:t>
+            </a:r>
+            <a:r>
+              <a:rPr lang="ko-KR" altLang="en-US" dirty="0" err="1"/>
+              <a:t>들어오는거</a:t>
+            </a:r>
+            <a:r>
+              <a:rPr lang="ko-KR" altLang="en-US" dirty="0"/>
+              <a:t> 확인</a:t>
+            </a:r>
+            <a:r>
+              <a:rPr lang="en-US" altLang="ko-KR" dirty="0"/>
+              <a:t>(South Korea) - </a:t>
+            </a:r>
+          </a:p>
+        </p:txBody>
+      </p:sp>
+      <p:pic>
+        <p:nvPicPr>
+          <p:cNvPr id="3" name="그림 2">
+            <a:extLst>
+              <a:ext uri="{FF2B5EF4-FFF2-40B4-BE49-F238E27FC236}">
+                <a16:creationId xmlns:a16="http://schemas.microsoft.com/office/drawing/2014/main" id="{FDED3C39-EAAC-4A50-AEAA-DA087E2EB8D1}"/>
+              </a:ext>
+            </a:extLst>
+          </p:cNvPr>
+          <p:cNvPicPr>
+            <a:picLocks noChangeAspect="1"/>
+          </p:cNvPicPr>
+          <p:nvPr/>
+        </p:nvPicPr>
+        <p:blipFill>
+          <a:blip r:embed="rId2"/>
+          <a:stretch>
+            <a:fillRect/>
+          </a:stretch>
+        </p:blipFill>
+        <p:spPr>
+          <a:xfrm>
+            <a:off x="85725" y="1835485"/>
+            <a:ext cx="12192000" cy="5022515"/>
+          </a:xfrm>
+          <a:prstGeom prst="rect">
+            <a:avLst/>
+          </a:prstGeom>
+        </p:spPr>
+      </p:pic>
+    </p:spTree>
+    <p:extLst>
+      <p:ext uri="{BB962C8B-B14F-4D97-AF65-F5344CB8AC3E}">
+        <p14:creationId xmlns:p14="http://schemas.microsoft.com/office/powerpoint/2010/main" val="2323125799"/>
+      </p:ext>
+    </p:extLst>
+  </p:cSld>
+  <p:clrMapOvr>
+    <a:masterClrMapping/>
+  </p:clrMapOvr>
+</p:sld>
+</file>
+
+<file path=ppt/slides/slide21.xml><?xml version="1.0" encoding="utf-8"?>
+<p:sld xmlns:a="http://schemas.openxmlformats.org/drawingml/2006/main" xmlns:r="http://schemas.openxmlformats.org/officeDocument/2006/relationships" xmlns:p="http://schemas.openxmlformats.org/presentationml/2006/main">
+  <p:cSld>
+    <p:spTree>
+      <p:nvGrpSpPr>
+        <p:cNvPr id="1" name=""/>
+        <p:cNvGrpSpPr/>
+        <p:nvPr/>
+      </p:nvGrpSpPr>
+      <p:grpSpPr>
+        <a:xfrm>
+          <a:off x="0" y="0"/>
+          <a:ext cx="0" cy="0"/>
+          <a:chOff x="0" y="0"/>
+          <a:chExt cx="0" cy="0"/>
+        </a:xfrm>
+      </p:grpSpPr>
+      <p:sp>
+        <p:nvSpPr>
+          <p:cNvPr id="10" name="TextBox 9">
+            <a:extLst>
+              <a:ext uri="{FF2B5EF4-FFF2-40B4-BE49-F238E27FC236}">
+                <a16:creationId xmlns:a16="http://schemas.microsoft.com/office/drawing/2014/main" id="{1A586119-7B32-44ED-B870-3977A9F3582F}"/>
+              </a:ext>
+            </a:extLst>
+          </p:cNvPr>
+          <p:cNvSpPr txBox="1"/>
+          <p:nvPr/>
+        </p:nvSpPr>
+        <p:spPr>
+          <a:xfrm>
+            <a:off x="416169" y="201468"/>
+            <a:ext cx="11301698" cy="1323439"/>
+          </a:xfrm>
+          <a:prstGeom prst="rect">
+            <a:avLst/>
+          </a:prstGeom>
+          <a:noFill/>
+        </p:spPr>
+        <p:txBody>
+          <a:bodyPr wrap="square" rtlCol="0">
+            <a:spAutoFit/>
+          </a:bodyPr>
+          <a:lstStyle/>
+          <a:p>
+            <a:r>
+              <a:rPr lang="en-US" altLang="ko-KR" sz="4400" dirty="0"/>
+              <a:t>231018</a:t>
+            </a:r>
+            <a:endParaRPr lang="en-US" altLang="ko-KR" dirty="0"/>
+          </a:p>
+          <a:p>
+            <a:pPr marL="285750" indent="-285750">
+              <a:buFontTx/>
+              <a:buChar char="-"/>
+            </a:pPr>
+            <a:r>
+              <a:rPr lang="en-US" altLang="ko-KR" dirty="0" err="1"/>
+              <a:t>Dac</a:t>
+            </a:r>
+            <a:r>
+              <a:rPr lang="en-US" altLang="ko-KR" dirty="0"/>
+              <a:t> </a:t>
+            </a:r>
+            <a:r>
+              <a:rPr lang="ko-KR" altLang="en-US" dirty="0"/>
+              <a:t>에서 </a:t>
+            </a:r>
+            <a:r>
+              <a:rPr lang="en-US" altLang="ko-KR" dirty="0"/>
+              <a:t>2015</a:t>
+            </a:r>
+            <a:r>
+              <a:rPr lang="ko-KR" altLang="en-US" dirty="0"/>
+              <a:t>년 </a:t>
+            </a:r>
+            <a:r>
+              <a:rPr lang="en-US" altLang="ko-KR" dirty="0"/>
+              <a:t>base service = 10, no</a:t>
+            </a:r>
+            <a:r>
+              <a:rPr lang="ko-KR" altLang="en-US" dirty="0"/>
+              <a:t> </a:t>
+            </a:r>
+            <a:r>
+              <a:rPr lang="en-US" altLang="ko-KR" dirty="0" err="1"/>
+              <a:t>dac</a:t>
+            </a:r>
+            <a:r>
+              <a:rPr lang="ko-KR" altLang="en-US" dirty="0"/>
+              <a:t> </a:t>
+            </a:r>
+            <a:r>
+              <a:rPr lang="en-US" altLang="ko-KR" dirty="0"/>
+              <a:t>=</a:t>
+            </a:r>
+            <a:r>
+              <a:rPr lang="ko-KR" altLang="en-US" dirty="0"/>
+              <a:t> </a:t>
+            </a:r>
+            <a:r>
+              <a:rPr lang="en-US" altLang="ko-KR" dirty="0"/>
+              <a:t>10</a:t>
+            </a:r>
+            <a:r>
+              <a:rPr lang="ko-KR" altLang="en-US" dirty="0"/>
+              <a:t>으로 설정</a:t>
+            </a:r>
+            <a:endParaRPr lang="en-US" altLang="ko-KR" dirty="0"/>
+          </a:p>
+          <a:p>
+            <a:pPr marL="285750" indent="-285750">
+              <a:buFontTx/>
+              <a:buChar char="-"/>
+            </a:pPr>
+            <a:r>
+              <a:rPr lang="en-US" altLang="ko-KR" dirty="0"/>
+              <a:t>-&gt; </a:t>
+            </a:r>
+            <a:r>
+              <a:rPr lang="en-US" altLang="ko-KR" dirty="0">
+                <a:highlight>
+                  <a:srgbClr val="FFFF00"/>
+                </a:highlight>
+              </a:rPr>
+              <a:t>revert to South Korea   -&gt;</a:t>
+            </a:r>
+            <a:r>
+              <a:rPr lang="en-US" altLang="ko-KR" dirty="0" err="1">
+                <a:highlight>
+                  <a:srgbClr val="FFFF00"/>
+                </a:highlight>
+              </a:rPr>
+              <a:t>ahuge</a:t>
+            </a:r>
+            <a:r>
+              <a:rPr lang="en-US" altLang="ko-KR" dirty="0">
+                <a:highlight>
+                  <a:srgbClr val="FFFF00"/>
+                </a:highlight>
+              </a:rPr>
+              <a:t> amount of CO2 </a:t>
+            </a:r>
+            <a:r>
+              <a:rPr lang="en-US" altLang="ko-KR">
+                <a:highlight>
+                  <a:srgbClr val="FFFF00"/>
+                </a:highlight>
+              </a:rPr>
+              <a:t>sequestration in chemical feedstocks appears. </a:t>
+            </a:r>
+            <a:r>
+              <a:rPr lang="en-US" altLang="ko-KR" dirty="0">
+                <a:highlight>
+                  <a:srgbClr val="FFFF00"/>
+                </a:highlight>
+              </a:rPr>
+              <a:t>Why?</a:t>
+            </a:r>
+          </a:p>
+        </p:txBody>
+      </p:sp>
+      <p:pic>
+        <p:nvPicPr>
+          <p:cNvPr id="5" name="그림 4">
+            <a:extLst>
+              <a:ext uri="{FF2B5EF4-FFF2-40B4-BE49-F238E27FC236}">
+                <a16:creationId xmlns:a16="http://schemas.microsoft.com/office/drawing/2014/main" id="{610D9801-CD05-4316-9B29-1F0E21FF7024}"/>
+              </a:ext>
+            </a:extLst>
+          </p:cNvPr>
+          <p:cNvPicPr>
+            <a:picLocks noChangeAspect="1"/>
+          </p:cNvPicPr>
+          <p:nvPr/>
+        </p:nvPicPr>
+        <p:blipFill>
+          <a:blip r:embed="rId2"/>
+          <a:stretch>
+            <a:fillRect/>
+          </a:stretch>
+        </p:blipFill>
+        <p:spPr>
+          <a:xfrm>
+            <a:off x="514781" y="1752020"/>
+            <a:ext cx="10726960" cy="5007368"/>
+          </a:xfrm>
+          <a:prstGeom prst="rect">
+            <a:avLst/>
+          </a:prstGeom>
+        </p:spPr>
+      </p:pic>
+    </p:spTree>
+    <p:extLst>
+      <p:ext uri="{BB962C8B-B14F-4D97-AF65-F5344CB8AC3E}">
+        <p14:creationId xmlns:p14="http://schemas.microsoft.com/office/powerpoint/2010/main" val="1927804499"/>
+      </p:ext>
+    </p:extLst>
+  </p:cSld>
+  <p:clrMapOvr>
+    <a:masterClrMapping/>
+  </p:clrMapOvr>
+</p:sld>
+</file>
+
+<file path=ppt/slides/slide22.xml><?xml version="1.0" encoding="utf-8"?>
+<p:sld xmlns:a="http://schemas.openxmlformats.org/drawingml/2006/main" xmlns:r="http://schemas.openxmlformats.org/officeDocument/2006/relationships" xmlns:p="http://schemas.openxmlformats.org/presentationml/2006/main">
+  <p:cSld>
+    <p:spTree>
+      <p:nvGrpSpPr>
+        <p:cNvPr id="1" name=""/>
+        <p:cNvGrpSpPr/>
+        <p:nvPr/>
+      </p:nvGrpSpPr>
+      <p:grpSpPr>
+        <a:xfrm>
+          <a:off x="0" y="0"/>
+          <a:ext cx="0" cy="0"/>
+          <a:chOff x="0" y="0"/>
+          <a:chExt cx="0" cy="0"/>
+        </a:xfrm>
+      </p:grpSpPr>
+      <p:sp>
+        <p:nvSpPr>
+          <p:cNvPr id="10" name="TextBox 9">
+            <a:extLst>
+              <a:ext uri="{FF2B5EF4-FFF2-40B4-BE49-F238E27FC236}">
+                <a16:creationId xmlns:a16="http://schemas.microsoft.com/office/drawing/2014/main" id="{1A586119-7B32-44ED-B870-3977A9F3582F}"/>
+              </a:ext>
+            </a:extLst>
+          </p:cNvPr>
+          <p:cNvSpPr txBox="1"/>
+          <p:nvPr/>
+        </p:nvSpPr>
+        <p:spPr>
+          <a:xfrm>
+            <a:off x="416169" y="201468"/>
+            <a:ext cx="11301698" cy="1600438"/>
+          </a:xfrm>
+          <a:prstGeom prst="rect">
+            <a:avLst/>
+          </a:prstGeom>
+          <a:noFill/>
+        </p:spPr>
+        <p:txBody>
+          <a:bodyPr wrap="square" rtlCol="0">
+            <a:spAutoFit/>
+          </a:bodyPr>
+          <a:lstStyle/>
+          <a:p>
+            <a:r>
+              <a:rPr lang="en-US" altLang="ko-KR" sz="4400" dirty="0"/>
+              <a:t>231018</a:t>
+            </a:r>
+            <a:endParaRPr lang="en-US" altLang="ko-KR" dirty="0"/>
+          </a:p>
+          <a:p>
+            <a:pPr marL="285750" indent="-285750">
+              <a:buFontTx/>
+              <a:buChar char="-"/>
+            </a:pPr>
+            <a:r>
+              <a:rPr lang="en-US" altLang="ko-KR" dirty="0" err="1"/>
+              <a:t>Dac</a:t>
+            </a:r>
+            <a:r>
+              <a:rPr lang="en-US" altLang="ko-KR" dirty="0"/>
+              <a:t> </a:t>
+            </a:r>
+            <a:r>
+              <a:rPr lang="ko-KR" altLang="en-US" dirty="0"/>
+              <a:t>에서 </a:t>
+            </a:r>
+            <a:r>
+              <a:rPr lang="en-US" altLang="ko-KR" dirty="0"/>
+              <a:t>2015</a:t>
+            </a:r>
+            <a:r>
+              <a:rPr lang="ko-KR" altLang="en-US" dirty="0"/>
+              <a:t>년 </a:t>
+            </a:r>
+            <a:r>
+              <a:rPr lang="en-US" altLang="ko-KR" dirty="0"/>
+              <a:t>base service = 10, no</a:t>
+            </a:r>
+            <a:r>
+              <a:rPr lang="ko-KR" altLang="en-US" dirty="0"/>
+              <a:t> </a:t>
+            </a:r>
+            <a:r>
+              <a:rPr lang="en-US" altLang="ko-KR" dirty="0" err="1"/>
+              <a:t>dac</a:t>
+            </a:r>
+            <a:r>
+              <a:rPr lang="ko-KR" altLang="en-US" dirty="0"/>
+              <a:t> </a:t>
+            </a:r>
+            <a:r>
+              <a:rPr lang="en-US" altLang="ko-KR" dirty="0"/>
+              <a:t>=</a:t>
+            </a:r>
+            <a:r>
+              <a:rPr lang="ko-KR" altLang="en-US" dirty="0"/>
+              <a:t> </a:t>
+            </a:r>
+            <a:r>
+              <a:rPr lang="en-US" altLang="ko-KR" dirty="0"/>
+              <a:t>10</a:t>
+            </a:r>
+            <a:r>
+              <a:rPr lang="ko-KR" altLang="en-US" dirty="0"/>
+              <a:t>으로 설정</a:t>
+            </a:r>
+            <a:endParaRPr lang="en-US" altLang="ko-KR" dirty="0"/>
+          </a:p>
+          <a:p>
+            <a:r>
+              <a:rPr lang="en-US" altLang="ko-KR" dirty="0"/>
+              <a:t>-&gt; when we revert to South Korea’s original value from Japan’s value, CO2 removal(MTC) has been decreased. </a:t>
+            </a:r>
+            <a:r>
+              <a:rPr lang="en-US" altLang="ko-KR" dirty="0">
+                <a:highlight>
+                  <a:srgbClr val="FFFF00"/>
+                </a:highlight>
+              </a:rPr>
+              <a:t>ANYWAYS WE CAN SEE THAT DACs ARE COMING IN FOR SOUTH KOREA</a:t>
+            </a:r>
+            <a:r>
+              <a:rPr lang="en-US" altLang="ko-KR" dirty="0"/>
+              <a:t> </a:t>
+            </a:r>
+            <a:r>
+              <a:rPr lang="en-US" altLang="ko-KR" dirty="0">
+                <a:sym typeface="Wingdings" panose="05000000000000000000" pitchFamily="2" charset="2"/>
+              </a:rPr>
+              <a:t></a:t>
+            </a:r>
+            <a:endParaRPr lang="en-US" altLang="ko-KR" dirty="0">
+              <a:highlight>
+                <a:srgbClr val="FFFF00"/>
+              </a:highlight>
+            </a:endParaRPr>
+          </a:p>
+        </p:txBody>
+      </p:sp>
+      <p:pic>
+        <p:nvPicPr>
+          <p:cNvPr id="3" name="그림 2">
+            <a:extLst>
+              <a:ext uri="{FF2B5EF4-FFF2-40B4-BE49-F238E27FC236}">
+                <a16:creationId xmlns:a16="http://schemas.microsoft.com/office/drawing/2014/main" id="{D919C9DD-37F7-45C6-8283-AAF84EB9F40B}"/>
+              </a:ext>
+            </a:extLst>
+          </p:cNvPr>
+          <p:cNvPicPr>
+            <a:picLocks noChangeAspect="1"/>
+          </p:cNvPicPr>
+          <p:nvPr/>
+        </p:nvPicPr>
+        <p:blipFill>
+          <a:blip r:embed="rId2"/>
+          <a:stretch>
+            <a:fillRect/>
+          </a:stretch>
+        </p:blipFill>
+        <p:spPr>
+          <a:xfrm>
+            <a:off x="1592074" y="1925359"/>
+            <a:ext cx="8789055" cy="4668419"/>
+          </a:xfrm>
+          <a:prstGeom prst="rect">
+            <a:avLst/>
+          </a:prstGeom>
+        </p:spPr>
+      </p:pic>
+    </p:spTree>
+    <p:extLst>
+      <p:ext uri="{BB962C8B-B14F-4D97-AF65-F5344CB8AC3E}">
+        <p14:creationId xmlns:p14="http://schemas.microsoft.com/office/powerpoint/2010/main" val="2193152722"/>
       </p:ext>
     </p:extLst>
   </p:cSld>
@@ -3761,7 +6554,31 @@
             </a:r>
             <a:r>
               <a:rPr lang="en-US" altLang="ko-KR" dirty="0"/>
-              <a:t> scenario, negative emission in iron and steel &amp; refining sector decreases due to increased cost</a:t>
+              <a:t> scenario, negative emission in </a:t>
+            </a:r>
+            <a:r>
+              <a:rPr lang="en-US" altLang="ko-KR" dirty="0">
+                <a:solidFill>
+                  <a:srgbClr val="FF0000"/>
+                </a:solidFill>
+              </a:rPr>
+              <a:t>iron </a:t>
+            </a:r>
+            <a:r>
+              <a:rPr lang="en-US" altLang="ko-KR" dirty="0"/>
+              <a:t>and </a:t>
+            </a:r>
+            <a:r>
+              <a:rPr lang="en-US" altLang="ko-KR" dirty="0">
+                <a:solidFill>
+                  <a:srgbClr val="FF0000"/>
+                </a:solidFill>
+              </a:rPr>
+              <a:t>steel &amp; refining </a:t>
+            </a:r>
+            <a:r>
+              <a:rPr lang="en-US" altLang="ko-KR" dirty="0"/>
+              <a:t>sector decreases due to increased cost.</a:t>
             </a:r>
           </a:p>
         </p:txBody>
@@ -3843,7 +6660,7 @@
         </p:blipFill>
         <p:spPr>
           <a:xfrm>
-            <a:off x="2330823" y="2275864"/>
+            <a:off x="2510117" y="2078905"/>
             <a:ext cx="8066289" cy="4380668"/>
           </a:xfrm>
           <a:prstGeom prst="rect">
@@ -3855,6 +6672,1211 @@
     <p:extLst>
       <p:ext uri="{BB962C8B-B14F-4D97-AF65-F5344CB8AC3E}">
         <p14:creationId xmlns:p14="http://schemas.microsoft.com/office/powerpoint/2010/main" val="3104361845"/>
+      </p:ext>
+    </p:extLst>
+  </p:cSld>
+  <p:clrMapOvr>
+    <a:masterClrMapping/>
+  </p:clrMapOvr>
+</p:sld>
+</file>
+
+<file path=ppt/slides/slide4.xml><?xml version="1.0" encoding="utf-8"?>
+<p:sld xmlns:a="http://schemas.openxmlformats.org/drawingml/2006/main" xmlns:r="http://schemas.openxmlformats.org/officeDocument/2006/relationships" xmlns:p="http://schemas.openxmlformats.org/presentationml/2006/main">
+  <p:cSld>
+    <p:spTree>
+      <p:nvGrpSpPr>
+        <p:cNvPr id="1" name=""/>
+        <p:cNvGrpSpPr/>
+        <p:nvPr/>
+      </p:nvGrpSpPr>
+      <p:grpSpPr>
+        <a:xfrm>
+          <a:off x="0" y="0"/>
+          <a:ext cx="0" cy="0"/>
+          <a:chOff x="0" y="0"/>
+          <a:chExt cx="0" cy="0"/>
+        </a:xfrm>
+      </p:grpSpPr>
+      <p:sp>
+        <p:nvSpPr>
+          <p:cNvPr id="10" name="TextBox 9">
+            <a:extLst>
+              <a:ext uri="{FF2B5EF4-FFF2-40B4-BE49-F238E27FC236}">
+                <a16:creationId xmlns:a16="http://schemas.microsoft.com/office/drawing/2014/main" id="{1A586119-7B32-44ED-B870-3977A9F3582F}"/>
+              </a:ext>
+            </a:extLst>
+          </p:cNvPr>
+          <p:cNvSpPr txBox="1"/>
+          <p:nvPr/>
+        </p:nvSpPr>
+        <p:spPr>
+          <a:xfrm>
+            <a:off x="416169" y="201468"/>
+            <a:ext cx="10673172" cy="1323439"/>
+          </a:xfrm>
+          <a:prstGeom prst="rect">
+            <a:avLst/>
+          </a:prstGeom>
+          <a:noFill/>
+        </p:spPr>
+        <p:txBody>
+          <a:bodyPr wrap="square" rtlCol="0">
+            <a:spAutoFit/>
+          </a:bodyPr>
+          <a:lstStyle/>
+          <a:p>
+            <a:r>
+              <a:rPr lang="en-US" altLang="ko-KR" sz="4400" dirty="0"/>
+              <a:t>Fail story</a:t>
+            </a:r>
+          </a:p>
+          <a:p>
+            <a:pPr marL="285750" indent="-285750">
+              <a:buFontTx/>
+              <a:buChar char="-"/>
+            </a:pPr>
+            <a:endParaRPr lang="en-US" altLang="ko-KR" dirty="0"/>
+          </a:p>
+          <a:p>
+            <a:pPr marL="285750" indent="-285750">
+              <a:buFontTx/>
+              <a:buChar char="-"/>
+            </a:pPr>
+            <a:r>
+              <a:rPr lang="en-US" altLang="ko-KR" dirty="0"/>
+              <a:t>With original scenario for South Korea(blue ones), applied two different </a:t>
+            </a:r>
+            <a:r>
+              <a:rPr lang="en-US" altLang="ko-KR" dirty="0" err="1"/>
+              <a:t>cstorage</a:t>
+            </a:r>
+            <a:r>
+              <a:rPr lang="en-US" altLang="ko-KR" dirty="0"/>
+              <a:t> scenarios.</a:t>
+            </a:r>
+          </a:p>
+        </p:txBody>
+      </p:sp>
+      <p:pic>
+        <p:nvPicPr>
+          <p:cNvPr id="7" name="그림 6">
+            <a:extLst>
+              <a:ext uri="{FF2B5EF4-FFF2-40B4-BE49-F238E27FC236}">
+                <a16:creationId xmlns:a16="http://schemas.microsoft.com/office/drawing/2014/main" id="{460E3D70-440C-4F9E-B78B-6A49010DD420}"/>
+              </a:ext>
+            </a:extLst>
+          </p:cNvPr>
+          <p:cNvPicPr>
+            <a:picLocks noChangeAspect="1"/>
+          </p:cNvPicPr>
+          <p:nvPr/>
+        </p:nvPicPr>
+        <p:blipFill>
+          <a:blip r:embed="rId2"/>
+          <a:stretch>
+            <a:fillRect/>
+          </a:stretch>
+        </p:blipFill>
+        <p:spPr>
+          <a:xfrm>
+            <a:off x="648446" y="1725438"/>
+            <a:ext cx="7391780" cy="2019404"/>
+          </a:xfrm>
+          <a:prstGeom prst="rect">
+            <a:avLst/>
+          </a:prstGeom>
+        </p:spPr>
+      </p:pic>
+      <p:pic>
+        <p:nvPicPr>
+          <p:cNvPr id="9" name="그림 8">
+            <a:extLst>
+              <a:ext uri="{FF2B5EF4-FFF2-40B4-BE49-F238E27FC236}">
+                <a16:creationId xmlns:a16="http://schemas.microsoft.com/office/drawing/2014/main" id="{17620F4A-9A59-4E5D-B6C3-5B75AD10621E}"/>
+              </a:ext>
+            </a:extLst>
+          </p:cNvPr>
+          <p:cNvPicPr>
+            <a:picLocks noChangeAspect="1"/>
+          </p:cNvPicPr>
+          <p:nvPr/>
+        </p:nvPicPr>
+        <p:blipFill>
+          <a:blip r:embed="rId3"/>
+          <a:stretch>
+            <a:fillRect/>
+          </a:stretch>
+        </p:blipFill>
+        <p:spPr>
+          <a:xfrm>
+            <a:off x="687851" y="4339698"/>
+            <a:ext cx="7474334" cy="2216264"/>
+          </a:xfrm>
+          <a:prstGeom prst="rect">
+            <a:avLst/>
+          </a:prstGeom>
+        </p:spPr>
+      </p:pic>
+      <p:sp>
+        <p:nvSpPr>
+          <p:cNvPr id="2" name="직사각형 1">
+            <a:extLst>
+              <a:ext uri="{FF2B5EF4-FFF2-40B4-BE49-F238E27FC236}">
+                <a16:creationId xmlns:a16="http://schemas.microsoft.com/office/drawing/2014/main" id="{0E3A40C8-B4FE-4630-8422-69095427F253}"/>
+              </a:ext>
+            </a:extLst>
+          </p:cNvPr>
+          <p:cNvSpPr/>
+          <p:nvPr/>
+        </p:nvSpPr>
+        <p:spPr>
+          <a:xfrm>
+            <a:off x="457446" y="3080281"/>
+            <a:ext cx="4828184" cy="664561"/>
+          </a:xfrm>
+          <a:prstGeom prst="rect">
+            <a:avLst/>
+          </a:prstGeom>
+          <a:noFill/>
+          <a:ln>
+            <a:solidFill>
+              <a:srgbClr val="FF0000"/>
+            </a:solidFill>
+            <a:prstDash val="sysDash"/>
+          </a:ln>
+        </p:spPr>
+        <p:style>
+          <a:lnRef idx="2">
+            <a:schemeClr val="accent1">
+              <a:shade val="50000"/>
+            </a:schemeClr>
+          </a:lnRef>
+          <a:fillRef idx="1">
+            <a:schemeClr val="accent1"/>
+          </a:fillRef>
+          <a:effectRef idx="0">
+            <a:schemeClr val="accent1"/>
+          </a:effectRef>
+          <a:fontRef idx="minor">
+            <a:schemeClr val="lt1"/>
+          </a:fontRef>
+        </p:style>
+        <p:txBody>
+          <a:bodyPr rtlCol="0" anchor="ctr"/>
+          <a:lstStyle/>
+          <a:p>
+            <a:pPr algn="ctr"/>
+            <a:endParaRPr lang="ko-KR" altLang="en-US"/>
+          </a:p>
+        </p:txBody>
+      </p:sp>
+      <p:sp>
+        <p:nvSpPr>
+          <p:cNvPr id="8" name="직사각형 7">
+            <a:extLst>
+              <a:ext uri="{FF2B5EF4-FFF2-40B4-BE49-F238E27FC236}">
+                <a16:creationId xmlns:a16="http://schemas.microsoft.com/office/drawing/2014/main" id="{F825F258-84E5-430D-9A71-1CA612ED0AEA}"/>
+              </a:ext>
+            </a:extLst>
+          </p:cNvPr>
+          <p:cNvSpPr/>
+          <p:nvPr/>
+        </p:nvSpPr>
+        <p:spPr>
+          <a:xfrm>
+            <a:off x="457446" y="5766077"/>
+            <a:ext cx="4828184" cy="664561"/>
+          </a:xfrm>
+          <a:prstGeom prst="rect">
+            <a:avLst/>
+          </a:prstGeom>
+          <a:noFill/>
+          <a:ln>
+            <a:solidFill>
+              <a:srgbClr val="FF0000"/>
+            </a:solidFill>
+            <a:prstDash val="sysDash"/>
+          </a:ln>
+        </p:spPr>
+        <p:style>
+          <a:lnRef idx="2">
+            <a:schemeClr val="accent1">
+              <a:shade val="50000"/>
+            </a:schemeClr>
+          </a:lnRef>
+          <a:fillRef idx="1">
+            <a:schemeClr val="accent1"/>
+          </a:fillRef>
+          <a:effectRef idx="0">
+            <a:schemeClr val="accent1"/>
+          </a:effectRef>
+          <a:fontRef idx="minor">
+            <a:schemeClr val="lt1"/>
+          </a:fontRef>
+        </p:style>
+        <p:txBody>
+          <a:bodyPr rtlCol="0" anchor="ctr"/>
+          <a:lstStyle/>
+          <a:p>
+            <a:pPr algn="ctr"/>
+            <a:endParaRPr lang="ko-KR" altLang="en-US"/>
+          </a:p>
+        </p:txBody>
+      </p:sp>
+      <p:sp>
+        <p:nvSpPr>
+          <p:cNvPr id="3" name="TextBox 2">
+            <a:extLst>
+              <a:ext uri="{FF2B5EF4-FFF2-40B4-BE49-F238E27FC236}">
+                <a16:creationId xmlns:a16="http://schemas.microsoft.com/office/drawing/2014/main" id="{ADFC7C34-1837-4439-8A6B-87910ACAC91E}"/>
+              </a:ext>
+            </a:extLst>
+          </p:cNvPr>
+          <p:cNvSpPr txBox="1"/>
+          <p:nvPr/>
+        </p:nvSpPr>
+        <p:spPr>
+          <a:xfrm>
+            <a:off x="6475359" y="3520680"/>
+            <a:ext cx="3511733" cy="369332"/>
+          </a:xfrm>
+          <a:prstGeom prst="rect">
+            <a:avLst/>
+          </a:prstGeom>
+          <a:noFill/>
+        </p:spPr>
+        <p:txBody>
+          <a:bodyPr wrap="square" rtlCol="0">
+            <a:spAutoFit/>
+          </a:bodyPr>
+          <a:lstStyle/>
+          <a:p>
+            <a:r>
+              <a:rPr lang="en-US" altLang="ko-KR" dirty="0"/>
+              <a:t>dac_ssp2_cstorage scenario</a:t>
+            </a:r>
+            <a:endParaRPr lang="ko-KR" altLang="en-US" dirty="0"/>
+          </a:p>
+        </p:txBody>
+      </p:sp>
+      <p:sp>
+        <p:nvSpPr>
+          <p:cNvPr id="11" name="TextBox 10">
+            <a:extLst>
+              <a:ext uri="{FF2B5EF4-FFF2-40B4-BE49-F238E27FC236}">
+                <a16:creationId xmlns:a16="http://schemas.microsoft.com/office/drawing/2014/main" id="{12DC8C6E-897E-44A5-8368-AE4993F06EC6}"/>
+              </a:ext>
+            </a:extLst>
+          </p:cNvPr>
+          <p:cNvSpPr txBox="1"/>
+          <p:nvPr/>
+        </p:nvSpPr>
+        <p:spPr>
+          <a:xfrm>
+            <a:off x="6026960" y="5991958"/>
+            <a:ext cx="3511733" cy="369332"/>
+          </a:xfrm>
+          <a:prstGeom prst="rect">
+            <a:avLst/>
+          </a:prstGeom>
+          <a:noFill/>
+        </p:spPr>
+        <p:txBody>
+          <a:bodyPr wrap="square" rtlCol="0">
+            <a:spAutoFit/>
+          </a:bodyPr>
+          <a:lstStyle/>
+          <a:p>
+            <a:r>
+              <a:rPr lang="en-US" altLang="ko-KR" dirty="0"/>
+              <a:t>dac_ssp2_cstorage_x2 scenario</a:t>
+            </a:r>
+            <a:endParaRPr lang="ko-KR" altLang="en-US" dirty="0"/>
+          </a:p>
+        </p:txBody>
+      </p:sp>
+      <p:sp>
+        <p:nvSpPr>
+          <p:cNvPr id="12" name="직사각형 11">
+            <a:extLst>
+              <a:ext uri="{FF2B5EF4-FFF2-40B4-BE49-F238E27FC236}">
+                <a16:creationId xmlns:a16="http://schemas.microsoft.com/office/drawing/2014/main" id="{50C8B019-07BC-48A1-85C2-FAF08D81296E}"/>
+              </a:ext>
+            </a:extLst>
+          </p:cNvPr>
+          <p:cNvSpPr/>
+          <p:nvPr/>
+        </p:nvSpPr>
+        <p:spPr>
+          <a:xfrm>
+            <a:off x="457446" y="1951635"/>
+            <a:ext cx="7472772" cy="955694"/>
+          </a:xfrm>
+          <a:prstGeom prst="rect">
+            <a:avLst/>
+          </a:prstGeom>
+          <a:noFill/>
+          <a:ln>
+            <a:solidFill>
+              <a:srgbClr val="0070C0"/>
+            </a:solidFill>
+            <a:prstDash val="sysDash"/>
+          </a:ln>
+        </p:spPr>
+        <p:style>
+          <a:lnRef idx="2">
+            <a:schemeClr val="accent1">
+              <a:shade val="50000"/>
+            </a:schemeClr>
+          </a:lnRef>
+          <a:fillRef idx="1">
+            <a:schemeClr val="accent1"/>
+          </a:fillRef>
+          <a:effectRef idx="0">
+            <a:schemeClr val="accent1"/>
+          </a:effectRef>
+          <a:fontRef idx="minor">
+            <a:schemeClr val="lt1"/>
+          </a:fontRef>
+        </p:style>
+        <p:txBody>
+          <a:bodyPr rtlCol="0" anchor="ctr"/>
+          <a:lstStyle/>
+          <a:p>
+            <a:pPr algn="ctr"/>
+            <a:endParaRPr lang="ko-KR" altLang="en-US"/>
+          </a:p>
+        </p:txBody>
+      </p:sp>
+      <p:sp>
+        <p:nvSpPr>
+          <p:cNvPr id="13" name="직사각형 12">
+            <a:extLst>
+              <a:ext uri="{FF2B5EF4-FFF2-40B4-BE49-F238E27FC236}">
+                <a16:creationId xmlns:a16="http://schemas.microsoft.com/office/drawing/2014/main" id="{A532000D-8B80-49C7-A921-0F7963A0ABDC}"/>
+              </a:ext>
+            </a:extLst>
+          </p:cNvPr>
+          <p:cNvSpPr/>
+          <p:nvPr/>
+        </p:nvSpPr>
+        <p:spPr>
+          <a:xfrm>
+            <a:off x="457446" y="4684912"/>
+            <a:ext cx="7472772" cy="1040589"/>
+          </a:xfrm>
+          <a:prstGeom prst="rect">
+            <a:avLst/>
+          </a:prstGeom>
+          <a:noFill/>
+          <a:ln>
+            <a:solidFill>
+              <a:srgbClr val="0070C0"/>
+            </a:solidFill>
+            <a:prstDash val="sysDash"/>
+          </a:ln>
+        </p:spPr>
+        <p:style>
+          <a:lnRef idx="2">
+            <a:schemeClr val="accent1">
+              <a:shade val="50000"/>
+            </a:schemeClr>
+          </a:lnRef>
+          <a:fillRef idx="1">
+            <a:schemeClr val="accent1"/>
+          </a:fillRef>
+          <a:effectRef idx="0">
+            <a:schemeClr val="accent1"/>
+          </a:effectRef>
+          <a:fontRef idx="minor">
+            <a:schemeClr val="lt1"/>
+          </a:fontRef>
+        </p:style>
+        <p:txBody>
+          <a:bodyPr rtlCol="0" anchor="ctr"/>
+          <a:lstStyle/>
+          <a:p>
+            <a:pPr algn="ctr"/>
+            <a:endParaRPr lang="ko-KR" altLang="en-US"/>
+          </a:p>
+        </p:txBody>
+      </p:sp>
+      <p:sp>
+        <p:nvSpPr>
+          <p:cNvPr id="14" name="직사각형 13">
+            <a:extLst>
+              <a:ext uri="{FF2B5EF4-FFF2-40B4-BE49-F238E27FC236}">
+                <a16:creationId xmlns:a16="http://schemas.microsoft.com/office/drawing/2014/main" id="{ADB2E6E0-1EE1-4A9E-833E-E11E9B0CCB08}"/>
+              </a:ext>
+            </a:extLst>
+          </p:cNvPr>
+          <p:cNvSpPr/>
+          <p:nvPr/>
+        </p:nvSpPr>
+        <p:spPr>
+          <a:xfrm>
+            <a:off x="331693" y="1685190"/>
+            <a:ext cx="9081247" cy="2216264"/>
+          </a:xfrm>
+          <a:prstGeom prst="rect">
+            <a:avLst/>
+          </a:prstGeom>
+          <a:noFill/>
+          <a:ln>
+            <a:solidFill>
+              <a:schemeClr val="tx1"/>
+            </a:solidFill>
+            <a:prstDash val="sysDash"/>
+          </a:ln>
+        </p:spPr>
+        <p:style>
+          <a:lnRef idx="2">
+            <a:schemeClr val="accent1">
+              <a:shade val="50000"/>
+            </a:schemeClr>
+          </a:lnRef>
+          <a:fillRef idx="1">
+            <a:schemeClr val="accent1"/>
+          </a:fillRef>
+          <a:effectRef idx="0">
+            <a:schemeClr val="accent1"/>
+          </a:effectRef>
+          <a:fontRef idx="minor">
+            <a:schemeClr val="lt1"/>
+          </a:fontRef>
+        </p:style>
+        <p:txBody>
+          <a:bodyPr rtlCol="0" anchor="ctr"/>
+          <a:lstStyle/>
+          <a:p>
+            <a:pPr algn="ctr"/>
+            <a:endParaRPr lang="ko-KR" altLang="en-US"/>
+          </a:p>
+        </p:txBody>
+      </p:sp>
+      <p:sp>
+        <p:nvSpPr>
+          <p:cNvPr id="15" name="직사각형 14">
+            <a:extLst>
+              <a:ext uri="{FF2B5EF4-FFF2-40B4-BE49-F238E27FC236}">
+                <a16:creationId xmlns:a16="http://schemas.microsoft.com/office/drawing/2014/main" id="{0B2B37DA-ECC9-4FB6-91B1-B48A0CA25500}"/>
+              </a:ext>
+            </a:extLst>
+          </p:cNvPr>
+          <p:cNvSpPr/>
+          <p:nvPr/>
+        </p:nvSpPr>
+        <p:spPr>
+          <a:xfrm>
+            <a:off x="259975" y="4214374"/>
+            <a:ext cx="9081247" cy="2216264"/>
+          </a:xfrm>
+          <a:prstGeom prst="rect">
+            <a:avLst/>
+          </a:prstGeom>
+          <a:noFill/>
+          <a:ln>
+            <a:solidFill>
+              <a:schemeClr val="tx1"/>
+            </a:solidFill>
+            <a:prstDash val="sysDash"/>
+          </a:ln>
+        </p:spPr>
+        <p:style>
+          <a:lnRef idx="2">
+            <a:schemeClr val="accent1">
+              <a:shade val="50000"/>
+            </a:schemeClr>
+          </a:lnRef>
+          <a:fillRef idx="1">
+            <a:schemeClr val="accent1"/>
+          </a:fillRef>
+          <a:effectRef idx="0">
+            <a:schemeClr val="accent1"/>
+          </a:effectRef>
+          <a:fontRef idx="minor">
+            <a:schemeClr val="lt1"/>
+          </a:fontRef>
+        </p:style>
+        <p:txBody>
+          <a:bodyPr rtlCol="0" anchor="ctr"/>
+          <a:lstStyle/>
+          <a:p>
+            <a:pPr algn="ctr"/>
+            <a:endParaRPr lang="ko-KR" altLang="en-US"/>
+          </a:p>
+        </p:txBody>
+      </p:sp>
+    </p:spTree>
+    <p:extLst>
+      <p:ext uri="{BB962C8B-B14F-4D97-AF65-F5344CB8AC3E}">
+        <p14:creationId xmlns:p14="http://schemas.microsoft.com/office/powerpoint/2010/main" val="1931224066"/>
+      </p:ext>
+    </p:extLst>
+  </p:cSld>
+  <p:clrMapOvr>
+    <a:masterClrMapping/>
+  </p:clrMapOvr>
+</p:sld>
+</file>
+
+<file path=ppt/slides/slide5.xml><?xml version="1.0" encoding="utf-8"?>
+<p:sld xmlns:a="http://schemas.openxmlformats.org/drawingml/2006/main" xmlns:r="http://schemas.openxmlformats.org/officeDocument/2006/relationships" xmlns:p="http://schemas.openxmlformats.org/presentationml/2006/main">
+  <p:cSld>
+    <p:spTree>
+      <p:nvGrpSpPr>
+        <p:cNvPr id="1" name=""/>
+        <p:cNvGrpSpPr/>
+        <p:nvPr/>
+      </p:nvGrpSpPr>
+      <p:grpSpPr>
+        <a:xfrm>
+          <a:off x="0" y="0"/>
+          <a:ext cx="0" cy="0"/>
+          <a:chOff x="0" y="0"/>
+          <a:chExt cx="0" cy="0"/>
+        </a:xfrm>
+      </p:grpSpPr>
+      <p:sp>
+        <p:nvSpPr>
+          <p:cNvPr id="10" name="TextBox 9">
+            <a:extLst>
+              <a:ext uri="{FF2B5EF4-FFF2-40B4-BE49-F238E27FC236}">
+                <a16:creationId xmlns:a16="http://schemas.microsoft.com/office/drawing/2014/main" id="{1A586119-7B32-44ED-B870-3977A9F3582F}"/>
+              </a:ext>
+            </a:extLst>
+          </p:cNvPr>
+          <p:cNvSpPr txBox="1"/>
+          <p:nvPr/>
+        </p:nvSpPr>
+        <p:spPr>
+          <a:xfrm>
+            <a:off x="416169" y="201468"/>
+            <a:ext cx="10673172" cy="1600438"/>
+          </a:xfrm>
+          <a:prstGeom prst="rect">
+            <a:avLst/>
+          </a:prstGeom>
+          <a:noFill/>
+        </p:spPr>
+        <p:txBody>
+          <a:bodyPr wrap="square" rtlCol="0">
+            <a:spAutoFit/>
+          </a:bodyPr>
+          <a:lstStyle/>
+          <a:p>
+            <a:r>
+              <a:rPr lang="en-US" altLang="ko-KR" sz="4400" dirty="0"/>
+              <a:t>Fail story</a:t>
+            </a:r>
+          </a:p>
+          <a:p>
+            <a:pPr marL="285750" indent="-285750">
+              <a:buFontTx/>
+              <a:buChar char="-"/>
+            </a:pPr>
+            <a:endParaRPr lang="en-US" altLang="ko-KR" dirty="0"/>
+          </a:p>
+          <a:p>
+            <a:pPr marL="285750" indent="-285750">
+              <a:buFontTx/>
+              <a:buChar char="-"/>
+            </a:pPr>
+            <a:r>
+              <a:rPr lang="en-US" altLang="ko-KR" dirty="0"/>
+              <a:t>South Korea’s CO2 sequestration from two scenarios are the same -&gt; seems that cstorage_x2 doesn’t work. Or neither </a:t>
+            </a:r>
+            <a:r>
+              <a:rPr lang="en-US" altLang="ko-KR" dirty="0" err="1"/>
+              <a:t>cstorge</a:t>
+            </a:r>
+            <a:r>
+              <a:rPr lang="en-US" altLang="ko-KR" dirty="0"/>
+              <a:t> or cstorage_x2 doesn’t work?</a:t>
+            </a:r>
+          </a:p>
+        </p:txBody>
+      </p:sp>
+      <p:pic>
+        <p:nvPicPr>
+          <p:cNvPr id="3" name="그림 2">
+            <a:extLst>
+              <a:ext uri="{FF2B5EF4-FFF2-40B4-BE49-F238E27FC236}">
+                <a16:creationId xmlns:a16="http://schemas.microsoft.com/office/drawing/2014/main" id="{F49458E6-441D-4288-BD68-2AF22E1815CA}"/>
+              </a:ext>
+            </a:extLst>
+          </p:cNvPr>
+          <p:cNvPicPr>
+            <a:picLocks noChangeAspect="1"/>
+          </p:cNvPicPr>
+          <p:nvPr/>
+        </p:nvPicPr>
+        <p:blipFill rotWithShape="1">
+          <a:blip r:embed="rId2"/>
+          <a:srcRect b="1400"/>
+          <a:stretch/>
+        </p:blipFill>
+        <p:spPr>
+          <a:xfrm>
+            <a:off x="1479589" y="1958677"/>
+            <a:ext cx="8847754" cy="4697855"/>
+          </a:xfrm>
+          <a:prstGeom prst="rect">
+            <a:avLst/>
+          </a:prstGeom>
+        </p:spPr>
+      </p:pic>
+    </p:spTree>
+    <p:extLst>
+      <p:ext uri="{BB962C8B-B14F-4D97-AF65-F5344CB8AC3E}">
+        <p14:creationId xmlns:p14="http://schemas.microsoft.com/office/powerpoint/2010/main" val="3562776814"/>
+      </p:ext>
+    </p:extLst>
+  </p:cSld>
+  <p:clrMapOvr>
+    <a:masterClrMapping/>
+  </p:clrMapOvr>
+</p:sld>
+</file>
+
+<file path=ppt/slides/slide6.xml><?xml version="1.0" encoding="utf-8"?>
+<p:sld xmlns:a="http://schemas.openxmlformats.org/drawingml/2006/main" xmlns:r="http://schemas.openxmlformats.org/officeDocument/2006/relationships" xmlns:p="http://schemas.openxmlformats.org/presentationml/2006/main">
+  <p:cSld>
+    <p:spTree>
+      <p:nvGrpSpPr>
+        <p:cNvPr id="1" name=""/>
+        <p:cNvGrpSpPr/>
+        <p:nvPr/>
+      </p:nvGrpSpPr>
+      <p:grpSpPr>
+        <a:xfrm>
+          <a:off x="0" y="0"/>
+          <a:ext cx="0" cy="0"/>
+          <a:chOff x="0" y="0"/>
+          <a:chExt cx="0" cy="0"/>
+        </a:xfrm>
+      </p:grpSpPr>
+      <p:sp>
+        <p:nvSpPr>
+          <p:cNvPr id="10" name="TextBox 9">
+            <a:extLst>
+              <a:ext uri="{FF2B5EF4-FFF2-40B4-BE49-F238E27FC236}">
+                <a16:creationId xmlns:a16="http://schemas.microsoft.com/office/drawing/2014/main" id="{1A586119-7B32-44ED-B870-3977A9F3582F}"/>
+              </a:ext>
+            </a:extLst>
+          </p:cNvPr>
+          <p:cNvSpPr txBox="1"/>
+          <p:nvPr/>
+        </p:nvSpPr>
+        <p:spPr>
+          <a:xfrm>
+            <a:off x="416169" y="201468"/>
+            <a:ext cx="10673172" cy="1877437"/>
+          </a:xfrm>
+          <a:prstGeom prst="rect">
+            <a:avLst/>
+          </a:prstGeom>
+          <a:noFill/>
+        </p:spPr>
+        <p:txBody>
+          <a:bodyPr wrap="square" rtlCol="0">
+            <a:spAutoFit/>
+          </a:bodyPr>
+          <a:lstStyle/>
+          <a:p>
+            <a:r>
+              <a:rPr lang="en-US" altLang="ko-KR" sz="4400" dirty="0"/>
+              <a:t>Issues</a:t>
+            </a:r>
+          </a:p>
+          <a:p>
+            <a:pPr marL="285750" indent="-285750">
+              <a:buFontTx/>
+              <a:buChar char="-"/>
+            </a:pPr>
+            <a:endParaRPr lang="en-US" altLang="ko-KR" dirty="0"/>
+          </a:p>
+          <a:p>
+            <a:pPr marL="285750" indent="-285750">
+              <a:buFontTx/>
+              <a:buChar char="-"/>
+            </a:pPr>
+            <a:r>
+              <a:rPr lang="en-US" altLang="ko-KR" dirty="0"/>
+              <a:t>From the last meeting, we found that </a:t>
+            </a:r>
+            <a:r>
+              <a:rPr lang="en-US" altLang="ko-KR" dirty="0">
+                <a:highlight>
+                  <a:srgbClr val="FFFF00"/>
+                </a:highlight>
+              </a:rPr>
+              <a:t>carbon-storage price </a:t>
+            </a:r>
+            <a:r>
+              <a:rPr lang="en-US" altLang="ko-KR" dirty="0"/>
+              <a:t>for South Korea is set to be extremely high. That is the reason why </a:t>
+            </a:r>
+            <a:r>
+              <a:rPr lang="en-US" altLang="ko-KR" dirty="0" err="1"/>
+              <a:t>cstorage</a:t>
+            </a:r>
+            <a:r>
+              <a:rPr lang="en-US" altLang="ko-KR" dirty="0"/>
+              <a:t> file doesn’t work in the result. -&gt; What to do with this extreme cost setting? Should we need to modify the cost?</a:t>
+            </a:r>
+          </a:p>
+        </p:txBody>
+      </p:sp>
+      <p:pic>
+        <p:nvPicPr>
+          <p:cNvPr id="4" name="그림 3">
+            <a:extLst>
+              <a:ext uri="{FF2B5EF4-FFF2-40B4-BE49-F238E27FC236}">
+                <a16:creationId xmlns:a16="http://schemas.microsoft.com/office/drawing/2014/main" id="{956CFF8C-31B5-4D9A-BB9C-79C03B74497A}"/>
+              </a:ext>
+            </a:extLst>
+          </p:cNvPr>
+          <p:cNvPicPr>
+            <a:picLocks noChangeAspect="1"/>
+          </p:cNvPicPr>
+          <p:nvPr/>
+        </p:nvPicPr>
+        <p:blipFill>
+          <a:blip r:embed="rId2"/>
+          <a:stretch>
+            <a:fillRect/>
+          </a:stretch>
+        </p:blipFill>
+        <p:spPr>
+          <a:xfrm>
+            <a:off x="317557" y="2168312"/>
+            <a:ext cx="10771784" cy="2326114"/>
+          </a:xfrm>
+          <a:prstGeom prst="rect">
+            <a:avLst/>
+          </a:prstGeom>
+        </p:spPr>
+      </p:pic>
+      <p:pic>
+        <p:nvPicPr>
+          <p:cNvPr id="6" name="그림 5">
+            <a:extLst>
+              <a:ext uri="{FF2B5EF4-FFF2-40B4-BE49-F238E27FC236}">
+                <a16:creationId xmlns:a16="http://schemas.microsoft.com/office/drawing/2014/main" id="{A6ADDC20-C28A-4BD4-B8A5-154AE53907A4}"/>
+              </a:ext>
+            </a:extLst>
+          </p:cNvPr>
+          <p:cNvPicPr>
+            <a:picLocks noChangeAspect="1"/>
+          </p:cNvPicPr>
+          <p:nvPr/>
+        </p:nvPicPr>
+        <p:blipFill>
+          <a:blip r:embed="rId3"/>
+          <a:stretch>
+            <a:fillRect/>
+          </a:stretch>
+        </p:blipFill>
+        <p:spPr>
+          <a:xfrm>
+            <a:off x="317557" y="3189191"/>
+            <a:ext cx="11437937" cy="3179809"/>
+          </a:xfrm>
+          <a:prstGeom prst="rect">
+            <a:avLst/>
+          </a:prstGeom>
+        </p:spPr>
+      </p:pic>
+    </p:spTree>
+    <p:extLst>
+      <p:ext uri="{BB962C8B-B14F-4D97-AF65-F5344CB8AC3E}">
+        <p14:creationId xmlns:p14="http://schemas.microsoft.com/office/powerpoint/2010/main" val="2246003925"/>
+      </p:ext>
+    </p:extLst>
+  </p:cSld>
+  <p:clrMapOvr>
+    <a:masterClrMapping/>
+  </p:clrMapOvr>
+</p:sld>
+</file>
+
+<file path=ppt/slides/slide7.xml><?xml version="1.0" encoding="utf-8"?>
+<p:sld xmlns:a="http://schemas.openxmlformats.org/drawingml/2006/main" xmlns:r="http://schemas.openxmlformats.org/officeDocument/2006/relationships" xmlns:p="http://schemas.openxmlformats.org/presentationml/2006/main">
+  <p:cSld>
+    <p:spTree>
+      <p:nvGrpSpPr>
+        <p:cNvPr id="1" name=""/>
+        <p:cNvGrpSpPr/>
+        <p:nvPr/>
+      </p:nvGrpSpPr>
+      <p:grpSpPr>
+        <a:xfrm>
+          <a:off x="0" y="0"/>
+          <a:ext cx="0" cy="0"/>
+          <a:chOff x="0" y="0"/>
+          <a:chExt cx="0" cy="0"/>
+        </a:xfrm>
+      </p:grpSpPr>
+      <p:sp>
+        <p:nvSpPr>
+          <p:cNvPr id="10" name="TextBox 9">
+            <a:extLst>
+              <a:ext uri="{FF2B5EF4-FFF2-40B4-BE49-F238E27FC236}">
+                <a16:creationId xmlns:a16="http://schemas.microsoft.com/office/drawing/2014/main" id="{1A586119-7B32-44ED-B870-3977A9F3582F}"/>
+              </a:ext>
+            </a:extLst>
+          </p:cNvPr>
+          <p:cNvSpPr txBox="1"/>
+          <p:nvPr/>
+        </p:nvSpPr>
+        <p:spPr>
+          <a:xfrm>
+            <a:off x="416169" y="201468"/>
+            <a:ext cx="10673172" cy="1600438"/>
+          </a:xfrm>
+          <a:prstGeom prst="rect">
+            <a:avLst/>
+          </a:prstGeom>
+          <a:noFill/>
+        </p:spPr>
+        <p:txBody>
+          <a:bodyPr wrap="square" rtlCol="0">
+            <a:spAutoFit/>
+          </a:bodyPr>
+          <a:lstStyle/>
+          <a:p>
+            <a:r>
+              <a:rPr lang="en-US" altLang="ko-KR" sz="4400" dirty="0"/>
+              <a:t>231004 Success</a:t>
+            </a:r>
+          </a:p>
+          <a:p>
+            <a:pPr marL="285750" indent="-285750">
+              <a:buFontTx/>
+              <a:buChar char="-"/>
+            </a:pPr>
+            <a:endParaRPr lang="en-US" altLang="ko-KR" dirty="0"/>
+          </a:p>
+          <a:p>
+            <a:pPr marL="285750" indent="-285750">
+              <a:buFontTx/>
+              <a:buChar char="-"/>
+            </a:pPr>
+            <a:r>
+              <a:rPr lang="en-US" altLang="ko-KR" dirty="0" err="1"/>
+              <a:t>Cstorage</a:t>
+            </a:r>
+            <a:r>
+              <a:rPr lang="en-US" altLang="ko-KR" dirty="0"/>
+              <a:t> </a:t>
+            </a:r>
+            <a:r>
+              <a:rPr lang="ko-KR" altLang="en-US" dirty="0"/>
+              <a:t>파일에서 </a:t>
+            </a:r>
+            <a:r>
+              <a:rPr lang="en-US" altLang="ko-KR" dirty="0"/>
+              <a:t>South Korea</a:t>
+            </a:r>
+            <a:r>
+              <a:rPr lang="ko-KR" altLang="en-US" dirty="0"/>
+              <a:t>의 </a:t>
+            </a:r>
+            <a:r>
+              <a:rPr lang="en-US" altLang="ko-KR" dirty="0"/>
+              <a:t>onshore </a:t>
+            </a:r>
+            <a:r>
+              <a:rPr lang="ko-KR" altLang="en-US" dirty="0"/>
+              <a:t> </a:t>
+            </a:r>
+            <a:r>
+              <a:rPr lang="en-US" altLang="ko-KR" dirty="0" err="1"/>
+              <a:t>availiable</a:t>
+            </a:r>
+            <a:r>
+              <a:rPr lang="ko-KR" altLang="en-US" dirty="0"/>
+              <a:t>이 </a:t>
+            </a:r>
+            <a:r>
+              <a:rPr lang="en-US" altLang="ko-KR" dirty="0"/>
+              <a:t>0</a:t>
+            </a:r>
+            <a:r>
+              <a:rPr lang="ko-KR" altLang="en-US" dirty="0"/>
+              <a:t>으로 되어있어서 </a:t>
+            </a:r>
+            <a:r>
+              <a:rPr lang="en-US" altLang="ko-KR" dirty="0"/>
+              <a:t>Taiwan </a:t>
+            </a:r>
+            <a:r>
+              <a:rPr lang="ko-KR" altLang="en-US" dirty="0"/>
+              <a:t>과 같은 값으로 수정</a:t>
+            </a:r>
+            <a:r>
+              <a:rPr lang="en-US" altLang="ko-KR" dirty="0"/>
+              <a:t>!!</a:t>
+            </a:r>
+          </a:p>
+        </p:txBody>
+      </p:sp>
+      <p:pic>
+        <p:nvPicPr>
+          <p:cNvPr id="6" name="그림 5">
+            <a:extLst>
+              <a:ext uri="{FF2B5EF4-FFF2-40B4-BE49-F238E27FC236}">
+                <a16:creationId xmlns:a16="http://schemas.microsoft.com/office/drawing/2014/main" id="{93669B60-828F-4555-9A04-ABF5A7A610DB}"/>
+              </a:ext>
+            </a:extLst>
+          </p:cNvPr>
+          <p:cNvPicPr>
+            <a:picLocks noChangeAspect="1"/>
+          </p:cNvPicPr>
+          <p:nvPr/>
+        </p:nvPicPr>
+        <p:blipFill>
+          <a:blip r:embed="rId2"/>
+          <a:stretch>
+            <a:fillRect/>
+          </a:stretch>
+        </p:blipFill>
+        <p:spPr>
+          <a:xfrm>
+            <a:off x="398216" y="2160494"/>
+            <a:ext cx="11214843" cy="3738281"/>
+          </a:xfrm>
+          <a:prstGeom prst="rect">
+            <a:avLst/>
+          </a:prstGeom>
+        </p:spPr>
+      </p:pic>
+    </p:spTree>
+    <p:extLst>
+      <p:ext uri="{BB962C8B-B14F-4D97-AF65-F5344CB8AC3E}">
+        <p14:creationId xmlns:p14="http://schemas.microsoft.com/office/powerpoint/2010/main" val="2918954930"/>
+      </p:ext>
+    </p:extLst>
+  </p:cSld>
+  <p:clrMapOvr>
+    <a:masterClrMapping/>
+  </p:clrMapOvr>
+</p:sld>
+</file>
+
+<file path=ppt/slides/slide8.xml><?xml version="1.0" encoding="utf-8"?>
+<p:sld xmlns:a="http://schemas.openxmlformats.org/drawingml/2006/main" xmlns:r="http://schemas.openxmlformats.org/officeDocument/2006/relationships" xmlns:p="http://schemas.openxmlformats.org/presentationml/2006/main">
+  <p:cSld>
+    <p:spTree>
+      <p:nvGrpSpPr>
+        <p:cNvPr id="1" name=""/>
+        <p:cNvGrpSpPr/>
+        <p:nvPr/>
+      </p:nvGrpSpPr>
+      <p:grpSpPr>
+        <a:xfrm>
+          <a:off x="0" y="0"/>
+          <a:ext cx="0" cy="0"/>
+          <a:chOff x="0" y="0"/>
+          <a:chExt cx="0" cy="0"/>
+        </a:xfrm>
+      </p:grpSpPr>
+      <p:sp>
+        <p:nvSpPr>
+          <p:cNvPr id="10" name="TextBox 9">
+            <a:extLst>
+              <a:ext uri="{FF2B5EF4-FFF2-40B4-BE49-F238E27FC236}">
+                <a16:creationId xmlns:a16="http://schemas.microsoft.com/office/drawing/2014/main" id="{1A586119-7B32-44ED-B870-3977A9F3582F}"/>
+              </a:ext>
+            </a:extLst>
+          </p:cNvPr>
+          <p:cNvSpPr txBox="1"/>
+          <p:nvPr/>
+        </p:nvSpPr>
+        <p:spPr>
+          <a:xfrm>
+            <a:off x="416169" y="201468"/>
+            <a:ext cx="10673172" cy="1323439"/>
+          </a:xfrm>
+          <a:prstGeom prst="rect">
+            <a:avLst/>
+          </a:prstGeom>
+          <a:noFill/>
+        </p:spPr>
+        <p:txBody>
+          <a:bodyPr wrap="square" rtlCol="0">
+            <a:spAutoFit/>
+          </a:bodyPr>
+          <a:lstStyle/>
+          <a:p>
+            <a:r>
+              <a:rPr lang="en-US" altLang="ko-KR" sz="4400" dirty="0"/>
+              <a:t>231004 Success</a:t>
+            </a:r>
+          </a:p>
+          <a:p>
+            <a:endParaRPr lang="en-US" altLang="ko-KR" dirty="0"/>
+          </a:p>
+          <a:p>
+            <a:r>
+              <a:rPr lang="en-US" altLang="ko-KR" dirty="0"/>
+              <a:t>-</a:t>
+            </a:r>
+            <a:r>
+              <a:rPr lang="ko-KR" altLang="en-US" dirty="0"/>
+              <a:t> </a:t>
+            </a:r>
+            <a:r>
+              <a:rPr lang="en-US" altLang="ko-KR" dirty="0"/>
+              <a:t>No differences are observable from the figure below-&gt; need to plot differently!</a:t>
+            </a:r>
+          </a:p>
+        </p:txBody>
+      </p:sp>
+      <p:pic>
+        <p:nvPicPr>
+          <p:cNvPr id="3" name="그림 2">
+            <a:extLst>
+              <a:ext uri="{FF2B5EF4-FFF2-40B4-BE49-F238E27FC236}">
+                <a16:creationId xmlns:a16="http://schemas.microsoft.com/office/drawing/2014/main" id="{4A138E83-2188-42E7-A201-82901DB00C75}"/>
+              </a:ext>
+            </a:extLst>
+          </p:cNvPr>
+          <p:cNvPicPr>
+            <a:picLocks noChangeAspect="1"/>
+          </p:cNvPicPr>
+          <p:nvPr/>
+        </p:nvPicPr>
+        <p:blipFill>
+          <a:blip r:embed="rId2"/>
+          <a:stretch>
+            <a:fillRect/>
+          </a:stretch>
+        </p:blipFill>
+        <p:spPr>
+          <a:xfrm>
+            <a:off x="1172655" y="1983597"/>
+            <a:ext cx="9633779" cy="4419207"/>
+          </a:xfrm>
+          <a:prstGeom prst="rect">
+            <a:avLst/>
+          </a:prstGeom>
+        </p:spPr>
+      </p:pic>
+    </p:spTree>
+    <p:extLst>
+      <p:ext uri="{BB962C8B-B14F-4D97-AF65-F5344CB8AC3E}">
+        <p14:creationId xmlns:p14="http://schemas.microsoft.com/office/powerpoint/2010/main" val="4207197390"/>
+      </p:ext>
+    </p:extLst>
+  </p:cSld>
+  <p:clrMapOvr>
+    <a:masterClrMapping/>
+  </p:clrMapOvr>
+</p:sld>
+</file>
+
+<file path=ppt/slides/slide9.xml><?xml version="1.0" encoding="utf-8"?>
+<p:sld xmlns:a="http://schemas.openxmlformats.org/drawingml/2006/main" xmlns:r="http://schemas.openxmlformats.org/officeDocument/2006/relationships" xmlns:p="http://schemas.openxmlformats.org/presentationml/2006/main">
+  <p:cSld>
+    <p:spTree>
+      <p:nvGrpSpPr>
+        <p:cNvPr id="1" name=""/>
+        <p:cNvGrpSpPr/>
+        <p:nvPr/>
+      </p:nvGrpSpPr>
+      <p:grpSpPr>
+        <a:xfrm>
+          <a:off x="0" y="0"/>
+          <a:ext cx="0" cy="0"/>
+          <a:chOff x="0" y="0"/>
+          <a:chExt cx="0" cy="0"/>
+        </a:xfrm>
+      </p:grpSpPr>
+      <p:sp>
+        <p:nvSpPr>
+          <p:cNvPr id="10" name="TextBox 9">
+            <a:extLst>
+              <a:ext uri="{FF2B5EF4-FFF2-40B4-BE49-F238E27FC236}">
+                <a16:creationId xmlns:a16="http://schemas.microsoft.com/office/drawing/2014/main" id="{1A586119-7B32-44ED-B870-3977A9F3582F}"/>
+              </a:ext>
+            </a:extLst>
+          </p:cNvPr>
+          <p:cNvSpPr txBox="1"/>
+          <p:nvPr/>
+        </p:nvSpPr>
+        <p:spPr>
+          <a:xfrm>
+            <a:off x="416169" y="201468"/>
+            <a:ext cx="10673172" cy="1323439"/>
+          </a:xfrm>
+          <a:prstGeom prst="rect">
+            <a:avLst/>
+          </a:prstGeom>
+          <a:noFill/>
+        </p:spPr>
+        <p:txBody>
+          <a:bodyPr wrap="square" rtlCol="0">
+            <a:spAutoFit/>
+          </a:bodyPr>
+          <a:lstStyle/>
+          <a:p>
+            <a:r>
+              <a:rPr lang="en-US" altLang="ko-KR" sz="4400" dirty="0"/>
+              <a:t>231004 Success</a:t>
+            </a:r>
+          </a:p>
+          <a:p>
+            <a:endParaRPr lang="en-US" altLang="ko-KR" dirty="0"/>
+          </a:p>
+          <a:p>
+            <a:pPr marL="285750" indent="-285750">
+              <a:buFontTx/>
+              <a:buChar char="-"/>
+            </a:pPr>
+            <a:r>
+              <a:rPr lang="en-US" altLang="ko-KR" dirty="0"/>
+              <a:t>We rarely see any huge differences between the scenarios</a:t>
+            </a:r>
+          </a:p>
+        </p:txBody>
+      </p:sp>
+      <p:pic>
+        <p:nvPicPr>
+          <p:cNvPr id="6" name="그림 5">
+            <a:extLst>
+              <a:ext uri="{FF2B5EF4-FFF2-40B4-BE49-F238E27FC236}">
+                <a16:creationId xmlns:a16="http://schemas.microsoft.com/office/drawing/2014/main" id="{B35E67D1-CB98-4B50-A362-3A99AECA0A6A}"/>
+              </a:ext>
+            </a:extLst>
+          </p:cNvPr>
+          <p:cNvPicPr>
+            <a:picLocks noChangeAspect="1"/>
+          </p:cNvPicPr>
+          <p:nvPr/>
+        </p:nvPicPr>
+        <p:blipFill>
+          <a:blip r:embed="rId2"/>
+          <a:stretch>
+            <a:fillRect/>
+          </a:stretch>
+        </p:blipFill>
+        <p:spPr>
+          <a:xfrm>
+            <a:off x="416169" y="1783977"/>
+            <a:ext cx="10852587" cy="4729120"/>
+          </a:xfrm>
+          <a:prstGeom prst="rect">
+            <a:avLst/>
+          </a:prstGeom>
+        </p:spPr>
+      </p:pic>
+    </p:spTree>
+    <p:extLst>
+      <p:ext uri="{BB962C8B-B14F-4D97-AF65-F5344CB8AC3E}">
+        <p14:creationId xmlns:p14="http://schemas.microsoft.com/office/powerpoint/2010/main" val="1131505147"/>
       </p:ext>
     </p:extLst>
   </p:cSld>

--- a/KAIST_IAM_GROUP/230926_dac_cstorage.pptx
+++ b/KAIST_IAM_GROUP/230926_dac_cstorage.pptx
@@ -27,6 +27,16 @@
     <p:sldId id="281" r:id="rId21"/>
     <p:sldId id="282" r:id="rId22"/>
     <p:sldId id="283" r:id="rId23"/>
+    <p:sldId id="284" r:id="rId24"/>
+    <p:sldId id="289" r:id="rId25"/>
+    <p:sldId id="292" r:id="rId26"/>
+    <p:sldId id="293" r:id="rId27"/>
+    <p:sldId id="290" r:id="rId28"/>
+    <p:sldId id="291" r:id="rId29"/>
+    <p:sldId id="288" r:id="rId30"/>
+    <p:sldId id="286" r:id="rId31"/>
+    <p:sldId id="287" r:id="rId32"/>
+    <p:sldId id="294" r:id="rId33"/>
   </p:sldIdLst>
   <p:sldSz cx="12192000" cy="6858000"/>
   <p:notesSz cx="6858000" cy="9144000"/>
@@ -280,7 +290,7 @@
           <a:p>
             <a:fld id="{940DC0C4-EA8E-4FFC-BD2D-657BEAC6653B}" type="datetimeFigureOut">
               <a:rPr lang="ko-KR" altLang="en-US" smtClean="0"/>
-              <a:t>2023-10-20</a:t>
+              <a:t>2023-11-06</a:t>
             </a:fld>
             <a:endParaRPr lang="ko-KR" altLang="en-US"/>
           </a:p>
@@ -478,7 +488,7 @@
           <a:p>
             <a:fld id="{940DC0C4-EA8E-4FFC-BD2D-657BEAC6653B}" type="datetimeFigureOut">
               <a:rPr lang="ko-KR" altLang="en-US" smtClean="0"/>
-              <a:t>2023-10-20</a:t>
+              <a:t>2023-11-06</a:t>
             </a:fld>
             <a:endParaRPr lang="ko-KR" altLang="en-US"/>
           </a:p>
@@ -686,7 +696,7 @@
           <a:p>
             <a:fld id="{940DC0C4-EA8E-4FFC-BD2D-657BEAC6653B}" type="datetimeFigureOut">
               <a:rPr lang="ko-KR" altLang="en-US" smtClean="0"/>
-              <a:t>2023-10-20</a:t>
+              <a:t>2023-11-06</a:t>
             </a:fld>
             <a:endParaRPr lang="ko-KR" altLang="en-US"/>
           </a:p>
@@ -884,7 +894,7 @@
           <a:p>
             <a:fld id="{940DC0C4-EA8E-4FFC-BD2D-657BEAC6653B}" type="datetimeFigureOut">
               <a:rPr lang="ko-KR" altLang="en-US" smtClean="0"/>
-              <a:t>2023-10-20</a:t>
+              <a:t>2023-11-06</a:t>
             </a:fld>
             <a:endParaRPr lang="ko-KR" altLang="en-US"/>
           </a:p>
@@ -1159,7 +1169,7 @@
           <a:p>
             <a:fld id="{940DC0C4-EA8E-4FFC-BD2D-657BEAC6653B}" type="datetimeFigureOut">
               <a:rPr lang="ko-KR" altLang="en-US" smtClean="0"/>
-              <a:t>2023-10-20</a:t>
+              <a:t>2023-11-06</a:t>
             </a:fld>
             <a:endParaRPr lang="ko-KR" altLang="en-US"/>
           </a:p>
@@ -1424,7 +1434,7 @@
           <a:p>
             <a:fld id="{940DC0C4-EA8E-4FFC-BD2D-657BEAC6653B}" type="datetimeFigureOut">
               <a:rPr lang="ko-KR" altLang="en-US" smtClean="0"/>
-              <a:t>2023-10-20</a:t>
+              <a:t>2023-11-06</a:t>
             </a:fld>
             <a:endParaRPr lang="ko-KR" altLang="en-US"/>
           </a:p>
@@ -1836,7 +1846,7 @@
           <a:p>
             <a:fld id="{940DC0C4-EA8E-4FFC-BD2D-657BEAC6653B}" type="datetimeFigureOut">
               <a:rPr lang="ko-KR" altLang="en-US" smtClean="0"/>
-              <a:t>2023-10-20</a:t>
+              <a:t>2023-11-06</a:t>
             </a:fld>
             <a:endParaRPr lang="ko-KR" altLang="en-US"/>
           </a:p>
@@ -1977,7 +1987,7 @@
           <a:p>
             <a:fld id="{940DC0C4-EA8E-4FFC-BD2D-657BEAC6653B}" type="datetimeFigureOut">
               <a:rPr lang="ko-KR" altLang="en-US" smtClean="0"/>
-              <a:t>2023-10-20</a:t>
+              <a:t>2023-11-06</a:t>
             </a:fld>
             <a:endParaRPr lang="ko-KR" altLang="en-US"/>
           </a:p>
@@ -2090,7 +2100,7 @@
           <a:p>
             <a:fld id="{940DC0C4-EA8E-4FFC-BD2D-657BEAC6653B}" type="datetimeFigureOut">
               <a:rPr lang="ko-KR" altLang="en-US" smtClean="0"/>
-              <a:t>2023-10-20</a:t>
+              <a:t>2023-11-06</a:t>
             </a:fld>
             <a:endParaRPr lang="ko-KR" altLang="en-US"/>
           </a:p>
@@ -2401,7 +2411,7 @@
           <a:p>
             <a:fld id="{940DC0C4-EA8E-4FFC-BD2D-657BEAC6653B}" type="datetimeFigureOut">
               <a:rPr lang="ko-KR" altLang="en-US" smtClean="0"/>
-              <a:t>2023-10-20</a:t>
+              <a:t>2023-11-06</a:t>
             </a:fld>
             <a:endParaRPr lang="ko-KR" altLang="en-US"/>
           </a:p>
@@ -2689,7 +2699,7 @@
           <a:p>
             <a:fld id="{940DC0C4-EA8E-4FFC-BD2D-657BEAC6653B}" type="datetimeFigureOut">
               <a:rPr lang="ko-KR" altLang="en-US" smtClean="0"/>
-              <a:t>2023-10-20</a:t>
+              <a:t>2023-11-06</a:t>
             </a:fld>
             <a:endParaRPr lang="ko-KR" altLang="en-US"/>
           </a:p>
@@ -2930,7 +2940,7 @@
           <a:p>
             <a:fld id="{940DC0C4-EA8E-4FFC-BD2D-657BEAC6653B}" type="datetimeFigureOut">
               <a:rPr lang="ko-KR" altLang="en-US" smtClean="0"/>
-              <a:t>2023-10-20</a:t>
+              <a:t>2023-11-06</a:t>
             </a:fld>
             <a:endParaRPr lang="ko-KR" altLang="en-US"/>
           </a:p>
@@ -6472,6 +6482,1338 @@
 </p:sld>
 </file>
 
+<file path=ppt/slides/slide23.xml><?xml version="1.0" encoding="utf-8"?>
+<p:sld xmlns:a="http://schemas.openxmlformats.org/drawingml/2006/main" xmlns:r="http://schemas.openxmlformats.org/officeDocument/2006/relationships" xmlns:p="http://schemas.openxmlformats.org/presentationml/2006/main">
+  <p:cSld>
+    <p:spTree>
+      <p:nvGrpSpPr>
+        <p:cNvPr id="1" name=""/>
+        <p:cNvGrpSpPr/>
+        <p:nvPr/>
+      </p:nvGrpSpPr>
+      <p:grpSpPr>
+        <a:xfrm>
+          <a:off x="0" y="0"/>
+          <a:ext cx="0" cy="0"/>
+          <a:chOff x="0" y="0"/>
+          <a:chExt cx="0" cy="0"/>
+        </a:xfrm>
+      </p:grpSpPr>
+      <p:sp>
+        <p:nvSpPr>
+          <p:cNvPr id="10" name="TextBox 9">
+            <a:extLst>
+              <a:ext uri="{FF2B5EF4-FFF2-40B4-BE49-F238E27FC236}">
+                <a16:creationId xmlns:a16="http://schemas.microsoft.com/office/drawing/2014/main" id="{1A586119-7B32-44ED-B870-3977A9F3582F}"/>
+              </a:ext>
+            </a:extLst>
+          </p:cNvPr>
+          <p:cNvSpPr txBox="1"/>
+          <p:nvPr/>
+        </p:nvSpPr>
+        <p:spPr>
+          <a:xfrm>
+            <a:off x="416169" y="201468"/>
+            <a:ext cx="11301698" cy="1600438"/>
+          </a:xfrm>
+          <a:prstGeom prst="rect">
+            <a:avLst/>
+          </a:prstGeom>
+          <a:noFill/>
+        </p:spPr>
+        <p:txBody>
+          <a:bodyPr wrap="square" rtlCol="0">
+            <a:spAutoFit/>
+          </a:bodyPr>
+          <a:lstStyle/>
+          <a:p>
+            <a:r>
+              <a:rPr lang="en-US" altLang="ko-KR" sz="4400" dirty="0"/>
+              <a:t>231103</a:t>
+            </a:r>
+            <a:endParaRPr lang="en-US" altLang="ko-KR" dirty="0"/>
+          </a:p>
+          <a:p>
+            <a:pPr marL="285750" indent="-285750">
+              <a:buFontTx/>
+              <a:buChar char="-"/>
+            </a:pPr>
+            <a:r>
+              <a:rPr lang="en-US" altLang="ko-KR" dirty="0"/>
+              <a:t>KPX </a:t>
+            </a:r>
+            <a:r>
+              <a:rPr lang="ko-KR" altLang="en-US" dirty="0"/>
+              <a:t>데이터는 한국의 산업분류별 </a:t>
+            </a:r>
+            <a:r>
+              <a:rPr lang="en-US" altLang="ko-KR" dirty="0"/>
+              <a:t>2040</a:t>
+            </a:r>
+            <a:r>
+              <a:rPr lang="ko-KR" altLang="en-US" dirty="0"/>
+              <a:t>년까지 전망</a:t>
+            </a:r>
+            <a:endParaRPr lang="en-US" altLang="ko-KR" dirty="0"/>
+          </a:p>
+          <a:p>
+            <a:pPr marL="285750" indent="-285750">
+              <a:buFontTx/>
+              <a:buChar char="-"/>
+            </a:pPr>
+            <a:r>
+              <a:rPr lang="en-US" altLang="ko-KR" dirty="0"/>
+              <a:t>GCAM7 reference</a:t>
+            </a:r>
+            <a:r>
+              <a:rPr lang="ko-KR" altLang="en-US" dirty="0"/>
+              <a:t> 시나리오에서 </a:t>
+            </a:r>
+            <a:r>
+              <a:rPr lang="en-US" altLang="ko-KR" dirty="0"/>
+              <a:t>industry primary output by sector</a:t>
+            </a:r>
+          </a:p>
+          <a:p>
+            <a:pPr marL="285750" indent="-285750">
+              <a:buFontTx/>
+              <a:buChar char="-"/>
+            </a:pPr>
+            <a:r>
+              <a:rPr lang="ko-KR" altLang="en-US" dirty="0"/>
+              <a:t>한국의 산업분류를 </a:t>
+            </a:r>
+            <a:r>
+              <a:rPr lang="en-US" altLang="ko-KR" dirty="0"/>
+              <a:t>GCAM7 sector</a:t>
+            </a:r>
+            <a:r>
+              <a:rPr lang="ko-KR" altLang="en-US" dirty="0"/>
+              <a:t>에 할당</a:t>
+            </a:r>
+            <a:endParaRPr lang="en-US" altLang="ko-KR" dirty="0"/>
+          </a:p>
+        </p:txBody>
+      </p:sp>
+      <p:pic>
+        <p:nvPicPr>
+          <p:cNvPr id="4" name="그림 3">
+            <a:extLst>
+              <a:ext uri="{FF2B5EF4-FFF2-40B4-BE49-F238E27FC236}">
+                <a16:creationId xmlns:a16="http://schemas.microsoft.com/office/drawing/2014/main" id="{A7188943-B566-40BD-9A22-33C0052E1AEF}"/>
+              </a:ext>
+            </a:extLst>
+          </p:cNvPr>
+          <p:cNvPicPr>
+            <a:picLocks noChangeAspect="1"/>
+          </p:cNvPicPr>
+          <p:nvPr/>
+        </p:nvPicPr>
+        <p:blipFill>
+          <a:blip r:embed="rId2"/>
+          <a:stretch>
+            <a:fillRect/>
+          </a:stretch>
+        </p:blipFill>
+        <p:spPr>
+          <a:xfrm>
+            <a:off x="3207496" y="2113883"/>
+            <a:ext cx="5169166" cy="2317869"/>
+          </a:xfrm>
+          <a:prstGeom prst="rect">
+            <a:avLst/>
+          </a:prstGeom>
+        </p:spPr>
+      </p:pic>
+      <p:pic>
+        <p:nvPicPr>
+          <p:cNvPr id="6" name="그림 5">
+            <a:extLst>
+              <a:ext uri="{FF2B5EF4-FFF2-40B4-BE49-F238E27FC236}">
+                <a16:creationId xmlns:a16="http://schemas.microsoft.com/office/drawing/2014/main" id="{6390CC9D-E1E0-4286-A8DF-1CEEAB30274B}"/>
+              </a:ext>
+            </a:extLst>
+          </p:cNvPr>
+          <p:cNvPicPr>
+            <a:picLocks noChangeAspect="1"/>
+          </p:cNvPicPr>
+          <p:nvPr/>
+        </p:nvPicPr>
+        <p:blipFill>
+          <a:blip r:embed="rId3"/>
+          <a:stretch>
+            <a:fillRect/>
+          </a:stretch>
+        </p:blipFill>
+        <p:spPr>
+          <a:xfrm>
+            <a:off x="1286522" y="4587318"/>
+            <a:ext cx="9011113" cy="2159111"/>
+          </a:xfrm>
+          <a:prstGeom prst="rect">
+            <a:avLst/>
+          </a:prstGeom>
+        </p:spPr>
+      </p:pic>
+    </p:spTree>
+    <p:extLst>
+      <p:ext uri="{BB962C8B-B14F-4D97-AF65-F5344CB8AC3E}">
+        <p14:creationId xmlns:p14="http://schemas.microsoft.com/office/powerpoint/2010/main" val="2725767650"/>
+      </p:ext>
+    </p:extLst>
+  </p:cSld>
+  <p:clrMapOvr>
+    <a:masterClrMapping/>
+  </p:clrMapOvr>
+</p:sld>
+</file>
+
+<file path=ppt/slides/slide24.xml><?xml version="1.0" encoding="utf-8"?>
+<p:sld xmlns:a="http://schemas.openxmlformats.org/drawingml/2006/main" xmlns:r="http://schemas.openxmlformats.org/officeDocument/2006/relationships" xmlns:p="http://schemas.openxmlformats.org/presentationml/2006/main">
+  <p:cSld>
+    <p:spTree>
+      <p:nvGrpSpPr>
+        <p:cNvPr id="1" name=""/>
+        <p:cNvGrpSpPr/>
+        <p:nvPr/>
+      </p:nvGrpSpPr>
+      <p:grpSpPr>
+        <a:xfrm>
+          <a:off x="0" y="0"/>
+          <a:ext cx="0" cy="0"/>
+          <a:chOff x="0" y="0"/>
+          <a:chExt cx="0" cy="0"/>
+        </a:xfrm>
+      </p:grpSpPr>
+      <p:sp>
+        <p:nvSpPr>
+          <p:cNvPr id="10" name="TextBox 9">
+            <a:extLst>
+              <a:ext uri="{FF2B5EF4-FFF2-40B4-BE49-F238E27FC236}">
+                <a16:creationId xmlns:a16="http://schemas.microsoft.com/office/drawing/2014/main" id="{1A586119-7B32-44ED-B870-3977A9F3582F}"/>
+              </a:ext>
+            </a:extLst>
+          </p:cNvPr>
+          <p:cNvSpPr txBox="1"/>
+          <p:nvPr/>
+        </p:nvSpPr>
+        <p:spPr>
+          <a:xfrm>
+            <a:off x="416169" y="201468"/>
+            <a:ext cx="11301698" cy="2062103"/>
+          </a:xfrm>
+          <a:prstGeom prst="rect">
+            <a:avLst/>
+          </a:prstGeom>
+          <a:noFill/>
+        </p:spPr>
+        <p:txBody>
+          <a:bodyPr wrap="square" rtlCol="0">
+            <a:spAutoFit/>
+          </a:bodyPr>
+          <a:lstStyle/>
+          <a:p>
+            <a:r>
+              <a:rPr lang="en-US" altLang="ko-KR" sz="4400" dirty="0"/>
+              <a:t>231103</a:t>
+            </a:r>
+            <a:endParaRPr lang="en-US" altLang="ko-KR" dirty="0"/>
+          </a:p>
+          <a:p>
+            <a:pPr marL="285750" indent="-285750">
+              <a:buFontTx/>
+              <a:buChar char="-"/>
+            </a:pPr>
+            <a:r>
+              <a:rPr lang="en-US" altLang="ko-KR" sz="2800" dirty="0"/>
+              <a:t>We</a:t>
+            </a:r>
+            <a:r>
+              <a:rPr lang="ko-KR" altLang="en-US" sz="2800" dirty="0"/>
+              <a:t> </a:t>
+            </a:r>
+            <a:r>
+              <a:rPr lang="en-US" altLang="ko-KR" sz="2800" dirty="0"/>
+              <a:t>have</a:t>
+            </a:r>
+            <a:r>
+              <a:rPr lang="ko-KR" altLang="en-US" sz="2800" dirty="0"/>
+              <a:t> </a:t>
+            </a:r>
+            <a:r>
+              <a:rPr lang="en-US" altLang="ko-KR" sz="2800" dirty="0"/>
+              <a:t>data given by KPX(2023), containing 17 different industry outputs from 2000 to 2040. Measured by Million \</a:t>
+            </a:r>
+          </a:p>
+          <a:p>
+            <a:r>
+              <a:rPr lang="en-US" altLang="ko-KR" sz="2800" dirty="0"/>
+              <a:t>=&gt;</a:t>
+            </a:r>
+            <a:r>
+              <a:rPr lang="en-US" altLang="ko-KR" sz="2800" u="sng" dirty="0"/>
+              <a:t>I wanted to figure out where this classification came from.</a:t>
+            </a:r>
+          </a:p>
+        </p:txBody>
+      </p:sp>
+      <p:pic>
+        <p:nvPicPr>
+          <p:cNvPr id="3" name="그림 2">
+            <a:extLst>
+              <a:ext uri="{FF2B5EF4-FFF2-40B4-BE49-F238E27FC236}">
+                <a16:creationId xmlns:a16="http://schemas.microsoft.com/office/drawing/2014/main" id="{EF5CC963-0C89-40EB-A67D-26CE6C7FB284}"/>
+              </a:ext>
+            </a:extLst>
+          </p:cNvPr>
+          <p:cNvPicPr>
+            <a:picLocks noChangeAspect="1"/>
+          </p:cNvPicPr>
+          <p:nvPr/>
+        </p:nvPicPr>
+        <p:blipFill>
+          <a:blip r:embed="rId2"/>
+          <a:stretch>
+            <a:fillRect/>
+          </a:stretch>
+        </p:blipFill>
+        <p:spPr>
+          <a:xfrm>
+            <a:off x="579563" y="2678026"/>
+            <a:ext cx="6026465" cy="3913694"/>
+          </a:xfrm>
+          <a:prstGeom prst="rect">
+            <a:avLst/>
+          </a:prstGeom>
+        </p:spPr>
+      </p:pic>
+      <p:pic>
+        <p:nvPicPr>
+          <p:cNvPr id="7" name="그림 6">
+            <a:extLst>
+              <a:ext uri="{FF2B5EF4-FFF2-40B4-BE49-F238E27FC236}">
+                <a16:creationId xmlns:a16="http://schemas.microsoft.com/office/drawing/2014/main" id="{5D9C8685-67DB-4DB7-ABDF-558C83737D89}"/>
+              </a:ext>
+            </a:extLst>
+          </p:cNvPr>
+          <p:cNvPicPr>
+            <a:picLocks noChangeAspect="1"/>
+          </p:cNvPicPr>
+          <p:nvPr/>
+        </p:nvPicPr>
+        <p:blipFill>
+          <a:blip r:embed="rId3"/>
+          <a:stretch>
+            <a:fillRect/>
+          </a:stretch>
+        </p:blipFill>
+        <p:spPr>
+          <a:xfrm>
+            <a:off x="7537151" y="2604838"/>
+            <a:ext cx="3963444" cy="3913693"/>
+          </a:xfrm>
+          <a:prstGeom prst="rect">
+            <a:avLst/>
+          </a:prstGeom>
+        </p:spPr>
+      </p:pic>
+      <p:sp>
+        <p:nvSpPr>
+          <p:cNvPr id="9" name="TextBox 8">
+            <a:extLst>
+              <a:ext uri="{FF2B5EF4-FFF2-40B4-BE49-F238E27FC236}">
+                <a16:creationId xmlns:a16="http://schemas.microsoft.com/office/drawing/2014/main" id="{5E05C8CA-5F3D-4547-A94C-790AAB68C744}"/>
+              </a:ext>
+            </a:extLst>
+          </p:cNvPr>
+          <p:cNvSpPr txBox="1"/>
+          <p:nvPr/>
+        </p:nvSpPr>
+        <p:spPr>
+          <a:xfrm>
+            <a:off x="6951323" y="3394827"/>
+            <a:ext cx="875543" cy="769441"/>
+          </a:xfrm>
+          <a:prstGeom prst="rect">
+            <a:avLst/>
+          </a:prstGeom>
+          <a:noFill/>
+        </p:spPr>
+        <p:txBody>
+          <a:bodyPr wrap="square" rtlCol="0">
+            <a:spAutoFit/>
+          </a:bodyPr>
+          <a:lstStyle/>
+          <a:p>
+            <a:r>
+              <a:rPr lang="en-US" altLang="ko-KR" sz="4400" dirty="0"/>
+              <a:t>~</a:t>
+            </a:r>
+            <a:endParaRPr lang="en-US" altLang="ko-KR" dirty="0"/>
+          </a:p>
+        </p:txBody>
+      </p:sp>
+    </p:spTree>
+    <p:extLst>
+      <p:ext uri="{BB962C8B-B14F-4D97-AF65-F5344CB8AC3E}">
+        <p14:creationId xmlns:p14="http://schemas.microsoft.com/office/powerpoint/2010/main" val="2222108257"/>
+      </p:ext>
+    </p:extLst>
+  </p:cSld>
+  <p:clrMapOvr>
+    <a:masterClrMapping/>
+  </p:clrMapOvr>
+</p:sld>
+</file>
+
+<file path=ppt/slides/slide25.xml><?xml version="1.0" encoding="utf-8"?>
+<p:sld xmlns:a="http://schemas.openxmlformats.org/drawingml/2006/main" xmlns:r="http://schemas.openxmlformats.org/officeDocument/2006/relationships" xmlns:p="http://schemas.openxmlformats.org/presentationml/2006/main">
+  <p:cSld>
+    <p:spTree>
+      <p:nvGrpSpPr>
+        <p:cNvPr id="1" name=""/>
+        <p:cNvGrpSpPr/>
+        <p:nvPr/>
+      </p:nvGrpSpPr>
+      <p:grpSpPr>
+        <a:xfrm>
+          <a:off x="0" y="0"/>
+          <a:ext cx="0" cy="0"/>
+          <a:chOff x="0" y="0"/>
+          <a:chExt cx="0" cy="0"/>
+        </a:xfrm>
+      </p:grpSpPr>
+      <p:sp>
+        <p:nvSpPr>
+          <p:cNvPr id="10" name="TextBox 9">
+            <a:extLst>
+              <a:ext uri="{FF2B5EF4-FFF2-40B4-BE49-F238E27FC236}">
+                <a16:creationId xmlns:a16="http://schemas.microsoft.com/office/drawing/2014/main" id="{1A586119-7B32-44ED-B870-3977A9F3582F}"/>
+              </a:ext>
+            </a:extLst>
+          </p:cNvPr>
+          <p:cNvSpPr txBox="1"/>
+          <p:nvPr/>
+        </p:nvSpPr>
+        <p:spPr>
+          <a:xfrm>
+            <a:off x="416169" y="201468"/>
+            <a:ext cx="11301698" cy="2492990"/>
+          </a:xfrm>
+          <a:prstGeom prst="rect">
+            <a:avLst/>
+          </a:prstGeom>
+          <a:noFill/>
+        </p:spPr>
+        <p:txBody>
+          <a:bodyPr wrap="square" rtlCol="0">
+            <a:spAutoFit/>
+          </a:bodyPr>
+          <a:lstStyle/>
+          <a:p>
+            <a:r>
+              <a:rPr lang="en-US" altLang="ko-KR" sz="4400" dirty="0"/>
+              <a:t>231103</a:t>
+            </a:r>
+            <a:endParaRPr lang="en-US" altLang="ko-KR" dirty="0"/>
+          </a:p>
+          <a:p>
+            <a:pPr marL="285750" indent="-285750">
+              <a:buFontTx/>
+              <a:buChar char="-"/>
+            </a:pPr>
+            <a:r>
+              <a:rPr lang="en-US" altLang="ko-KR" sz="2800" dirty="0"/>
+              <a:t>The structure of the data mostly follow the Input-Output Tables by Korea Bank(</a:t>
+            </a:r>
+            <a:r>
+              <a:rPr lang="ko-KR" altLang="en-US" sz="2800" dirty="0"/>
+              <a:t>산업연관표</a:t>
+            </a:r>
+            <a:r>
+              <a:rPr lang="en-US" altLang="ko-KR" sz="2800" dirty="0"/>
+              <a:t>_</a:t>
+            </a:r>
+            <a:r>
+              <a:rPr lang="ko-KR" altLang="en-US" sz="2800" dirty="0" err="1"/>
+              <a:t>통합대분류</a:t>
+            </a:r>
+            <a:r>
+              <a:rPr lang="ko-KR" altLang="en-US" sz="2800" dirty="0"/>
+              <a:t> </a:t>
+            </a:r>
+            <a:r>
+              <a:rPr lang="en-US" altLang="ko-KR" sz="2800" dirty="0"/>
+              <a:t>-&gt; </a:t>
+            </a:r>
+            <a:r>
+              <a:rPr lang="ko-KR" altLang="en-US" sz="2800" dirty="0"/>
+              <a:t>투입산출표</a:t>
+            </a:r>
+            <a:r>
+              <a:rPr lang="en-US" altLang="ko-KR" sz="2800" dirty="0"/>
+              <a:t>(</a:t>
+            </a:r>
+            <a:r>
+              <a:rPr lang="ko-KR" altLang="en-US" sz="2800" dirty="0"/>
+              <a:t>생산자가격</a:t>
+            </a:r>
+            <a:r>
+              <a:rPr lang="en-US" altLang="ko-KR" sz="2800" dirty="0"/>
+              <a:t>).</a:t>
+            </a:r>
+          </a:p>
+          <a:p>
+            <a:pPr marL="285750" indent="-285750">
+              <a:buFontTx/>
+              <a:buChar char="-"/>
+            </a:pPr>
+            <a:r>
+              <a:rPr lang="en-US" altLang="ko-KR" sz="2800" dirty="0">
+                <a:highlight>
+                  <a:srgbClr val="00FF00"/>
+                </a:highlight>
+              </a:rPr>
+              <a:t>Value added</a:t>
+            </a:r>
+            <a:r>
+              <a:rPr lang="ko-KR" altLang="en-US" sz="2800" dirty="0">
+                <a:highlight>
+                  <a:srgbClr val="00FF00"/>
+                </a:highlight>
+              </a:rPr>
+              <a:t> </a:t>
+            </a:r>
+            <a:r>
+              <a:rPr lang="en-US" altLang="ko-KR" sz="2800" dirty="0">
+                <a:highlight>
+                  <a:srgbClr val="00FF00"/>
+                </a:highlight>
+              </a:rPr>
+              <a:t>for producer’s prices</a:t>
+            </a:r>
+          </a:p>
+          <a:p>
+            <a:pPr marL="285750" indent="-285750">
+              <a:buFontTx/>
+              <a:buChar char="-"/>
+            </a:pPr>
+            <a:r>
+              <a:rPr lang="en-US" altLang="ko-KR" sz="2800" dirty="0">
+                <a:highlight>
+                  <a:srgbClr val="FFFF00"/>
+                </a:highlight>
+              </a:rPr>
+              <a:t>How close are these values? For KPX and Korea Bank? </a:t>
+            </a:r>
+          </a:p>
+        </p:txBody>
+      </p:sp>
+      <p:pic>
+        <p:nvPicPr>
+          <p:cNvPr id="6" name="그림 5">
+            <a:extLst>
+              <a:ext uri="{FF2B5EF4-FFF2-40B4-BE49-F238E27FC236}">
+                <a16:creationId xmlns:a16="http://schemas.microsoft.com/office/drawing/2014/main" id="{EC187F0D-9CA2-4258-B10A-31E6CE4C522E}"/>
+              </a:ext>
+            </a:extLst>
+          </p:cNvPr>
+          <p:cNvPicPr>
+            <a:picLocks noChangeAspect="1"/>
+          </p:cNvPicPr>
+          <p:nvPr/>
+        </p:nvPicPr>
+        <p:blipFill>
+          <a:blip r:embed="rId2"/>
+          <a:stretch>
+            <a:fillRect/>
+          </a:stretch>
+        </p:blipFill>
+        <p:spPr>
+          <a:xfrm>
+            <a:off x="104138" y="2832180"/>
+            <a:ext cx="11767155" cy="3727370"/>
+          </a:xfrm>
+          <a:prstGeom prst="rect">
+            <a:avLst/>
+          </a:prstGeom>
+        </p:spPr>
+      </p:pic>
+      <p:sp>
+        <p:nvSpPr>
+          <p:cNvPr id="8" name="직사각형 7">
+            <a:extLst>
+              <a:ext uri="{FF2B5EF4-FFF2-40B4-BE49-F238E27FC236}">
+                <a16:creationId xmlns:a16="http://schemas.microsoft.com/office/drawing/2014/main" id="{2A555078-9935-4B65-80C9-1C9E445C2BDD}"/>
+              </a:ext>
+            </a:extLst>
+          </p:cNvPr>
+          <p:cNvSpPr/>
+          <p:nvPr/>
+        </p:nvSpPr>
+        <p:spPr>
+          <a:xfrm>
+            <a:off x="292100" y="6254750"/>
+            <a:ext cx="11579193" cy="190500"/>
+          </a:xfrm>
+          <a:prstGeom prst="rect">
+            <a:avLst/>
+          </a:prstGeom>
+          <a:noFill/>
+          <a:ln w="25400">
+            <a:solidFill>
+              <a:srgbClr val="00B050"/>
+            </a:solidFill>
+          </a:ln>
+        </p:spPr>
+        <p:style>
+          <a:lnRef idx="2">
+            <a:schemeClr val="accent1">
+              <a:shade val="50000"/>
+            </a:schemeClr>
+          </a:lnRef>
+          <a:fillRef idx="1">
+            <a:schemeClr val="accent1"/>
+          </a:fillRef>
+          <a:effectRef idx="0">
+            <a:schemeClr val="accent1"/>
+          </a:effectRef>
+          <a:fontRef idx="minor">
+            <a:schemeClr val="lt1"/>
+          </a:fontRef>
+        </p:style>
+        <p:txBody>
+          <a:bodyPr rtlCol="0" anchor="ctr"/>
+          <a:lstStyle/>
+          <a:p>
+            <a:pPr algn="ctr"/>
+            <a:endParaRPr lang="ko-KR" altLang="en-US"/>
+          </a:p>
+        </p:txBody>
+      </p:sp>
+    </p:spTree>
+    <p:extLst>
+      <p:ext uri="{BB962C8B-B14F-4D97-AF65-F5344CB8AC3E}">
+        <p14:creationId xmlns:p14="http://schemas.microsoft.com/office/powerpoint/2010/main" val="1402923504"/>
+      </p:ext>
+    </p:extLst>
+  </p:cSld>
+  <p:clrMapOvr>
+    <a:masterClrMapping/>
+  </p:clrMapOvr>
+</p:sld>
+</file>
+
+<file path=ppt/slides/slide26.xml><?xml version="1.0" encoding="utf-8"?>
+<p:sld xmlns:a="http://schemas.openxmlformats.org/drawingml/2006/main" xmlns:r="http://schemas.openxmlformats.org/officeDocument/2006/relationships" xmlns:p="http://schemas.openxmlformats.org/presentationml/2006/main">
+  <p:cSld>
+    <p:spTree>
+      <p:nvGrpSpPr>
+        <p:cNvPr id="1" name=""/>
+        <p:cNvGrpSpPr/>
+        <p:nvPr/>
+      </p:nvGrpSpPr>
+      <p:grpSpPr>
+        <a:xfrm>
+          <a:off x="0" y="0"/>
+          <a:ext cx="0" cy="0"/>
+          <a:chOff x="0" y="0"/>
+          <a:chExt cx="0" cy="0"/>
+        </a:xfrm>
+      </p:grpSpPr>
+      <p:sp>
+        <p:nvSpPr>
+          <p:cNvPr id="10" name="TextBox 9">
+            <a:extLst>
+              <a:ext uri="{FF2B5EF4-FFF2-40B4-BE49-F238E27FC236}">
+                <a16:creationId xmlns:a16="http://schemas.microsoft.com/office/drawing/2014/main" id="{1A586119-7B32-44ED-B870-3977A9F3582F}"/>
+              </a:ext>
+            </a:extLst>
+          </p:cNvPr>
+          <p:cNvSpPr txBox="1"/>
+          <p:nvPr/>
+        </p:nvSpPr>
+        <p:spPr>
+          <a:xfrm>
+            <a:off x="416169" y="201468"/>
+            <a:ext cx="4395460" cy="5509200"/>
+          </a:xfrm>
+          <a:prstGeom prst="rect">
+            <a:avLst/>
+          </a:prstGeom>
+          <a:noFill/>
+        </p:spPr>
+        <p:txBody>
+          <a:bodyPr wrap="square" rtlCol="0">
+            <a:spAutoFit/>
+          </a:bodyPr>
+          <a:lstStyle/>
+          <a:p>
+            <a:r>
+              <a:rPr lang="en-US" altLang="ko-KR" sz="4400" dirty="0"/>
+              <a:t>231103</a:t>
+            </a:r>
+            <a:endParaRPr lang="en-US" altLang="ko-KR" sz="4400" dirty="0">
+              <a:highlight>
+                <a:srgbClr val="FFFF00"/>
+              </a:highlight>
+            </a:endParaRPr>
+          </a:p>
+          <a:p>
+            <a:pPr marL="285750" indent="-285750">
+              <a:buFontTx/>
+              <a:buChar char="-"/>
+            </a:pPr>
+            <a:r>
+              <a:rPr lang="en-US" altLang="ko-KR" sz="2800" dirty="0"/>
+              <a:t>Data by KPX and Korea Bank IO tables are quite close(except for few sectors).</a:t>
+            </a:r>
+          </a:p>
+          <a:p>
+            <a:pPr marL="457200" indent="-457200">
+              <a:buFontTx/>
+              <a:buChar char="-"/>
+            </a:pPr>
+            <a:r>
+              <a:rPr lang="en-US" altLang="ko-KR" sz="2800" dirty="0"/>
+              <a:t>In total, they showed only 3% of difference.</a:t>
+            </a:r>
+          </a:p>
+          <a:p>
+            <a:pPr marL="457200" indent="-457200">
+              <a:buFontTx/>
+              <a:buChar char="-"/>
+            </a:pPr>
+            <a:r>
+              <a:rPr lang="en-US" altLang="ko-KR" sz="2800" dirty="0" err="1">
+                <a:highlight>
+                  <a:srgbClr val="FFFF00"/>
+                </a:highlight>
+              </a:rPr>
+              <a:t>Conclustion</a:t>
+            </a:r>
+            <a:r>
+              <a:rPr lang="en-US" altLang="ko-KR" sz="2800" dirty="0">
+                <a:highlight>
+                  <a:srgbClr val="FFFF00"/>
+                </a:highlight>
+              </a:rPr>
+              <a:t> : Data by KPX has a comparably high(?) </a:t>
+            </a:r>
+            <a:r>
+              <a:rPr lang="en-US" altLang="ko-KR" sz="2800" dirty="0" err="1">
+                <a:highlight>
+                  <a:srgbClr val="FFFF00"/>
+                </a:highlight>
+              </a:rPr>
+              <a:t>constistency</a:t>
+            </a:r>
+            <a:r>
+              <a:rPr lang="en-US" altLang="ko-KR" sz="2800" dirty="0">
+                <a:highlight>
+                  <a:srgbClr val="FFFF00"/>
+                </a:highlight>
+              </a:rPr>
+              <a:t> with the IO table by Korea Bank.</a:t>
+            </a:r>
+          </a:p>
+        </p:txBody>
+      </p:sp>
+      <p:pic>
+        <p:nvPicPr>
+          <p:cNvPr id="8" name="그림 7">
+            <a:extLst>
+              <a:ext uri="{FF2B5EF4-FFF2-40B4-BE49-F238E27FC236}">
+                <a16:creationId xmlns:a16="http://schemas.microsoft.com/office/drawing/2014/main" id="{85C51D78-7492-4BA3-AC7C-84B645665FAC}"/>
+              </a:ext>
+            </a:extLst>
+          </p:cNvPr>
+          <p:cNvPicPr>
+            <a:picLocks noChangeAspect="1"/>
+          </p:cNvPicPr>
+          <p:nvPr/>
+        </p:nvPicPr>
+        <p:blipFill>
+          <a:blip r:embed="rId2"/>
+          <a:stretch>
+            <a:fillRect/>
+          </a:stretch>
+        </p:blipFill>
+        <p:spPr>
+          <a:xfrm>
+            <a:off x="4811629" y="779734"/>
+            <a:ext cx="7163168" cy="5683542"/>
+          </a:xfrm>
+          <a:prstGeom prst="rect">
+            <a:avLst/>
+          </a:prstGeom>
+        </p:spPr>
+      </p:pic>
+    </p:spTree>
+    <p:extLst>
+      <p:ext uri="{BB962C8B-B14F-4D97-AF65-F5344CB8AC3E}">
+        <p14:creationId xmlns:p14="http://schemas.microsoft.com/office/powerpoint/2010/main" val="801644647"/>
+      </p:ext>
+    </p:extLst>
+  </p:cSld>
+  <p:clrMapOvr>
+    <a:masterClrMapping/>
+  </p:clrMapOvr>
+</p:sld>
+</file>
+
+<file path=ppt/slides/slide27.xml><?xml version="1.0" encoding="utf-8"?>
+<p:sld xmlns:a="http://schemas.openxmlformats.org/drawingml/2006/main" xmlns:r="http://schemas.openxmlformats.org/officeDocument/2006/relationships" xmlns:p="http://schemas.openxmlformats.org/presentationml/2006/main">
+  <p:cSld>
+    <p:spTree>
+      <p:nvGrpSpPr>
+        <p:cNvPr id="1" name=""/>
+        <p:cNvGrpSpPr/>
+        <p:nvPr/>
+      </p:nvGrpSpPr>
+      <p:grpSpPr>
+        <a:xfrm>
+          <a:off x="0" y="0"/>
+          <a:ext cx="0" cy="0"/>
+          <a:chOff x="0" y="0"/>
+          <a:chExt cx="0" cy="0"/>
+        </a:xfrm>
+      </p:grpSpPr>
+      <p:sp>
+        <p:nvSpPr>
+          <p:cNvPr id="10" name="TextBox 9">
+            <a:extLst>
+              <a:ext uri="{FF2B5EF4-FFF2-40B4-BE49-F238E27FC236}">
+                <a16:creationId xmlns:a16="http://schemas.microsoft.com/office/drawing/2014/main" id="{1A586119-7B32-44ED-B870-3977A9F3582F}"/>
+              </a:ext>
+            </a:extLst>
+          </p:cNvPr>
+          <p:cNvSpPr txBox="1"/>
+          <p:nvPr/>
+        </p:nvSpPr>
+        <p:spPr>
+          <a:xfrm>
+            <a:off x="416169" y="201468"/>
+            <a:ext cx="11301698" cy="1631216"/>
+          </a:xfrm>
+          <a:prstGeom prst="rect">
+            <a:avLst/>
+          </a:prstGeom>
+          <a:noFill/>
+        </p:spPr>
+        <p:txBody>
+          <a:bodyPr wrap="square" rtlCol="0">
+            <a:spAutoFit/>
+          </a:bodyPr>
+          <a:lstStyle/>
+          <a:p>
+            <a:r>
+              <a:rPr lang="en-US" altLang="ko-KR" sz="4400" dirty="0"/>
+              <a:t>231103</a:t>
+            </a:r>
+            <a:endParaRPr lang="en-US" altLang="ko-KR" dirty="0"/>
+          </a:p>
+          <a:p>
+            <a:pPr marL="285750" indent="-285750">
+              <a:buFontTx/>
+              <a:buChar char="-"/>
+            </a:pPr>
+            <a:r>
+              <a:rPr lang="en-US" altLang="ko-KR" sz="2800" dirty="0"/>
+              <a:t>We also</a:t>
+            </a:r>
+            <a:r>
+              <a:rPr lang="ko-KR" altLang="en-US" sz="2800" dirty="0"/>
+              <a:t> </a:t>
+            </a:r>
+            <a:r>
+              <a:rPr lang="en-US" altLang="ko-KR" sz="2800" dirty="0"/>
+              <a:t>have</a:t>
+            </a:r>
+            <a:r>
+              <a:rPr lang="ko-KR" altLang="en-US" sz="2800" dirty="0"/>
+              <a:t> </a:t>
+            </a:r>
+            <a:r>
+              <a:rPr lang="en-US" altLang="ko-KR" sz="2800" dirty="0"/>
+              <a:t>GCAM 7 reference scenario output for 12 different sectors. Query: industry primary output by sector.</a:t>
+            </a:r>
+          </a:p>
+        </p:txBody>
+      </p:sp>
+      <p:pic>
+        <p:nvPicPr>
+          <p:cNvPr id="4" name="그림 3">
+            <a:extLst>
+              <a:ext uri="{FF2B5EF4-FFF2-40B4-BE49-F238E27FC236}">
+                <a16:creationId xmlns:a16="http://schemas.microsoft.com/office/drawing/2014/main" id="{5AA8F2CD-7A3E-463A-9D65-1E98EB62AD50}"/>
+              </a:ext>
+            </a:extLst>
+          </p:cNvPr>
+          <p:cNvPicPr>
+            <a:picLocks noChangeAspect="1"/>
+          </p:cNvPicPr>
+          <p:nvPr/>
+        </p:nvPicPr>
+        <p:blipFill>
+          <a:blip r:embed="rId2"/>
+          <a:stretch>
+            <a:fillRect/>
+          </a:stretch>
+        </p:blipFill>
+        <p:spPr>
+          <a:xfrm>
+            <a:off x="288767" y="2350261"/>
+            <a:ext cx="7131477" cy="3406850"/>
+          </a:xfrm>
+          <a:prstGeom prst="rect">
+            <a:avLst/>
+          </a:prstGeom>
+        </p:spPr>
+      </p:pic>
+      <p:pic>
+        <p:nvPicPr>
+          <p:cNvPr id="6" name="그림 5">
+            <a:extLst>
+              <a:ext uri="{FF2B5EF4-FFF2-40B4-BE49-F238E27FC236}">
+                <a16:creationId xmlns:a16="http://schemas.microsoft.com/office/drawing/2014/main" id="{C92D6054-5041-4B7B-A425-CAC45E2F1EEC}"/>
+              </a:ext>
+            </a:extLst>
+          </p:cNvPr>
+          <p:cNvPicPr>
+            <a:picLocks noChangeAspect="1"/>
+          </p:cNvPicPr>
+          <p:nvPr/>
+        </p:nvPicPr>
+        <p:blipFill>
+          <a:blip r:embed="rId3"/>
+          <a:stretch>
+            <a:fillRect/>
+          </a:stretch>
+        </p:blipFill>
+        <p:spPr>
+          <a:xfrm>
+            <a:off x="7861579" y="2350261"/>
+            <a:ext cx="2738242" cy="3498865"/>
+          </a:xfrm>
+          <a:prstGeom prst="rect">
+            <a:avLst/>
+          </a:prstGeom>
+        </p:spPr>
+      </p:pic>
+      <p:sp>
+        <p:nvSpPr>
+          <p:cNvPr id="12" name="TextBox 11">
+            <a:extLst>
+              <a:ext uri="{FF2B5EF4-FFF2-40B4-BE49-F238E27FC236}">
+                <a16:creationId xmlns:a16="http://schemas.microsoft.com/office/drawing/2014/main" id="{9DB4EFC2-9F8B-4EA3-BF30-082C1A9FAA9F}"/>
+              </a:ext>
+            </a:extLst>
+          </p:cNvPr>
+          <p:cNvSpPr txBox="1"/>
+          <p:nvPr/>
+        </p:nvSpPr>
+        <p:spPr>
+          <a:xfrm>
+            <a:off x="7366413" y="3521158"/>
+            <a:ext cx="875543" cy="769441"/>
+          </a:xfrm>
+          <a:prstGeom prst="rect">
+            <a:avLst/>
+          </a:prstGeom>
+          <a:noFill/>
+        </p:spPr>
+        <p:txBody>
+          <a:bodyPr wrap="square" rtlCol="0">
+            <a:spAutoFit/>
+          </a:bodyPr>
+          <a:lstStyle/>
+          <a:p>
+            <a:r>
+              <a:rPr lang="en-US" altLang="ko-KR" sz="4400" dirty="0"/>
+              <a:t>~</a:t>
+            </a:r>
+            <a:endParaRPr lang="en-US" altLang="ko-KR" dirty="0"/>
+          </a:p>
+        </p:txBody>
+      </p:sp>
+    </p:spTree>
+    <p:extLst>
+      <p:ext uri="{BB962C8B-B14F-4D97-AF65-F5344CB8AC3E}">
+        <p14:creationId xmlns:p14="http://schemas.microsoft.com/office/powerpoint/2010/main" val="2393577815"/>
+      </p:ext>
+    </p:extLst>
+  </p:cSld>
+  <p:clrMapOvr>
+    <a:masterClrMapping/>
+  </p:clrMapOvr>
+</p:sld>
+</file>
+
+<file path=ppt/slides/slide28.xml><?xml version="1.0" encoding="utf-8"?>
+<p:sld xmlns:a="http://schemas.openxmlformats.org/drawingml/2006/main" xmlns:r="http://schemas.openxmlformats.org/officeDocument/2006/relationships" xmlns:p="http://schemas.openxmlformats.org/presentationml/2006/main">
+  <p:cSld>
+    <p:spTree>
+      <p:nvGrpSpPr>
+        <p:cNvPr id="1" name=""/>
+        <p:cNvGrpSpPr/>
+        <p:nvPr/>
+      </p:nvGrpSpPr>
+      <p:grpSpPr>
+        <a:xfrm>
+          <a:off x="0" y="0"/>
+          <a:ext cx="0" cy="0"/>
+          <a:chOff x="0" y="0"/>
+          <a:chExt cx="0" cy="0"/>
+        </a:xfrm>
+      </p:grpSpPr>
+      <p:sp>
+        <p:nvSpPr>
+          <p:cNvPr id="10" name="TextBox 9">
+            <a:extLst>
+              <a:ext uri="{FF2B5EF4-FFF2-40B4-BE49-F238E27FC236}">
+                <a16:creationId xmlns:a16="http://schemas.microsoft.com/office/drawing/2014/main" id="{1A586119-7B32-44ED-B870-3977A9F3582F}"/>
+              </a:ext>
+            </a:extLst>
+          </p:cNvPr>
+          <p:cNvSpPr txBox="1"/>
+          <p:nvPr/>
+        </p:nvSpPr>
+        <p:spPr>
+          <a:xfrm>
+            <a:off x="416169" y="201468"/>
+            <a:ext cx="11301698" cy="1200329"/>
+          </a:xfrm>
+          <a:prstGeom prst="rect">
+            <a:avLst/>
+          </a:prstGeom>
+          <a:noFill/>
+        </p:spPr>
+        <p:txBody>
+          <a:bodyPr wrap="square" rtlCol="0">
+            <a:spAutoFit/>
+          </a:bodyPr>
+          <a:lstStyle/>
+          <a:p>
+            <a:r>
+              <a:rPr lang="en-US" altLang="ko-KR" sz="4400" dirty="0"/>
+              <a:t>231103</a:t>
+            </a:r>
+          </a:p>
+          <a:p>
+            <a:pPr marL="285750" indent="-285750">
+              <a:buFontTx/>
+              <a:buChar char="-"/>
+            </a:pPr>
+            <a:r>
+              <a:rPr lang="en-US" altLang="ko-KR" sz="2800" dirty="0"/>
+              <a:t>Assigned GCAM sector name to industry classified by KPX. </a:t>
+            </a:r>
+          </a:p>
+        </p:txBody>
+      </p:sp>
+      <p:pic>
+        <p:nvPicPr>
+          <p:cNvPr id="3" name="그림 2">
+            <a:extLst>
+              <a:ext uri="{FF2B5EF4-FFF2-40B4-BE49-F238E27FC236}">
+                <a16:creationId xmlns:a16="http://schemas.microsoft.com/office/drawing/2014/main" id="{1AE3CF80-532D-402E-9056-94E4A6C0EEC8}"/>
+              </a:ext>
+            </a:extLst>
+          </p:cNvPr>
+          <p:cNvPicPr>
+            <a:picLocks noChangeAspect="1"/>
+          </p:cNvPicPr>
+          <p:nvPr/>
+        </p:nvPicPr>
+        <p:blipFill>
+          <a:blip r:embed="rId2"/>
+          <a:stretch>
+            <a:fillRect/>
+          </a:stretch>
+        </p:blipFill>
+        <p:spPr>
+          <a:xfrm>
+            <a:off x="989332" y="1569079"/>
+            <a:ext cx="4611368" cy="4776327"/>
+          </a:xfrm>
+          <a:prstGeom prst="rect">
+            <a:avLst/>
+          </a:prstGeom>
+        </p:spPr>
+      </p:pic>
+    </p:spTree>
+    <p:extLst>
+      <p:ext uri="{BB962C8B-B14F-4D97-AF65-F5344CB8AC3E}">
+        <p14:creationId xmlns:p14="http://schemas.microsoft.com/office/powerpoint/2010/main" val="1994146503"/>
+      </p:ext>
+    </p:extLst>
+  </p:cSld>
+  <p:clrMapOvr>
+    <a:masterClrMapping/>
+  </p:clrMapOvr>
+</p:sld>
+</file>
+
+<file path=ppt/slides/slide29.xml><?xml version="1.0" encoding="utf-8"?>
+<p:sld xmlns:a="http://schemas.openxmlformats.org/drawingml/2006/main" xmlns:r="http://schemas.openxmlformats.org/officeDocument/2006/relationships" xmlns:p="http://schemas.openxmlformats.org/presentationml/2006/main">
+  <p:cSld>
+    <p:spTree>
+      <p:nvGrpSpPr>
+        <p:cNvPr id="1" name=""/>
+        <p:cNvGrpSpPr/>
+        <p:nvPr/>
+      </p:nvGrpSpPr>
+      <p:grpSpPr>
+        <a:xfrm>
+          <a:off x="0" y="0"/>
+          <a:ext cx="0" cy="0"/>
+          <a:chOff x="0" y="0"/>
+          <a:chExt cx="0" cy="0"/>
+        </a:xfrm>
+      </p:grpSpPr>
+      <p:sp>
+        <p:nvSpPr>
+          <p:cNvPr id="10" name="TextBox 9">
+            <a:extLst>
+              <a:ext uri="{FF2B5EF4-FFF2-40B4-BE49-F238E27FC236}">
+                <a16:creationId xmlns:a16="http://schemas.microsoft.com/office/drawing/2014/main" id="{1A586119-7B32-44ED-B870-3977A9F3582F}"/>
+              </a:ext>
+            </a:extLst>
+          </p:cNvPr>
+          <p:cNvSpPr txBox="1"/>
+          <p:nvPr/>
+        </p:nvSpPr>
+        <p:spPr>
+          <a:xfrm>
+            <a:off x="416169" y="201468"/>
+            <a:ext cx="11301698" cy="1508105"/>
+          </a:xfrm>
+          <a:prstGeom prst="rect">
+            <a:avLst/>
+          </a:prstGeom>
+          <a:noFill/>
+        </p:spPr>
+        <p:txBody>
+          <a:bodyPr wrap="square" rtlCol="0">
+            <a:spAutoFit/>
+          </a:bodyPr>
+          <a:lstStyle/>
+          <a:p>
+            <a:r>
+              <a:rPr lang="en-US" altLang="ko-KR" sz="4400" dirty="0"/>
+              <a:t>231103</a:t>
+            </a:r>
+            <a:endParaRPr lang="en-US" altLang="ko-KR" dirty="0"/>
+          </a:p>
+          <a:p>
+            <a:pPr marL="285750" indent="-285750">
+              <a:buFontTx/>
+              <a:buChar char="-"/>
+            </a:pPr>
+            <a:r>
+              <a:rPr lang="en-US" altLang="ko-KR" sz="2400" dirty="0"/>
+              <a:t>Using R, calculated </a:t>
+            </a:r>
+            <a:r>
+              <a:rPr lang="en-US" altLang="ko-KR" sz="2400" dirty="0">
+                <a:highlight>
+                  <a:srgbClr val="FFFF00"/>
+                </a:highlight>
+              </a:rPr>
+              <a:t>index value</a:t>
+            </a:r>
+            <a:r>
+              <a:rPr lang="en-US" altLang="ko-KR" sz="2400" dirty="0"/>
+              <a:t>, </a:t>
+            </a:r>
+            <a:r>
+              <a:rPr lang="en-US" altLang="ko-KR" sz="2400" dirty="0">
+                <a:highlight>
+                  <a:srgbClr val="FFFF00"/>
+                </a:highlight>
+              </a:rPr>
+              <a:t>income elasticity</a:t>
+            </a:r>
+            <a:r>
+              <a:rPr lang="en-US" altLang="ko-KR" sz="2400" dirty="0"/>
+              <a:t> for each industry</a:t>
+            </a:r>
+          </a:p>
+          <a:p>
+            <a:pPr marL="285750" indent="-285750">
+              <a:buFontTx/>
+              <a:buChar char="-"/>
+            </a:pPr>
+            <a:r>
+              <a:rPr lang="en-US" altLang="ko-KR" sz="2400" dirty="0"/>
+              <a:t>Assumed the population and GDP from the values from </a:t>
+            </a:r>
+            <a:r>
+              <a:rPr lang="ko-KR" altLang="en-US" sz="2400" dirty="0"/>
+              <a:t>광남</a:t>
+            </a:r>
+            <a:r>
+              <a:rPr lang="en-US" altLang="ko-KR" sz="2400" dirty="0"/>
+              <a:t>’s work</a:t>
+            </a:r>
+          </a:p>
+        </p:txBody>
+      </p:sp>
+      <p:pic>
+        <p:nvPicPr>
+          <p:cNvPr id="3" name="그림 2">
+            <a:extLst>
+              <a:ext uri="{FF2B5EF4-FFF2-40B4-BE49-F238E27FC236}">
+                <a16:creationId xmlns:a16="http://schemas.microsoft.com/office/drawing/2014/main" id="{C9342571-A73D-4F4F-BA75-167D8247136D}"/>
+              </a:ext>
+            </a:extLst>
+          </p:cNvPr>
+          <p:cNvPicPr>
+            <a:picLocks noChangeAspect="1"/>
+          </p:cNvPicPr>
+          <p:nvPr/>
+        </p:nvPicPr>
+        <p:blipFill>
+          <a:blip r:embed="rId2"/>
+          <a:stretch>
+            <a:fillRect/>
+          </a:stretch>
+        </p:blipFill>
+        <p:spPr>
+          <a:xfrm>
+            <a:off x="404359" y="3786068"/>
+            <a:ext cx="5958692" cy="1508105"/>
+          </a:xfrm>
+          <a:prstGeom prst="rect">
+            <a:avLst/>
+          </a:prstGeom>
+        </p:spPr>
+      </p:pic>
+      <p:pic>
+        <p:nvPicPr>
+          <p:cNvPr id="7" name="그림 6">
+            <a:extLst>
+              <a:ext uri="{FF2B5EF4-FFF2-40B4-BE49-F238E27FC236}">
+                <a16:creationId xmlns:a16="http://schemas.microsoft.com/office/drawing/2014/main" id="{AF306E53-A0ED-4F63-BF33-FA6B974D45CB}"/>
+              </a:ext>
+            </a:extLst>
+          </p:cNvPr>
+          <p:cNvPicPr>
+            <a:picLocks noChangeAspect="1"/>
+          </p:cNvPicPr>
+          <p:nvPr/>
+        </p:nvPicPr>
+        <p:blipFill>
+          <a:blip r:embed="rId3"/>
+          <a:stretch>
+            <a:fillRect/>
+          </a:stretch>
+        </p:blipFill>
+        <p:spPr>
+          <a:xfrm>
+            <a:off x="416169" y="2329458"/>
+            <a:ext cx="5970502" cy="1313511"/>
+          </a:xfrm>
+          <a:prstGeom prst="rect">
+            <a:avLst/>
+          </a:prstGeom>
+        </p:spPr>
+      </p:pic>
+      <p:pic>
+        <p:nvPicPr>
+          <p:cNvPr id="4" name="그림 3">
+            <a:extLst>
+              <a:ext uri="{FF2B5EF4-FFF2-40B4-BE49-F238E27FC236}">
+                <a16:creationId xmlns:a16="http://schemas.microsoft.com/office/drawing/2014/main" id="{F4DC85FF-B0D3-4798-AC0E-C32C82E70DFE}"/>
+              </a:ext>
+            </a:extLst>
+          </p:cNvPr>
+          <p:cNvPicPr>
+            <a:picLocks noChangeAspect="1"/>
+          </p:cNvPicPr>
+          <p:nvPr/>
+        </p:nvPicPr>
+        <p:blipFill>
+          <a:blip r:embed="rId4"/>
+          <a:stretch>
+            <a:fillRect/>
+          </a:stretch>
+        </p:blipFill>
+        <p:spPr>
+          <a:xfrm>
+            <a:off x="6825002" y="2551708"/>
+            <a:ext cx="4711942" cy="2362321"/>
+          </a:xfrm>
+          <a:prstGeom prst="rect">
+            <a:avLst/>
+          </a:prstGeom>
+        </p:spPr>
+      </p:pic>
+      <p:sp>
+        <p:nvSpPr>
+          <p:cNvPr id="8" name="TextBox 7">
+            <a:extLst>
+              <a:ext uri="{FF2B5EF4-FFF2-40B4-BE49-F238E27FC236}">
+                <a16:creationId xmlns:a16="http://schemas.microsoft.com/office/drawing/2014/main" id="{5AD65523-5386-439C-868C-6EC2EA00F4A0}"/>
+              </a:ext>
+            </a:extLst>
+          </p:cNvPr>
+          <p:cNvSpPr txBox="1"/>
+          <p:nvPr/>
+        </p:nvSpPr>
+        <p:spPr>
+          <a:xfrm>
+            <a:off x="6773002" y="2095417"/>
+            <a:ext cx="4944865" cy="369332"/>
+          </a:xfrm>
+          <a:prstGeom prst="rect">
+            <a:avLst/>
+          </a:prstGeom>
+          <a:noFill/>
+        </p:spPr>
+        <p:txBody>
+          <a:bodyPr wrap="square" rtlCol="0">
+            <a:spAutoFit/>
+          </a:bodyPr>
+          <a:lstStyle/>
+          <a:p>
+            <a:r>
+              <a:rPr lang="en-US" altLang="ko-KR" dirty="0"/>
+              <a:t>Data taken from </a:t>
+            </a:r>
+            <a:r>
+              <a:rPr lang="ko-KR" altLang="en-US" dirty="0"/>
+              <a:t>광남</a:t>
+            </a:r>
+            <a:r>
+              <a:rPr lang="en-US" altLang="ko-KR" dirty="0"/>
+              <a:t>’s file for KPX 10</a:t>
+            </a:r>
+            <a:r>
+              <a:rPr lang="en-US" altLang="ko-KR" baseline="30000" dirty="0"/>
+              <a:t>th</a:t>
+            </a:r>
+            <a:r>
+              <a:rPr lang="en-US" altLang="ko-KR" dirty="0"/>
+              <a:t> work</a:t>
+            </a:r>
+          </a:p>
+        </p:txBody>
+      </p:sp>
+    </p:spTree>
+    <p:extLst>
+      <p:ext uri="{BB962C8B-B14F-4D97-AF65-F5344CB8AC3E}">
+        <p14:creationId xmlns:p14="http://schemas.microsoft.com/office/powerpoint/2010/main" val="882189132"/>
+      </p:ext>
+    </p:extLst>
+  </p:cSld>
+  <p:clrMapOvr>
+    <a:masterClrMapping/>
+  </p:clrMapOvr>
+</p:sld>
+</file>
+
 <file path=ppt/slides/slide3.xml><?xml version="1.0" encoding="utf-8"?>
 <p:sld xmlns:a="http://schemas.openxmlformats.org/drawingml/2006/main" xmlns:r="http://schemas.openxmlformats.org/officeDocument/2006/relationships" xmlns:p="http://schemas.openxmlformats.org/presentationml/2006/main">
   <p:cSld>
@@ -6672,6 +8014,437 @@
     <p:extLst>
       <p:ext uri="{BB962C8B-B14F-4D97-AF65-F5344CB8AC3E}">
         <p14:creationId xmlns:p14="http://schemas.microsoft.com/office/powerpoint/2010/main" val="3104361845"/>
+      </p:ext>
+    </p:extLst>
+  </p:cSld>
+  <p:clrMapOvr>
+    <a:masterClrMapping/>
+  </p:clrMapOvr>
+</p:sld>
+</file>
+
+<file path=ppt/slides/slide30.xml><?xml version="1.0" encoding="utf-8"?>
+<p:sld xmlns:a="http://schemas.openxmlformats.org/drawingml/2006/main" xmlns:r="http://schemas.openxmlformats.org/officeDocument/2006/relationships" xmlns:p="http://schemas.openxmlformats.org/presentationml/2006/main">
+  <p:cSld>
+    <p:spTree>
+      <p:nvGrpSpPr>
+        <p:cNvPr id="1" name=""/>
+        <p:cNvGrpSpPr/>
+        <p:nvPr/>
+      </p:nvGrpSpPr>
+      <p:grpSpPr>
+        <a:xfrm>
+          <a:off x="0" y="0"/>
+          <a:ext cx="0" cy="0"/>
+          <a:chOff x="0" y="0"/>
+          <a:chExt cx="0" cy="0"/>
+        </a:xfrm>
+      </p:grpSpPr>
+      <p:sp>
+        <p:nvSpPr>
+          <p:cNvPr id="10" name="TextBox 9">
+            <a:extLst>
+              <a:ext uri="{FF2B5EF4-FFF2-40B4-BE49-F238E27FC236}">
+                <a16:creationId xmlns:a16="http://schemas.microsoft.com/office/drawing/2014/main" id="{1A586119-7B32-44ED-B870-3977A9F3582F}"/>
+              </a:ext>
+            </a:extLst>
+          </p:cNvPr>
+          <p:cNvSpPr txBox="1"/>
+          <p:nvPr/>
+        </p:nvSpPr>
+        <p:spPr>
+          <a:xfrm>
+            <a:off x="416169" y="201468"/>
+            <a:ext cx="11301698" cy="2000548"/>
+          </a:xfrm>
+          <a:prstGeom prst="rect">
+            <a:avLst/>
+          </a:prstGeom>
+          <a:noFill/>
+        </p:spPr>
+        <p:txBody>
+          <a:bodyPr wrap="square" rtlCol="0">
+            <a:spAutoFit/>
+          </a:bodyPr>
+          <a:lstStyle/>
+          <a:p>
+            <a:r>
+              <a:rPr lang="en-US" altLang="ko-KR" sz="4400" dirty="0"/>
+              <a:t>231103</a:t>
+            </a:r>
+            <a:endParaRPr lang="en-US" altLang="ko-KR" dirty="0"/>
+          </a:p>
+          <a:p>
+            <a:pPr marL="285750" indent="-285750">
+              <a:buFontTx/>
+              <a:buChar char="-"/>
+            </a:pPr>
+            <a:r>
+              <a:rPr lang="en-US" altLang="ko-KR" sz="2000" dirty="0"/>
+              <a:t>Indexing to show trends in data measured in different units(in this case, KDI projection in won, GCAM output in EJ, MT)</a:t>
+            </a:r>
+          </a:p>
+          <a:p>
+            <a:pPr marL="285750" indent="-285750">
+              <a:buFontTx/>
+              <a:buChar char="-"/>
+            </a:pPr>
+            <a:r>
+              <a:rPr lang="en-US" altLang="ko-KR" sz="2000" dirty="0"/>
+              <a:t>Set 2005 value in each industry to 1, and scaled all other values based on their ratio to the 2005 value</a:t>
+            </a:r>
+          </a:p>
+        </p:txBody>
+      </p:sp>
+      <p:pic>
+        <p:nvPicPr>
+          <p:cNvPr id="16" name="그림 15">
+            <a:extLst>
+              <a:ext uri="{FF2B5EF4-FFF2-40B4-BE49-F238E27FC236}">
+                <a16:creationId xmlns:a16="http://schemas.microsoft.com/office/drawing/2014/main" id="{792C64B8-3EE1-4F13-8F09-606D0B403ECD}"/>
+              </a:ext>
+            </a:extLst>
+          </p:cNvPr>
+          <p:cNvPicPr>
+            <a:picLocks noChangeAspect="1"/>
+          </p:cNvPicPr>
+          <p:nvPr/>
+        </p:nvPicPr>
+        <p:blipFill>
+          <a:blip r:embed="rId2">
+            <a:extLst>
+              <a:ext uri="{28A0092B-C50C-407E-A947-70E740481C1C}">
+                <a14:useLocalDpi xmlns:a14="http://schemas.microsoft.com/office/drawing/2010/main" val="0"/>
+              </a:ext>
+            </a:extLst>
+          </a:blip>
+          <a:stretch>
+            <a:fillRect/>
+          </a:stretch>
+        </p:blipFill>
+        <p:spPr>
+          <a:xfrm>
+            <a:off x="634231" y="2239818"/>
+            <a:ext cx="11083636" cy="4618182"/>
+          </a:xfrm>
+          <a:prstGeom prst="rect">
+            <a:avLst/>
+          </a:prstGeom>
+        </p:spPr>
+      </p:pic>
+    </p:spTree>
+    <p:extLst>
+      <p:ext uri="{BB962C8B-B14F-4D97-AF65-F5344CB8AC3E}">
+        <p14:creationId xmlns:p14="http://schemas.microsoft.com/office/powerpoint/2010/main" val="3599646143"/>
+      </p:ext>
+    </p:extLst>
+  </p:cSld>
+  <p:clrMapOvr>
+    <a:masterClrMapping/>
+  </p:clrMapOvr>
+</p:sld>
+</file>
+
+<file path=ppt/slides/slide31.xml><?xml version="1.0" encoding="utf-8"?>
+<p:sld xmlns:a="http://schemas.openxmlformats.org/drawingml/2006/main" xmlns:r="http://schemas.openxmlformats.org/officeDocument/2006/relationships" xmlns:p="http://schemas.openxmlformats.org/presentationml/2006/main">
+  <p:cSld>
+    <p:spTree>
+      <p:nvGrpSpPr>
+        <p:cNvPr id="1" name=""/>
+        <p:cNvGrpSpPr/>
+        <p:nvPr/>
+      </p:nvGrpSpPr>
+      <p:grpSpPr>
+        <a:xfrm>
+          <a:off x="0" y="0"/>
+          <a:ext cx="0" cy="0"/>
+          <a:chOff x="0" y="0"/>
+          <a:chExt cx="0" cy="0"/>
+        </a:xfrm>
+      </p:grpSpPr>
+      <p:sp>
+        <p:nvSpPr>
+          <p:cNvPr id="10" name="TextBox 9">
+            <a:extLst>
+              <a:ext uri="{FF2B5EF4-FFF2-40B4-BE49-F238E27FC236}">
+                <a16:creationId xmlns:a16="http://schemas.microsoft.com/office/drawing/2014/main" id="{1A586119-7B32-44ED-B870-3977A9F3582F}"/>
+              </a:ext>
+            </a:extLst>
+          </p:cNvPr>
+          <p:cNvSpPr txBox="1"/>
+          <p:nvPr/>
+        </p:nvSpPr>
+        <p:spPr>
+          <a:xfrm>
+            <a:off x="416169" y="201468"/>
+            <a:ext cx="11301698" cy="1200329"/>
+          </a:xfrm>
+          <a:prstGeom prst="rect">
+            <a:avLst/>
+          </a:prstGeom>
+          <a:noFill/>
+        </p:spPr>
+        <p:txBody>
+          <a:bodyPr wrap="square" rtlCol="0">
+            <a:spAutoFit/>
+          </a:bodyPr>
+          <a:lstStyle/>
+          <a:p>
+            <a:r>
+              <a:rPr lang="en-US" altLang="ko-KR" sz="4400" dirty="0"/>
+              <a:t>231103</a:t>
+            </a:r>
+            <a:endParaRPr lang="en-US" altLang="ko-KR" dirty="0"/>
+          </a:p>
+          <a:p>
+            <a:pPr marL="285750" indent="-285750">
+              <a:buFontTx/>
+              <a:buChar char="-"/>
+            </a:pPr>
+            <a:r>
+              <a:rPr lang="en-US" altLang="ko-KR" sz="2800" dirty="0">
+                <a:highlight>
+                  <a:srgbClr val="FFFF00"/>
+                </a:highlight>
+              </a:rPr>
+              <a:t>Income elasticity </a:t>
+            </a:r>
+            <a:r>
+              <a:rPr lang="en-US" altLang="ko-KR" sz="2800" dirty="0"/>
+              <a:t>for each industry is also shown in the figure</a:t>
+            </a:r>
+            <a:r>
+              <a:rPr lang="en-US" altLang="ko-KR" dirty="0"/>
+              <a:t>.</a:t>
+            </a:r>
+          </a:p>
+        </p:txBody>
+      </p:sp>
+      <p:pic>
+        <p:nvPicPr>
+          <p:cNvPr id="14" name="그림 13">
+            <a:extLst>
+              <a:ext uri="{FF2B5EF4-FFF2-40B4-BE49-F238E27FC236}">
+                <a16:creationId xmlns:a16="http://schemas.microsoft.com/office/drawing/2014/main" id="{10CCBC23-D4B9-40F6-9C90-9FAF26B46A71}"/>
+              </a:ext>
+            </a:extLst>
+          </p:cNvPr>
+          <p:cNvPicPr>
+            <a:picLocks noChangeAspect="1"/>
+          </p:cNvPicPr>
+          <p:nvPr/>
+        </p:nvPicPr>
+        <p:blipFill>
+          <a:blip r:embed="rId2">
+            <a:extLst>
+              <a:ext uri="{28A0092B-C50C-407E-A947-70E740481C1C}">
+                <a14:useLocalDpi xmlns:a14="http://schemas.microsoft.com/office/drawing/2010/main" val="0"/>
+              </a:ext>
+            </a:extLst>
+          </a:blip>
+          <a:stretch>
+            <a:fillRect/>
+          </a:stretch>
+        </p:blipFill>
+        <p:spPr>
+          <a:xfrm>
+            <a:off x="1768648" y="2705771"/>
+            <a:ext cx="9160030" cy="3816679"/>
+          </a:xfrm>
+          <a:prstGeom prst="rect">
+            <a:avLst/>
+          </a:prstGeom>
+        </p:spPr>
+      </p:pic>
+      <p:pic>
+        <p:nvPicPr>
+          <p:cNvPr id="15" name="그림 14">
+            <a:extLst>
+              <a:ext uri="{FF2B5EF4-FFF2-40B4-BE49-F238E27FC236}">
+                <a16:creationId xmlns:a16="http://schemas.microsoft.com/office/drawing/2014/main" id="{46CC8A92-4D11-4BB5-8D12-F02C809676FD}"/>
+              </a:ext>
+            </a:extLst>
+          </p:cNvPr>
+          <p:cNvPicPr>
+            <a:picLocks noChangeAspect="1"/>
+          </p:cNvPicPr>
+          <p:nvPr/>
+        </p:nvPicPr>
+        <p:blipFill>
+          <a:blip r:embed="rId3">
+            <a:extLst>
+              <a:ext uri="{28A0092B-C50C-407E-A947-70E740481C1C}">
+                <a14:useLocalDpi xmlns:a14="http://schemas.microsoft.com/office/drawing/2010/main" val="0"/>
+              </a:ext>
+            </a:extLst>
+          </a:blip>
+          <a:stretch>
+            <a:fillRect/>
+          </a:stretch>
+        </p:blipFill>
+        <p:spPr>
+          <a:xfrm>
+            <a:off x="1768648" y="2705770"/>
+            <a:ext cx="9160030" cy="3816679"/>
+          </a:xfrm>
+          <a:prstGeom prst="rect">
+            <a:avLst/>
+          </a:prstGeom>
+        </p:spPr>
+      </p:pic>
+      <p:pic>
+        <p:nvPicPr>
+          <p:cNvPr id="19" name="그림 18">
+            <a:extLst>
+              <a:ext uri="{FF2B5EF4-FFF2-40B4-BE49-F238E27FC236}">
+                <a16:creationId xmlns:a16="http://schemas.microsoft.com/office/drawing/2014/main" id="{3C69147A-DD0C-468B-9E90-A3A61A725B6F}"/>
+              </a:ext>
+            </a:extLst>
+          </p:cNvPr>
+          <p:cNvPicPr>
+            <a:picLocks noChangeAspect="1"/>
+          </p:cNvPicPr>
+          <p:nvPr/>
+        </p:nvPicPr>
+        <p:blipFill>
+          <a:blip r:embed="rId4">
+            <a:extLst>
+              <a:ext uri="{28A0092B-C50C-407E-A947-70E740481C1C}">
+                <a14:useLocalDpi xmlns:a14="http://schemas.microsoft.com/office/drawing/2010/main" val="0"/>
+              </a:ext>
+            </a:extLst>
+          </a:blip>
+          <a:stretch>
+            <a:fillRect/>
+          </a:stretch>
+        </p:blipFill>
+        <p:spPr>
+          <a:xfrm>
+            <a:off x="608861" y="2239818"/>
+            <a:ext cx="11632003" cy="4618182"/>
+          </a:xfrm>
+          <a:prstGeom prst="rect">
+            <a:avLst/>
+          </a:prstGeom>
+        </p:spPr>
+      </p:pic>
+    </p:spTree>
+    <p:extLst>
+      <p:ext uri="{BB962C8B-B14F-4D97-AF65-F5344CB8AC3E}">
+        <p14:creationId xmlns:p14="http://schemas.microsoft.com/office/powerpoint/2010/main" val="3920304940"/>
+      </p:ext>
+    </p:extLst>
+  </p:cSld>
+  <p:clrMapOvr>
+    <a:masterClrMapping/>
+  </p:clrMapOvr>
+</p:sld>
+</file>
+
+<file path=ppt/slides/slide32.xml><?xml version="1.0" encoding="utf-8"?>
+<p:sld xmlns:a="http://schemas.openxmlformats.org/drawingml/2006/main" xmlns:r="http://schemas.openxmlformats.org/officeDocument/2006/relationships" xmlns:p="http://schemas.openxmlformats.org/presentationml/2006/main">
+  <p:cSld>
+    <p:spTree>
+      <p:nvGrpSpPr>
+        <p:cNvPr id="1" name=""/>
+        <p:cNvGrpSpPr/>
+        <p:nvPr/>
+      </p:nvGrpSpPr>
+      <p:grpSpPr>
+        <a:xfrm>
+          <a:off x="0" y="0"/>
+          <a:ext cx="0" cy="0"/>
+          <a:chOff x="0" y="0"/>
+          <a:chExt cx="0" cy="0"/>
+        </a:xfrm>
+      </p:grpSpPr>
+      <p:sp>
+        <p:nvSpPr>
+          <p:cNvPr id="10" name="TextBox 9">
+            <a:extLst>
+              <a:ext uri="{FF2B5EF4-FFF2-40B4-BE49-F238E27FC236}">
+                <a16:creationId xmlns:a16="http://schemas.microsoft.com/office/drawing/2014/main" id="{1A586119-7B32-44ED-B870-3977A9F3582F}"/>
+              </a:ext>
+            </a:extLst>
+          </p:cNvPr>
+          <p:cNvSpPr txBox="1"/>
+          <p:nvPr/>
+        </p:nvSpPr>
+        <p:spPr>
+          <a:xfrm>
+            <a:off x="416169" y="201468"/>
+            <a:ext cx="11301698" cy="4647426"/>
+          </a:xfrm>
+          <a:prstGeom prst="rect">
+            <a:avLst/>
+          </a:prstGeom>
+          <a:noFill/>
+        </p:spPr>
+        <p:txBody>
+          <a:bodyPr wrap="square" rtlCol="0">
+            <a:spAutoFit/>
+          </a:bodyPr>
+          <a:lstStyle/>
+          <a:p>
+            <a:r>
+              <a:rPr lang="en-US" altLang="ko-KR" sz="4400" dirty="0"/>
+              <a:t>231103</a:t>
+            </a:r>
+            <a:endParaRPr lang="en-US" altLang="ko-KR" dirty="0"/>
+          </a:p>
+          <a:p>
+            <a:pPr marL="285750" indent="-285750">
+              <a:buFontTx/>
+              <a:buChar char="-"/>
+            </a:pPr>
+            <a:r>
+              <a:rPr lang="en-US" altLang="ko-KR" sz="2800" dirty="0"/>
+              <a:t>In conclusion,</a:t>
+            </a:r>
+          </a:p>
+          <a:p>
+            <a:endParaRPr lang="en-US" altLang="ko-KR" sz="2800" dirty="0"/>
+          </a:p>
+          <a:p>
+            <a:pPr marL="514350" indent="-514350">
+              <a:buAutoNum type="arabicPeriod"/>
+            </a:pPr>
+            <a:r>
+              <a:rPr lang="en-US" altLang="ko-KR" sz="2800" dirty="0"/>
+              <a:t>Tried to keep the consistency of KPX data with IO tables by Korea bank.</a:t>
+            </a:r>
+          </a:p>
+          <a:p>
+            <a:pPr marL="514350" indent="-514350">
+              <a:buAutoNum type="arabicPeriod"/>
+            </a:pPr>
+            <a:r>
+              <a:rPr lang="en-US" altLang="ko-KR" sz="2800" dirty="0"/>
+              <a:t>By using index value, it is possible to see data trends measured in different units(KPX vs GCAM)</a:t>
+            </a:r>
+          </a:p>
+          <a:p>
+            <a:pPr marL="514350" indent="-514350">
+              <a:buAutoNum type="arabicPeriod"/>
+            </a:pPr>
+            <a:r>
+              <a:rPr lang="en-US" altLang="ko-KR" sz="2800" dirty="0"/>
+              <a:t>Calculated the income elasticity of each industry and compared them with index value.</a:t>
+            </a:r>
+          </a:p>
+          <a:p>
+            <a:endParaRPr lang="en-US" altLang="ko-KR" sz="2800" dirty="0">
+              <a:highlight>
+                <a:srgbClr val="FFFF00"/>
+              </a:highlight>
+            </a:endParaRPr>
+          </a:p>
+        </p:txBody>
+      </p:sp>
+    </p:spTree>
+    <p:extLst>
+      <p:ext uri="{BB962C8B-B14F-4D97-AF65-F5344CB8AC3E}">
+        <p14:creationId xmlns:p14="http://schemas.microsoft.com/office/powerpoint/2010/main" val="3037514853"/>
       </p:ext>
     </p:extLst>
   </p:cSld>
